--- a/June_Batch/16-06-22/html_16_06_22-lecture topics.pptx
+++ b/June_Batch/16-06-22/html_16_06_22-lecture topics.pptx
@@ -20,22 +20,24 @@
     <p:sldId id="394" r:id="rId14"/>
     <p:sldId id="395" r:id="rId15"/>
     <p:sldId id="390" r:id="rId16"/>
-    <p:sldId id="396" r:id="rId17"/>
-    <p:sldId id="324" r:id="rId18"/>
-    <p:sldId id="326" r:id="rId19"/>
-    <p:sldId id="327" r:id="rId20"/>
-    <p:sldId id="331" r:id="rId21"/>
-    <p:sldId id="397" r:id="rId22"/>
-    <p:sldId id="398" r:id="rId23"/>
-    <p:sldId id="373" r:id="rId24"/>
+    <p:sldId id="324" r:id="rId17"/>
+    <p:sldId id="326" r:id="rId18"/>
+    <p:sldId id="327" r:id="rId19"/>
+    <p:sldId id="331" r:id="rId20"/>
+    <p:sldId id="397" r:id="rId21"/>
+    <p:sldId id="398" r:id="rId22"/>
+    <p:sldId id="373" r:id="rId23"/>
+    <p:sldId id="400" r:id="rId24"/>
     <p:sldId id="399" r:id="rId25"/>
-    <p:sldId id="400" r:id="rId26"/>
-    <p:sldId id="374" r:id="rId27"/>
-    <p:sldId id="402" r:id="rId28"/>
-    <p:sldId id="336" r:id="rId29"/>
-    <p:sldId id="385" r:id="rId30"/>
-    <p:sldId id="386" r:id="rId31"/>
-    <p:sldId id="388" r:id="rId32"/>
+    <p:sldId id="374" r:id="rId26"/>
+    <p:sldId id="402" r:id="rId27"/>
+    <p:sldId id="336" r:id="rId28"/>
+    <p:sldId id="403" r:id="rId29"/>
+    <p:sldId id="404" r:id="rId30"/>
+    <p:sldId id="396" r:id="rId31"/>
+    <p:sldId id="386" r:id="rId32"/>
+    <p:sldId id="385" r:id="rId33"/>
+    <p:sldId id="388" r:id="rId34"/>
   </p:sldIdLst>
   <p:sldSz cx="12192000" cy="6858000"/>
   <p:notesSz cx="6858000" cy="9144000"/>
@@ -136,7 +138,7 @@
   </p:defaultTextStyle>
   <p:extLst>
     <p:ext uri="{EFAFB233-063F-42B5-8137-9DF3F51BA10A}">
-      <p15:sldGuideLst xmlns="" xmlns:p15="http://schemas.microsoft.com/office/powerpoint/2012/main">
+      <p15:sldGuideLst xmlns:p15="http://schemas.microsoft.com/office/powerpoint/2012/main" xmlns="">
         <p15:guide id="1" orient="horz" pos="2160">
           <p15:clr>
             <a:srgbClr val="A4A3A4"/>
@@ -337,7 +339,7 @@
     </p:spTree>
     <p:extLst>
       <p:ext uri="{BB962C8B-B14F-4D97-AF65-F5344CB8AC3E}">
-        <p14:creationId xmlns="" xmlns:p14="http://schemas.microsoft.com/office/powerpoint/2010/main" val="3096064434"/>
+        <p14:creationId xmlns:p14="http://schemas.microsoft.com/office/powerpoint/2010/main" xmlns="" val="3096064434"/>
       </p:ext>
     </p:extLst>
   </p:cSld>
@@ -509,7 +511,7 @@
     </p:spTree>
     <p:extLst>
       <p:ext uri="{BB962C8B-B14F-4D97-AF65-F5344CB8AC3E}">
-        <p14:creationId xmlns="" xmlns:p14="http://schemas.microsoft.com/office/powerpoint/2010/main" val="71407721"/>
+        <p14:creationId xmlns:p14="http://schemas.microsoft.com/office/powerpoint/2010/main" xmlns="" val="71407721"/>
       </p:ext>
     </p:extLst>
   </p:cSld>
@@ -691,7 +693,7 @@
     </p:spTree>
     <p:extLst>
       <p:ext uri="{BB962C8B-B14F-4D97-AF65-F5344CB8AC3E}">
-        <p14:creationId xmlns="" xmlns:p14="http://schemas.microsoft.com/office/powerpoint/2010/main" val="3852493858"/>
+        <p14:creationId xmlns:p14="http://schemas.microsoft.com/office/powerpoint/2010/main" xmlns="" val="3852493858"/>
       </p:ext>
     </p:extLst>
   </p:cSld>
@@ -863,7 +865,7 @@
     </p:spTree>
     <p:extLst>
       <p:ext uri="{BB962C8B-B14F-4D97-AF65-F5344CB8AC3E}">
-        <p14:creationId xmlns="" xmlns:p14="http://schemas.microsoft.com/office/powerpoint/2010/main" val="282795843"/>
+        <p14:creationId xmlns:p14="http://schemas.microsoft.com/office/powerpoint/2010/main" xmlns="" val="282795843"/>
       </p:ext>
     </p:extLst>
   </p:cSld>
@@ -1111,7 +1113,7 @@
     </p:spTree>
     <p:extLst>
       <p:ext uri="{BB962C8B-B14F-4D97-AF65-F5344CB8AC3E}">
-        <p14:creationId xmlns="" xmlns:p14="http://schemas.microsoft.com/office/powerpoint/2010/main" val="1315004973"/>
+        <p14:creationId xmlns:p14="http://schemas.microsoft.com/office/powerpoint/2010/main" xmlns="" val="1315004973"/>
       </p:ext>
     </p:extLst>
   </p:cSld>
@@ -1345,7 +1347,7 @@
     </p:spTree>
     <p:extLst>
       <p:ext uri="{BB962C8B-B14F-4D97-AF65-F5344CB8AC3E}">
-        <p14:creationId xmlns="" xmlns:p14="http://schemas.microsoft.com/office/powerpoint/2010/main" val="3048296005"/>
+        <p14:creationId xmlns:p14="http://schemas.microsoft.com/office/powerpoint/2010/main" xmlns="" val="3048296005"/>
       </p:ext>
     </p:extLst>
   </p:cSld>
@@ -1714,7 +1716,7 @@
     </p:spTree>
     <p:extLst>
       <p:ext uri="{BB962C8B-B14F-4D97-AF65-F5344CB8AC3E}">
-        <p14:creationId xmlns="" xmlns:p14="http://schemas.microsoft.com/office/powerpoint/2010/main" val="890299385"/>
+        <p14:creationId xmlns:p14="http://schemas.microsoft.com/office/powerpoint/2010/main" xmlns="" val="890299385"/>
       </p:ext>
     </p:extLst>
   </p:cSld>
@@ -1834,7 +1836,7 @@
     </p:spTree>
     <p:extLst>
       <p:ext uri="{BB962C8B-B14F-4D97-AF65-F5344CB8AC3E}">
-        <p14:creationId xmlns="" xmlns:p14="http://schemas.microsoft.com/office/powerpoint/2010/main" val="2049573599"/>
+        <p14:creationId xmlns:p14="http://schemas.microsoft.com/office/powerpoint/2010/main" xmlns="" val="2049573599"/>
       </p:ext>
     </p:extLst>
   </p:cSld>
@@ -1931,7 +1933,7 @@
     </p:spTree>
     <p:extLst>
       <p:ext uri="{BB962C8B-B14F-4D97-AF65-F5344CB8AC3E}">
-        <p14:creationId xmlns="" xmlns:p14="http://schemas.microsoft.com/office/powerpoint/2010/main" val="1896888541"/>
+        <p14:creationId xmlns:p14="http://schemas.microsoft.com/office/powerpoint/2010/main" xmlns="" val="1896888541"/>
       </p:ext>
     </p:extLst>
   </p:cSld>
@@ -2210,7 +2212,7 @@
     </p:spTree>
     <p:extLst>
       <p:ext uri="{BB962C8B-B14F-4D97-AF65-F5344CB8AC3E}">
-        <p14:creationId xmlns="" xmlns:p14="http://schemas.microsoft.com/office/powerpoint/2010/main" val="1581260034"/>
+        <p14:creationId xmlns:p14="http://schemas.microsoft.com/office/powerpoint/2010/main" xmlns="" val="1581260034"/>
       </p:ext>
     </p:extLst>
   </p:cSld>
@@ -2469,7 +2471,7 @@
     </p:spTree>
     <p:extLst>
       <p:ext uri="{BB962C8B-B14F-4D97-AF65-F5344CB8AC3E}">
-        <p14:creationId xmlns="" xmlns:p14="http://schemas.microsoft.com/office/powerpoint/2010/main" val="2397771766"/>
+        <p14:creationId xmlns:p14="http://schemas.microsoft.com/office/powerpoint/2010/main" xmlns="" val="2397771766"/>
       </p:ext>
     </p:extLst>
   </p:cSld>
@@ -2722,7 +2724,7 @@
           <p:cNvPr id="7" name="TextBox 6">
             <a:extLst>
               <a:ext uri="{FF2B5EF4-FFF2-40B4-BE49-F238E27FC236}">
-                <a16:creationId xmlns="" xmlns:a16="http://schemas.microsoft.com/office/drawing/2014/main" id="{847969B0-9AAB-4EBF-AF99-17A470D83F03}"/>
+                <a16:creationId xmlns:a16="http://schemas.microsoft.com/office/drawing/2014/main" xmlns="" id="{847969B0-9AAB-4EBF-AF99-17A470D83F03}"/>
               </a:ext>
             </a:extLst>
           </p:cNvPr>
@@ -2769,7 +2771,7 @@
     </p:spTree>
     <p:extLst>
       <p:ext uri="{BB962C8B-B14F-4D97-AF65-F5344CB8AC3E}">
-        <p14:creationId xmlns="" xmlns:p14="http://schemas.microsoft.com/office/powerpoint/2010/main" val="492407304"/>
+        <p14:creationId xmlns:p14="http://schemas.microsoft.com/office/powerpoint/2010/main" xmlns="" val="492407304"/>
       </p:ext>
     </p:extLst>
   </p:cSld>
@@ -3177,7 +3179,7 @@
     </p:spTree>
     <p:extLst>
       <p:ext uri="{BB962C8B-B14F-4D97-AF65-F5344CB8AC3E}">
-        <p14:creationId xmlns="" xmlns:p14="http://schemas.microsoft.com/office/powerpoint/2010/main" val="4062787881"/>
+        <p14:creationId xmlns:p14="http://schemas.microsoft.com/office/powerpoint/2010/main" xmlns="" val="4062787881"/>
       </p:ext>
     </p:extLst>
   </p:cSld>
@@ -3949,7 +3951,7 @@
     </p:spTree>
     <p:extLst>
       <p:ext uri="{BB962C8B-B14F-4D97-AF65-F5344CB8AC3E}">
-        <p14:creationId xmlns:p14="http://schemas.microsoft.com/office/powerpoint/2010/main" xmlns="" val="1328577666"/>
+        <p14:creationId xmlns="" xmlns:p14="http://schemas.microsoft.com/office/powerpoint/2010/main" val="1328577666"/>
       </p:ext>
     </p:extLst>
   </p:cSld>
@@ -4567,7 +4569,15 @@
                   <a:srgbClr val="0064B5"/>
                 </a:solidFill>
               </a:rPr>
-              <a:t>Element, Tag &amp; Attribute</a:t>
+              <a:t>Element, </a:t>
+            </a:r>
+            <a:r>
+              <a:rPr lang="en-US" sz="3600" b="1" dirty="0" smtClean="0">
+                <a:solidFill>
+                  <a:srgbClr val="0064B5"/>
+                </a:solidFill>
+              </a:rPr>
+              <a:t>Tag</a:t>
             </a:r>
             <a:endParaRPr lang="en-US" sz="3600" b="1" dirty="0">
               <a:solidFill>
@@ -4610,43 +4620,10 @@
           <a:effectLst/>
         </p:spPr>
       </p:pic>
-      <p:pic>
-        <p:nvPicPr>
-          <p:cNvPr id="8" name="Picture 2"/>
-          <p:cNvPicPr>
-            <a:picLocks noChangeAspect="1" noChangeArrowheads="1"/>
-          </p:cNvPicPr>
-          <p:nvPr/>
-        </p:nvPicPr>
-        <p:blipFill>
-          <a:blip r:embed="rId3"/>
-          <a:srcRect/>
-          <a:stretch>
-            <a:fillRect/>
-          </a:stretch>
-        </p:blipFill>
-        <p:spPr bwMode="auto">
-          <a:xfrm>
-            <a:off x="6110677" y="1068081"/>
-            <a:ext cx="5802402" cy="3219247"/>
-          </a:xfrm>
-          <a:prstGeom prst="rect">
-            <a:avLst/>
-          </a:prstGeom>
-          <a:noFill/>
-          <a:ln w="9525">
-            <a:noFill/>
-            <a:miter lim="800000"/>
-            <a:headEnd/>
-            <a:tailEnd/>
-          </a:ln>
-          <a:effectLst/>
-        </p:spPr>
-      </p:pic>
     </p:spTree>
     <p:extLst>
       <p:ext uri="{BB962C8B-B14F-4D97-AF65-F5344CB8AC3E}">
-        <p14:creationId xmlns:p14="http://schemas.microsoft.com/office/powerpoint/2010/main" xmlns="" val="1328577666"/>
+        <p14:creationId xmlns="" xmlns:p14="http://schemas.microsoft.com/office/powerpoint/2010/main" val="1328577666"/>
       </p:ext>
     </p:extLst>
   </p:cSld>
@@ -4682,67 +4659,421 @@
       </p:grpSpPr>
       <p:sp>
         <p:nvSpPr>
-          <p:cNvPr id="2" name="Title 1"/>
-          <p:cNvSpPr>
-            <a:spLocks noGrp="1"/>
+          <p:cNvPr id="4" name="Content Placeholder 13"/>
+          <p:cNvSpPr txBox="1">
+            <a:spLocks/>
           </p:cNvSpPr>
-          <p:nvPr>
-            <p:ph type="title"/>
-          </p:nvPr>
-        </p:nvSpPr>
-        <p:spPr/>
-        <p:txBody>
-          <a:bodyPr/>
-          <a:lstStyle/>
-          <a:p>
-            <a:r>
-              <a:rPr lang="en-IN" dirty="0" smtClean="0"/>
-              <a:t>QUESTION</a:t>
-            </a:r>
-            <a:endParaRPr lang="en-US" dirty="0"/>
-          </a:p>
-        </p:txBody>
-      </p:sp>
-      <p:pic>
-        <p:nvPicPr>
-          <p:cNvPr id="9218" name="Picture 2"/>
-          <p:cNvPicPr>
-            <a:picLocks noGrp="1" noChangeAspect="1" noChangeArrowheads="1"/>
-          </p:cNvPicPr>
-          <p:nvPr>
-            <p:ph idx="1"/>
-          </p:nvPr>
-        </p:nvPicPr>
-        <p:blipFill>
-          <a:blip r:embed="rId2"/>
-          <a:srcRect/>
-          <a:stretch>
-            <a:fillRect/>
-          </a:stretch>
-        </p:blipFill>
-        <p:spPr bwMode="auto">
+          <p:nvPr/>
+        </p:nvSpPr>
+        <p:spPr>
           <a:xfrm>
-            <a:off x="1785937" y="2158206"/>
-            <a:ext cx="8620125" cy="3686175"/>
+            <a:off x="321126" y="334401"/>
+            <a:ext cx="9791700" cy="630192"/>
           </a:xfrm>
           <a:prstGeom prst="rect">
             <a:avLst/>
           </a:prstGeom>
-          <a:noFill/>
-          <a:ln w="9525">
-            <a:noFill/>
-            <a:miter lim="800000"/>
-            <a:headEnd/>
-            <a:tailEnd/>
-          </a:ln>
-          <a:effectLst/>
         </p:spPr>
-      </p:pic>
+        <p:txBody>
+          <a:bodyPr vert="horz" lIns="91440" tIns="45720" rIns="91440" bIns="45720" rtlCol="0">
+            <a:noAutofit/>
+          </a:bodyPr>
+          <a:lstStyle>
+            <a:lvl1pPr marL="0" indent="0" algn="ctr" defTabSz="914400" rtl="0" eaLnBrk="1" latinLnBrk="0" hangingPunct="1">
+              <a:lnSpc>
+                <a:spcPct val="90000"/>
+              </a:lnSpc>
+              <a:spcBef>
+                <a:spcPts val="1000"/>
+              </a:spcBef>
+              <a:buFont typeface="Arial" panose="020B0604020202020204" pitchFamily="34" charset="0"/>
+              <a:buNone/>
+              <a:defRPr kumimoji="1" sz="2400" kern="1200">
+                <a:solidFill>
+                  <a:schemeClr val="tx1"/>
+                </a:solidFill>
+                <a:latin typeface="+mn-lt"/>
+                <a:ea typeface="+mn-ea"/>
+                <a:cs typeface="+mn-cs"/>
+              </a:defRPr>
+            </a:lvl1pPr>
+            <a:lvl2pPr marL="457200" indent="0" algn="ctr" defTabSz="914400" rtl="0" eaLnBrk="1" latinLnBrk="0" hangingPunct="1">
+              <a:lnSpc>
+                <a:spcPct val="90000"/>
+              </a:lnSpc>
+              <a:spcBef>
+                <a:spcPts val="500"/>
+              </a:spcBef>
+              <a:buFont typeface="Arial" panose="020B0604020202020204" pitchFamily="34" charset="0"/>
+              <a:buNone/>
+              <a:defRPr kumimoji="1" sz="2000" kern="1200">
+                <a:solidFill>
+                  <a:schemeClr val="tx1"/>
+                </a:solidFill>
+                <a:latin typeface="+mn-lt"/>
+                <a:ea typeface="+mn-ea"/>
+                <a:cs typeface="+mn-cs"/>
+              </a:defRPr>
+            </a:lvl2pPr>
+            <a:lvl3pPr marL="914400" indent="0" algn="ctr" defTabSz="914400" rtl="0" eaLnBrk="1" latinLnBrk="0" hangingPunct="1">
+              <a:lnSpc>
+                <a:spcPct val="90000"/>
+              </a:lnSpc>
+              <a:spcBef>
+                <a:spcPts val="500"/>
+              </a:spcBef>
+              <a:buFont typeface="Arial" panose="020B0604020202020204" pitchFamily="34" charset="0"/>
+              <a:buNone/>
+              <a:defRPr kumimoji="1" sz="1800" kern="1200">
+                <a:solidFill>
+                  <a:schemeClr val="tx1"/>
+                </a:solidFill>
+                <a:latin typeface="+mn-lt"/>
+                <a:ea typeface="+mn-ea"/>
+                <a:cs typeface="+mn-cs"/>
+              </a:defRPr>
+            </a:lvl3pPr>
+            <a:lvl4pPr marL="1371600" indent="0" algn="ctr" defTabSz="914400" rtl="0" eaLnBrk="1" latinLnBrk="0" hangingPunct="1">
+              <a:lnSpc>
+                <a:spcPct val="90000"/>
+              </a:lnSpc>
+              <a:spcBef>
+                <a:spcPts val="500"/>
+              </a:spcBef>
+              <a:buFont typeface="Arial" panose="020B0604020202020204" pitchFamily="34" charset="0"/>
+              <a:buNone/>
+              <a:defRPr kumimoji="1" sz="1600" kern="1200">
+                <a:solidFill>
+                  <a:schemeClr val="tx1"/>
+                </a:solidFill>
+                <a:latin typeface="+mn-lt"/>
+                <a:ea typeface="+mn-ea"/>
+                <a:cs typeface="+mn-cs"/>
+              </a:defRPr>
+            </a:lvl4pPr>
+            <a:lvl5pPr marL="1828800" indent="0" algn="ctr" defTabSz="914400" rtl="0" eaLnBrk="1" latinLnBrk="0" hangingPunct="1">
+              <a:lnSpc>
+                <a:spcPct val="90000"/>
+              </a:lnSpc>
+              <a:spcBef>
+                <a:spcPts val="500"/>
+              </a:spcBef>
+              <a:buFont typeface="Arial" panose="020B0604020202020204" pitchFamily="34" charset="0"/>
+              <a:buNone/>
+              <a:defRPr kumimoji="1" sz="1600" kern="1200">
+                <a:solidFill>
+                  <a:schemeClr val="tx1"/>
+                </a:solidFill>
+                <a:latin typeface="+mn-lt"/>
+                <a:ea typeface="+mn-ea"/>
+                <a:cs typeface="+mn-cs"/>
+              </a:defRPr>
+            </a:lvl5pPr>
+            <a:lvl6pPr marL="2286000" indent="0" algn="ctr" defTabSz="914400" rtl="0" eaLnBrk="1" latinLnBrk="0" hangingPunct="1">
+              <a:lnSpc>
+                <a:spcPct val="90000"/>
+              </a:lnSpc>
+              <a:spcBef>
+                <a:spcPts val="500"/>
+              </a:spcBef>
+              <a:buFont typeface="Arial" panose="020B0604020202020204" pitchFamily="34" charset="0"/>
+              <a:buNone/>
+              <a:defRPr kumimoji="1" sz="1600" kern="1200">
+                <a:solidFill>
+                  <a:schemeClr val="tx1"/>
+                </a:solidFill>
+                <a:latin typeface="+mn-lt"/>
+                <a:ea typeface="+mn-ea"/>
+                <a:cs typeface="+mn-cs"/>
+              </a:defRPr>
+            </a:lvl6pPr>
+            <a:lvl7pPr marL="2743200" indent="0" algn="ctr" defTabSz="914400" rtl="0" eaLnBrk="1" latinLnBrk="0" hangingPunct="1">
+              <a:lnSpc>
+                <a:spcPct val="90000"/>
+              </a:lnSpc>
+              <a:spcBef>
+                <a:spcPts val="500"/>
+              </a:spcBef>
+              <a:buFont typeface="Arial" panose="020B0604020202020204" pitchFamily="34" charset="0"/>
+              <a:buNone/>
+              <a:defRPr kumimoji="1" sz="1600" kern="1200">
+                <a:solidFill>
+                  <a:schemeClr val="tx1"/>
+                </a:solidFill>
+                <a:latin typeface="+mn-lt"/>
+                <a:ea typeface="+mn-ea"/>
+                <a:cs typeface="+mn-cs"/>
+              </a:defRPr>
+            </a:lvl7pPr>
+            <a:lvl8pPr marL="3200400" indent="0" algn="ctr" defTabSz="914400" rtl="0" eaLnBrk="1" latinLnBrk="0" hangingPunct="1">
+              <a:lnSpc>
+                <a:spcPct val="90000"/>
+              </a:lnSpc>
+              <a:spcBef>
+                <a:spcPts val="500"/>
+              </a:spcBef>
+              <a:buFont typeface="Arial" panose="020B0604020202020204" pitchFamily="34" charset="0"/>
+              <a:buNone/>
+              <a:defRPr kumimoji="1" sz="1600" kern="1200">
+                <a:solidFill>
+                  <a:schemeClr val="tx1"/>
+                </a:solidFill>
+                <a:latin typeface="+mn-lt"/>
+                <a:ea typeface="+mn-ea"/>
+                <a:cs typeface="+mn-cs"/>
+              </a:defRPr>
+            </a:lvl8pPr>
+            <a:lvl9pPr marL="3657600" indent="0" algn="ctr" defTabSz="914400" rtl="0" eaLnBrk="1" latinLnBrk="0" hangingPunct="1">
+              <a:lnSpc>
+                <a:spcPct val="90000"/>
+              </a:lnSpc>
+              <a:spcBef>
+                <a:spcPts val="500"/>
+              </a:spcBef>
+              <a:buFont typeface="Arial" panose="020B0604020202020204" pitchFamily="34" charset="0"/>
+              <a:buNone/>
+              <a:defRPr kumimoji="1" sz="1600" kern="1200">
+                <a:solidFill>
+                  <a:schemeClr val="tx1"/>
+                </a:solidFill>
+                <a:latin typeface="+mn-lt"/>
+                <a:ea typeface="+mn-ea"/>
+                <a:cs typeface="+mn-cs"/>
+              </a:defRPr>
+            </a:lvl9pPr>
+          </a:lstStyle>
+          <a:p>
+            <a:pPr algn="l"/>
+            <a:r>
+              <a:rPr lang="en-US" sz="3600" b="1" dirty="0">
+                <a:solidFill>
+                  <a:srgbClr val="0064B5"/>
+                </a:solidFill>
+              </a:rPr>
+              <a:t>Main Categories of Elements and Attributes</a:t>
+            </a:r>
+          </a:p>
+        </p:txBody>
+      </p:sp>
+      <p:sp>
+        <p:nvSpPr>
+          <p:cNvPr id="10" name="Rectangle 9"/>
+          <p:cNvSpPr/>
+          <p:nvPr/>
+        </p:nvSpPr>
+        <p:spPr>
+          <a:xfrm>
+            <a:off x="338379" y="1077598"/>
+            <a:ext cx="9236941" cy="5493812"/>
+          </a:xfrm>
+          <a:prstGeom prst="rect">
+            <a:avLst/>
+          </a:prstGeom>
+        </p:spPr>
+        <p:txBody>
+          <a:bodyPr wrap="square">
+            <a:spAutoFit/>
+          </a:bodyPr>
+          <a:lstStyle/>
+          <a:p>
+            <a:pPr marL="285750" indent="-285750">
+              <a:lnSpc>
+                <a:spcPct val="150000"/>
+              </a:lnSpc>
+            </a:pPr>
+            <a:r>
+              <a:rPr lang="en-US" altLang="ja-JP" dirty="0"/>
+              <a:t>The main categories of elements are mentioned below:</a:t>
+            </a:r>
+          </a:p>
+          <a:p>
+            <a:pPr marL="285750" indent="-285750">
+              <a:lnSpc>
+                <a:spcPct val="150000"/>
+              </a:lnSpc>
+              <a:buFont typeface="Arial" pitchFamily="34" charset="0"/>
+              <a:buChar char="•"/>
+            </a:pPr>
+            <a:r>
+              <a:rPr lang="en-US" altLang="ja-JP" dirty="0"/>
+              <a:t>Block level elements </a:t>
+            </a:r>
+            <a:r>
+              <a:rPr lang="en-US" altLang="ja-JP" dirty="0" smtClean="0"/>
+              <a:t>:</a:t>
+            </a:r>
+          </a:p>
+          <a:p>
+            <a:pPr marL="285750" indent="-285750">
+              <a:lnSpc>
+                <a:spcPct val="150000"/>
+              </a:lnSpc>
+            </a:pPr>
+            <a:r>
+              <a:rPr lang="en-US" altLang="ja-JP" dirty="0" smtClean="0"/>
+              <a:t>	 </a:t>
+            </a:r>
+            <a:r>
+              <a:rPr lang="en-US" altLang="ja-JP" dirty="0"/>
+              <a:t>&lt;div&gt;, &lt;p&gt;, &lt;h1&gt; to &lt;h6&gt;, &lt;form&gt;, &lt;table&gt; etc.,</a:t>
+            </a:r>
+          </a:p>
+          <a:p>
+            <a:pPr marL="285750" indent="-285750">
+              <a:lnSpc>
+                <a:spcPct val="150000"/>
+              </a:lnSpc>
+              <a:buFont typeface="Arial" pitchFamily="34" charset="0"/>
+              <a:buChar char="•"/>
+            </a:pPr>
+            <a:r>
+              <a:rPr lang="en-US" altLang="ja-JP" dirty="0"/>
+              <a:t>Inline elements : </a:t>
+            </a:r>
+            <a:endParaRPr lang="en-US" altLang="ja-JP" dirty="0" smtClean="0"/>
+          </a:p>
+          <a:p>
+            <a:pPr marL="742950" lvl="1" indent="-285750">
+              <a:lnSpc>
+                <a:spcPct val="150000"/>
+              </a:lnSpc>
+            </a:pPr>
+            <a:r>
+              <a:rPr lang="en-US" altLang="ja-JP" dirty="0" smtClean="0"/>
+              <a:t>&lt;</a:t>
+            </a:r>
+            <a:r>
+              <a:rPr lang="en-US" altLang="ja-JP" dirty="0" err="1"/>
+              <a:t>img</a:t>
+            </a:r>
+            <a:r>
+              <a:rPr lang="en-US" altLang="ja-JP" dirty="0"/>
+              <a:t>&gt;, &lt;a&gt;, &lt;span&gt;, &lt;input&gt; etc.,</a:t>
+            </a:r>
+          </a:p>
+          <a:p>
+            <a:pPr marL="285750" indent="-285750">
+              <a:lnSpc>
+                <a:spcPct val="150000"/>
+              </a:lnSpc>
+            </a:pPr>
+            <a:endParaRPr lang="en-IN" altLang="ja-JP" dirty="0" smtClean="0"/>
+          </a:p>
+          <a:p>
+            <a:pPr marL="285750" indent="-285750">
+              <a:lnSpc>
+                <a:spcPct val="150000"/>
+              </a:lnSpc>
+            </a:pPr>
+            <a:endParaRPr lang="en-IN" altLang="ja-JP" dirty="0"/>
+          </a:p>
+          <a:p>
+            <a:pPr marL="285750" lvl="0" indent="-285750">
+              <a:lnSpc>
+                <a:spcPct val="150000"/>
+              </a:lnSpc>
+            </a:pPr>
+            <a:r>
+              <a:rPr lang="en-GB" b="1" u="sng" dirty="0"/>
+              <a:t>Attributes:</a:t>
+            </a:r>
+          </a:p>
+          <a:p>
+            <a:pPr marL="285750" indent="-285750">
+              <a:lnSpc>
+                <a:spcPct val="150000"/>
+              </a:lnSpc>
+              <a:buFont typeface="Arial" pitchFamily="34" charset="0"/>
+              <a:buChar char="•"/>
+            </a:pPr>
+            <a:r>
+              <a:rPr lang="en-US" dirty="0"/>
+              <a:t>Attributes are something </a:t>
+            </a:r>
+            <a:r>
+              <a:rPr lang="en-US" dirty="0" smtClean="0"/>
+              <a:t>which </a:t>
+            </a:r>
+            <a:r>
+              <a:rPr lang="en-US" dirty="0"/>
+              <a:t>give the additional information of the element. </a:t>
+            </a:r>
+            <a:endParaRPr lang="en-US" dirty="0" smtClean="0"/>
+          </a:p>
+          <a:p>
+            <a:pPr marL="285750" indent="-285750">
+              <a:lnSpc>
+                <a:spcPct val="150000"/>
+              </a:lnSpc>
+            </a:pPr>
+            <a:r>
+              <a:rPr lang="en-US" i="1" dirty="0" smtClean="0"/>
+              <a:t>	Ex</a:t>
+            </a:r>
+            <a:r>
+              <a:rPr lang="en-US" i="1" dirty="0"/>
+              <a:t>. name, width, height, alt, </a:t>
+            </a:r>
+            <a:r>
+              <a:rPr lang="en-US" i="1" dirty="0" smtClean="0"/>
+              <a:t>title, </a:t>
+            </a:r>
+            <a:r>
+              <a:rPr lang="en-US" i="1" dirty="0" err="1" smtClean="0"/>
+              <a:t>href</a:t>
+            </a:r>
+            <a:r>
+              <a:rPr lang="en-US" i="1" dirty="0" smtClean="0"/>
+              <a:t>, id</a:t>
+            </a:r>
+            <a:r>
+              <a:rPr lang="en-US" i="1" dirty="0"/>
+              <a:t>, class, etc.,</a:t>
+            </a:r>
+          </a:p>
+          <a:p>
+            <a:pPr marL="285750" lvl="0" indent="-285750">
+              <a:lnSpc>
+                <a:spcPct val="150000"/>
+              </a:lnSpc>
+            </a:pPr>
+            <a:endParaRPr lang="en-GB" b="1" u="sng" dirty="0"/>
+          </a:p>
+          <a:p>
+            <a:pPr marL="285750" indent="-285750">
+              <a:lnSpc>
+                <a:spcPct val="150000"/>
+              </a:lnSpc>
+            </a:pPr>
+            <a:endParaRPr lang="en-US" altLang="ja-JP" dirty="0"/>
+          </a:p>
+          <a:p>
+            <a:pPr marL="285750" indent="-285750">
+              <a:lnSpc>
+                <a:spcPct val="150000"/>
+              </a:lnSpc>
+            </a:pPr>
+            <a:endParaRPr lang="en-US" altLang="ja-JP" dirty="0"/>
+          </a:p>
+        </p:txBody>
+      </p:sp>
     </p:spTree>
+    <p:extLst>
+      <p:ext uri="{BB962C8B-B14F-4D97-AF65-F5344CB8AC3E}">
+        <p14:creationId xmlns:p14="http://schemas.microsoft.com/office/powerpoint/2010/main" xmlns="" val="1328577666"/>
+      </p:ext>
+    </p:extLst>
   </p:cSld>
   <p:clrMapOvr>
     <a:masterClrMapping/>
   </p:clrMapOvr>
+  <p:timing>
+    <p:tnLst>
+      <p:par>
+        <p:cTn id="1" dur="indefinite" restart="never" nodeType="tmRoot"/>
+      </p:par>
+    </p:tnLst>
+  </p:timing>
 </p:sld>
 </file>
 
@@ -4956,7 +5287,7 @@
                   <a:srgbClr val="0064B5"/>
                 </a:solidFill>
               </a:rPr>
-              <a:t>Main Categories of Elements and Attributes</a:t>
+              <a:t>HTML Block and Inline Elements</a:t>
             </a:r>
           </a:p>
         </p:txBody>
@@ -4970,7 +5301,7 @@
         <p:spPr>
           <a:xfrm>
             <a:off x="338379" y="1077598"/>
-            <a:ext cx="9236941" cy="5493812"/>
+            <a:ext cx="9236941" cy="4247317"/>
           </a:xfrm>
           <a:prstGeom prst="rect">
             <a:avLst/>
@@ -4988,8 +5319,40 @@
               </a:lnSpc>
             </a:pPr>
             <a:r>
-              <a:rPr lang="en-US" altLang="ja-JP" dirty="0"/>
-              <a:t>The main categories of elements are mentioned below:</a:t>
+              <a:rPr lang="en-US" dirty="0"/>
+              <a:t>Every HTML element has a default display value, depending on what type of element it is.</a:t>
+            </a:r>
+          </a:p>
+          <a:p>
+            <a:pPr marL="285750" indent="-285750">
+              <a:lnSpc>
+                <a:spcPct val="150000"/>
+              </a:lnSpc>
+              <a:buFont typeface="Arial" panose="020B0604020202020204" pitchFamily="34" charset="0"/>
+              <a:buChar char="•"/>
+            </a:pPr>
+            <a:r>
+              <a:rPr lang="en-US" dirty="0"/>
+              <a:t>There are two display values: block and inline.</a:t>
+            </a:r>
+          </a:p>
+          <a:p>
+            <a:pPr marL="285750" indent="-285750">
+              <a:lnSpc>
+                <a:spcPct val="150000"/>
+              </a:lnSpc>
+            </a:pPr>
+            <a:endParaRPr lang="en-IN" dirty="0"/>
+          </a:p>
+          <a:p>
+            <a:pPr marL="285750" indent="-285750">
+              <a:lnSpc>
+                <a:spcPct val="150000"/>
+              </a:lnSpc>
+            </a:pPr>
+            <a:r>
+              <a:rPr lang="en-US" b="1" u="sng" dirty="0"/>
+              <a:t>Block-level Elements:</a:t>
             </a:r>
           </a:p>
           <a:p>
@@ -5001,27 +5364,8 @@
               <a:buChar char="•"/>
             </a:pPr>
             <a:r>
-              <a:rPr lang="en-US" altLang="ja-JP" dirty="0"/>
-              <a:t>Block level elements </a:t>
-            </a:r>
-            <a:r>
-              <a:rPr lang="en-US" altLang="ja-JP" dirty="0" smtClean="0"/>
-              <a:t>:</a:t>
-            </a:r>
-          </a:p>
-          <a:p>
-            <a:pPr marL="285750" indent="-285750">
-              <a:lnSpc>
-                <a:spcPct val="150000"/>
-              </a:lnSpc>
-            </a:pPr>
-            <a:r>
-              <a:rPr lang="en-US" altLang="ja-JP" dirty="0" smtClean="0"/>
-              <a:t>	 </a:t>
-            </a:r>
-            <a:r>
-              <a:rPr lang="en-US" altLang="ja-JP" dirty="0"/>
-              <a:t>&lt;div&gt;, &lt;p&gt;, &lt;h1&gt; to &lt;h6&gt;, &lt;form&gt;, &lt;table&gt; etc.,</a:t>
+              <a:rPr lang="en-US" dirty="0"/>
+              <a:t>A block-level element always begins a new line on a web page.</a:t>
             </a:r>
           </a:p>
           <a:p>
@@ -5033,55 +5377,8 @@
               <a:buChar char="•"/>
             </a:pPr>
             <a:r>
-              <a:rPr lang="en-US" altLang="ja-JP" dirty="0"/>
-              <a:t>Inline elements : </a:t>
-            </a:r>
-            <a:endParaRPr lang="en-US" altLang="ja-JP" dirty="0" smtClean="0"/>
-          </a:p>
-          <a:p>
-            <a:pPr marL="742950" lvl="1" indent="-285750">
-              <a:lnSpc>
-                <a:spcPct val="150000"/>
-              </a:lnSpc>
-            </a:pPr>
-            <a:r>
-              <a:rPr lang="en-US" altLang="ja-JP" dirty="0" smtClean="0"/>
-              <a:t>&lt;</a:t>
-            </a:r>
-            <a:r>
-              <a:rPr lang="en-US" altLang="ja-JP" dirty="0" err="1"/>
-              <a:t>img</a:t>
-            </a:r>
-            <a:r>
-              <a:rPr lang="en-US" altLang="ja-JP" dirty="0"/>
-              <a:t>&gt;, &lt;a&gt;, &lt;span&gt;, &lt;input&gt; etc.,</a:t>
-            </a:r>
-          </a:p>
-          <a:p>
-            <a:pPr marL="285750" indent="-285750">
-              <a:lnSpc>
-                <a:spcPct val="150000"/>
-              </a:lnSpc>
-            </a:pPr>
-            <a:endParaRPr lang="en-IN" altLang="ja-JP" dirty="0" smtClean="0"/>
-          </a:p>
-          <a:p>
-            <a:pPr marL="285750" indent="-285750">
-              <a:lnSpc>
-                <a:spcPct val="150000"/>
-              </a:lnSpc>
-            </a:pPr>
-            <a:endParaRPr lang="en-IN" altLang="ja-JP" dirty="0"/>
-          </a:p>
-          <a:p>
-            <a:pPr marL="285750" lvl="0" indent="-285750">
-              <a:lnSpc>
-                <a:spcPct val="150000"/>
-              </a:lnSpc>
-            </a:pPr>
-            <a:r>
-              <a:rPr lang="en-GB" b="1" u="sng" dirty="0"/>
-              <a:t>Attributes:</a:t>
+              <a:rPr lang="en-US" dirty="0"/>
+              <a:t>It extends the full width of the available horizontal space of its parent element.</a:t>
             </a:r>
           </a:p>
           <a:p>
@@ -5094,17 +5391,25 @@
             </a:pPr>
             <a:r>
               <a:rPr lang="en-US" dirty="0"/>
-              <a:t>Attributes are something </a:t>
-            </a:r>
-            <a:r>
-              <a:rPr lang="en-US" dirty="0" smtClean="0"/>
-              <a:t>which </a:t>
+              <a:t>A block level element has a top and a bottom margin, whereas an inline element does not.</a:t>
+            </a:r>
+          </a:p>
+          <a:p>
+            <a:pPr marL="285750" indent="-285750">
+              <a:lnSpc>
+                <a:spcPct val="150000"/>
+              </a:lnSpc>
+              <a:buFont typeface="Arial" pitchFamily="34" charset="0"/>
+              <a:buChar char="•"/>
+            </a:pPr>
+            <a:r>
+              <a:rPr lang="en-US" dirty="0" err="1"/>
+              <a:t>Eg</a:t>
             </a:r>
             <a:r>
               <a:rPr lang="en-US" dirty="0"/>
-              <a:t>give the additional information of the element. </a:t>
-            </a:r>
-            <a:endParaRPr lang="en-US" dirty="0" smtClean="0"/>
+              <a:t>: &lt;div&gt;&lt;/div&gt;</a:t>
+            </a:r>
           </a:p>
           <a:p>
             <a:pPr marL="285750" indent="-285750">
@@ -5112,61 +5417,22 @@
                 <a:spcPct val="150000"/>
               </a:lnSpc>
             </a:pPr>
-            <a:r>
-              <a:rPr lang="en-US" i="1" dirty="0" smtClean="0"/>
-              <a:t>	Ex</a:t>
-            </a:r>
-            <a:r>
-              <a:rPr lang="en-US" i="1" dirty="0"/>
-              <a:t>. name, width, height, alt, </a:t>
-            </a:r>
-            <a:r>
-              <a:rPr lang="en-US" i="1" dirty="0" smtClean="0"/>
-              <a:t>title, </a:t>
-            </a:r>
-            <a:r>
-              <a:rPr lang="en-US" i="1" dirty="0" err="1" smtClean="0"/>
-              <a:t>href</a:t>
-            </a:r>
-            <a:r>
-              <a:rPr lang="en-US" i="1" dirty="0" smtClean="0"/>
-              <a:t>, id</a:t>
-            </a:r>
-            <a:r>
-              <a:rPr lang="en-US" i="1" dirty="0"/>
-              <a:t>, class, etc.,</a:t>
-            </a:r>
-          </a:p>
-          <a:p>
-            <a:pPr marL="285750" lvl="0" indent="-285750">
+            <a:endParaRPr lang="en-US" dirty="0"/>
+          </a:p>
+          <a:p>
+            <a:pPr marL="285750" indent="-285750">
               <a:lnSpc>
                 <a:spcPct val="150000"/>
               </a:lnSpc>
             </a:pPr>
-            <a:endParaRPr lang="en-GB" b="1" u="sng" dirty="0"/>
-          </a:p>
-          <a:p>
-            <a:pPr marL="285750" indent="-285750">
-              <a:lnSpc>
-                <a:spcPct val="150000"/>
-              </a:lnSpc>
-            </a:pPr>
-            <a:endParaRPr lang="en-US" altLang="ja-JP" dirty="0"/>
-          </a:p>
-          <a:p>
-            <a:pPr marL="285750" indent="-285750">
-              <a:lnSpc>
-                <a:spcPct val="150000"/>
-              </a:lnSpc>
-            </a:pPr>
-            <a:endParaRPr lang="en-US" altLang="ja-JP" dirty="0"/>
+            <a:endParaRPr lang="en-US" dirty="0"/>
           </a:p>
         </p:txBody>
       </p:sp>
     </p:spTree>
     <p:extLst>
       <p:ext uri="{BB962C8B-B14F-4D97-AF65-F5344CB8AC3E}">
-        <p14:creationId xmlns="" xmlns:p14="http://schemas.microsoft.com/office/powerpoint/2010/main" val="1328577666"/>
+        <p14:creationId xmlns:p14="http://schemas.microsoft.com/office/powerpoint/2010/main" xmlns="" val="1328577666"/>
       </p:ext>
     </p:extLst>
   </p:cSld>
@@ -5393,378 +5659,6 @@
                   <a:srgbClr val="0064B5"/>
                 </a:solidFill>
               </a:rPr>
-              <a:t>HTML Block and Inline Elements</a:t>
-            </a:r>
-          </a:p>
-        </p:txBody>
-      </p:sp>
-      <p:sp>
-        <p:nvSpPr>
-          <p:cNvPr id="10" name="Rectangle 9"/>
-          <p:cNvSpPr/>
-          <p:nvPr/>
-        </p:nvSpPr>
-        <p:spPr>
-          <a:xfrm>
-            <a:off x="338379" y="1077598"/>
-            <a:ext cx="9236941" cy="4247317"/>
-          </a:xfrm>
-          <a:prstGeom prst="rect">
-            <a:avLst/>
-          </a:prstGeom>
-        </p:spPr>
-        <p:txBody>
-          <a:bodyPr wrap="square">
-            <a:spAutoFit/>
-          </a:bodyPr>
-          <a:lstStyle/>
-          <a:p>
-            <a:pPr marL="285750" indent="-285750">
-              <a:lnSpc>
-                <a:spcPct val="150000"/>
-              </a:lnSpc>
-            </a:pPr>
-            <a:r>
-              <a:rPr lang="en-US" dirty="0"/>
-              <a:t>Every HTML element has a default display value, depending on what type of element it is.</a:t>
-            </a:r>
-          </a:p>
-          <a:p>
-            <a:pPr marL="285750" indent="-285750">
-              <a:lnSpc>
-                <a:spcPct val="150000"/>
-              </a:lnSpc>
-              <a:buFont typeface="Arial" panose="020B0604020202020204" pitchFamily="34" charset="0"/>
-              <a:buChar char="•"/>
-            </a:pPr>
-            <a:r>
-              <a:rPr lang="en-US" dirty="0"/>
-              <a:t>There are two display values: block and inline.</a:t>
-            </a:r>
-          </a:p>
-          <a:p>
-            <a:pPr marL="285750" indent="-285750">
-              <a:lnSpc>
-                <a:spcPct val="150000"/>
-              </a:lnSpc>
-            </a:pPr>
-            <a:endParaRPr lang="en-IN" dirty="0"/>
-          </a:p>
-          <a:p>
-            <a:pPr marL="285750" indent="-285750">
-              <a:lnSpc>
-                <a:spcPct val="150000"/>
-              </a:lnSpc>
-            </a:pPr>
-            <a:r>
-              <a:rPr lang="en-US" b="1" u="sng" dirty="0"/>
-              <a:t>Block-level Elements:</a:t>
-            </a:r>
-          </a:p>
-          <a:p>
-            <a:pPr marL="285750" indent="-285750">
-              <a:lnSpc>
-                <a:spcPct val="150000"/>
-              </a:lnSpc>
-              <a:buFont typeface="Arial" pitchFamily="34" charset="0"/>
-              <a:buChar char="•"/>
-            </a:pPr>
-            <a:r>
-              <a:rPr lang="en-US" dirty="0"/>
-              <a:t>A block-level element always begins a new line on a web page.</a:t>
-            </a:r>
-          </a:p>
-          <a:p>
-            <a:pPr marL="285750" indent="-285750">
-              <a:lnSpc>
-                <a:spcPct val="150000"/>
-              </a:lnSpc>
-              <a:buFont typeface="Arial" pitchFamily="34" charset="0"/>
-              <a:buChar char="•"/>
-            </a:pPr>
-            <a:r>
-              <a:rPr lang="en-US" dirty="0"/>
-              <a:t>It extends the full width of the available horizontal space of its parent element.</a:t>
-            </a:r>
-          </a:p>
-          <a:p>
-            <a:pPr marL="285750" indent="-285750">
-              <a:lnSpc>
-                <a:spcPct val="150000"/>
-              </a:lnSpc>
-              <a:buFont typeface="Arial" pitchFamily="34" charset="0"/>
-              <a:buChar char="•"/>
-            </a:pPr>
-            <a:r>
-              <a:rPr lang="en-US" dirty="0"/>
-              <a:t>A block level element has a top and a bottom margin, whereas an inline element does not.</a:t>
-            </a:r>
-          </a:p>
-          <a:p>
-            <a:pPr marL="285750" indent="-285750">
-              <a:lnSpc>
-                <a:spcPct val="150000"/>
-              </a:lnSpc>
-              <a:buFont typeface="Arial" pitchFamily="34" charset="0"/>
-              <a:buChar char="•"/>
-            </a:pPr>
-            <a:r>
-              <a:rPr lang="en-US" dirty="0" err="1"/>
-              <a:t>Eg</a:t>
-            </a:r>
-            <a:r>
-              <a:rPr lang="en-US" dirty="0"/>
-              <a:t>: &lt;div&gt;&lt;/div&gt;</a:t>
-            </a:r>
-          </a:p>
-          <a:p>
-            <a:pPr marL="285750" indent="-285750">
-              <a:lnSpc>
-                <a:spcPct val="150000"/>
-              </a:lnSpc>
-            </a:pPr>
-            <a:endParaRPr lang="en-US" dirty="0"/>
-          </a:p>
-          <a:p>
-            <a:pPr marL="285750" indent="-285750">
-              <a:lnSpc>
-                <a:spcPct val="150000"/>
-              </a:lnSpc>
-            </a:pPr>
-            <a:endParaRPr lang="en-US" dirty="0"/>
-          </a:p>
-        </p:txBody>
-      </p:sp>
-    </p:spTree>
-    <p:extLst>
-      <p:ext uri="{BB962C8B-B14F-4D97-AF65-F5344CB8AC3E}">
-        <p14:creationId xmlns="" xmlns:p14="http://schemas.microsoft.com/office/powerpoint/2010/main" val="1328577666"/>
-      </p:ext>
-    </p:extLst>
-  </p:cSld>
-  <p:clrMapOvr>
-    <a:masterClrMapping/>
-  </p:clrMapOvr>
-  <p:timing>
-    <p:tnLst>
-      <p:par>
-        <p:cTn id="1" dur="indefinite" restart="never" nodeType="tmRoot"/>
-      </p:par>
-    </p:tnLst>
-  </p:timing>
-</p:sld>
-</file>
-
-<file path=ppt/slides/slide19.xml><?xml version="1.0" encoding="utf-8"?>
-<p:sld xmlns:a="http://schemas.openxmlformats.org/drawingml/2006/main" xmlns:r="http://schemas.openxmlformats.org/officeDocument/2006/relationships" xmlns:p="http://schemas.openxmlformats.org/presentationml/2006/main">
-  <p:cSld>
-    <p:spTree>
-      <p:nvGrpSpPr>
-        <p:cNvPr id="1" name=""/>
-        <p:cNvGrpSpPr/>
-        <p:nvPr/>
-      </p:nvGrpSpPr>
-      <p:grpSpPr>
-        <a:xfrm>
-          <a:off x="0" y="0"/>
-          <a:ext cx="0" cy="0"/>
-          <a:chOff x="0" y="0"/>
-          <a:chExt cx="0" cy="0"/>
-        </a:xfrm>
-      </p:grpSpPr>
-      <p:sp>
-        <p:nvSpPr>
-          <p:cNvPr id="4" name="Content Placeholder 13"/>
-          <p:cNvSpPr txBox="1">
-            <a:spLocks/>
-          </p:cNvSpPr>
-          <p:nvPr/>
-        </p:nvSpPr>
-        <p:spPr>
-          <a:xfrm>
-            <a:off x="321126" y="334401"/>
-            <a:ext cx="9791700" cy="630192"/>
-          </a:xfrm>
-          <a:prstGeom prst="rect">
-            <a:avLst/>
-          </a:prstGeom>
-        </p:spPr>
-        <p:txBody>
-          <a:bodyPr vert="horz" lIns="91440" tIns="45720" rIns="91440" bIns="45720" rtlCol="0">
-            <a:noAutofit/>
-          </a:bodyPr>
-          <a:lstStyle>
-            <a:lvl1pPr marL="0" indent="0" algn="ctr" defTabSz="914400" rtl="0" eaLnBrk="1" latinLnBrk="0" hangingPunct="1">
-              <a:lnSpc>
-                <a:spcPct val="90000"/>
-              </a:lnSpc>
-              <a:spcBef>
-                <a:spcPts val="1000"/>
-              </a:spcBef>
-              <a:buFont typeface="Arial" panose="020B0604020202020204" pitchFamily="34" charset="0"/>
-              <a:buNone/>
-              <a:defRPr kumimoji="1" sz="2400" kern="1200">
-                <a:solidFill>
-                  <a:schemeClr val="tx1"/>
-                </a:solidFill>
-                <a:latin typeface="+mn-lt"/>
-                <a:ea typeface="+mn-ea"/>
-                <a:cs typeface="+mn-cs"/>
-              </a:defRPr>
-            </a:lvl1pPr>
-            <a:lvl2pPr marL="457200" indent="0" algn="ctr" defTabSz="914400" rtl="0" eaLnBrk="1" latinLnBrk="0" hangingPunct="1">
-              <a:lnSpc>
-                <a:spcPct val="90000"/>
-              </a:lnSpc>
-              <a:spcBef>
-                <a:spcPts val="500"/>
-              </a:spcBef>
-              <a:buFont typeface="Arial" panose="020B0604020202020204" pitchFamily="34" charset="0"/>
-              <a:buNone/>
-              <a:defRPr kumimoji="1" sz="2000" kern="1200">
-                <a:solidFill>
-                  <a:schemeClr val="tx1"/>
-                </a:solidFill>
-                <a:latin typeface="+mn-lt"/>
-                <a:ea typeface="+mn-ea"/>
-                <a:cs typeface="+mn-cs"/>
-              </a:defRPr>
-            </a:lvl2pPr>
-            <a:lvl3pPr marL="914400" indent="0" algn="ctr" defTabSz="914400" rtl="0" eaLnBrk="1" latinLnBrk="0" hangingPunct="1">
-              <a:lnSpc>
-                <a:spcPct val="90000"/>
-              </a:lnSpc>
-              <a:spcBef>
-                <a:spcPts val="500"/>
-              </a:spcBef>
-              <a:buFont typeface="Arial" panose="020B0604020202020204" pitchFamily="34" charset="0"/>
-              <a:buNone/>
-              <a:defRPr kumimoji="1" sz="1800" kern="1200">
-                <a:solidFill>
-                  <a:schemeClr val="tx1"/>
-                </a:solidFill>
-                <a:latin typeface="+mn-lt"/>
-                <a:ea typeface="+mn-ea"/>
-                <a:cs typeface="+mn-cs"/>
-              </a:defRPr>
-            </a:lvl3pPr>
-            <a:lvl4pPr marL="1371600" indent="0" algn="ctr" defTabSz="914400" rtl="0" eaLnBrk="1" latinLnBrk="0" hangingPunct="1">
-              <a:lnSpc>
-                <a:spcPct val="90000"/>
-              </a:lnSpc>
-              <a:spcBef>
-                <a:spcPts val="500"/>
-              </a:spcBef>
-              <a:buFont typeface="Arial" panose="020B0604020202020204" pitchFamily="34" charset="0"/>
-              <a:buNone/>
-              <a:defRPr kumimoji="1" sz="1600" kern="1200">
-                <a:solidFill>
-                  <a:schemeClr val="tx1"/>
-                </a:solidFill>
-                <a:latin typeface="+mn-lt"/>
-                <a:ea typeface="+mn-ea"/>
-                <a:cs typeface="+mn-cs"/>
-              </a:defRPr>
-            </a:lvl4pPr>
-            <a:lvl5pPr marL="1828800" indent="0" algn="ctr" defTabSz="914400" rtl="0" eaLnBrk="1" latinLnBrk="0" hangingPunct="1">
-              <a:lnSpc>
-                <a:spcPct val="90000"/>
-              </a:lnSpc>
-              <a:spcBef>
-                <a:spcPts val="500"/>
-              </a:spcBef>
-              <a:buFont typeface="Arial" panose="020B0604020202020204" pitchFamily="34" charset="0"/>
-              <a:buNone/>
-              <a:defRPr kumimoji="1" sz="1600" kern="1200">
-                <a:solidFill>
-                  <a:schemeClr val="tx1"/>
-                </a:solidFill>
-                <a:latin typeface="+mn-lt"/>
-                <a:ea typeface="+mn-ea"/>
-                <a:cs typeface="+mn-cs"/>
-              </a:defRPr>
-            </a:lvl5pPr>
-            <a:lvl6pPr marL="2286000" indent="0" algn="ctr" defTabSz="914400" rtl="0" eaLnBrk="1" latinLnBrk="0" hangingPunct="1">
-              <a:lnSpc>
-                <a:spcPct val="90000"/>
-              </a:lnSpc>
-              <a:spcBef>
-                <a:spcPts val="500"/>
-              </a:spcBef>
-              <a:buFont typeface="Arial" panose="020B0604020202020204" pitchFamily="34" charset="0"/>
-              <a:buNone/>
-              <a:defRPr kumimoji="1" sz="1600" kern="1200">
-                <a:solidFill>
-                  <a:schemeClr val="tx1"/>
-                </a:solidFill>
-                <a:latin typeface="+mn-lt"/>
-                <a:ea typeface="+mn-ea"/>
-                <a:cs typeface="+mn-cs"/>
-              </a:defRPr>
-            </a:lvl6pPr>
-            <a:lvl7pPr marL="2743200" indent="0" algn="ctr" defTabSz="914400" rtl="0" eaLnBrk="1" latinLnBrk="0" hangingPunct="1">
-              <a:lnSpc>
-                <a:spcPct val="90000"/>
-              </a:lnSpc>
-              <a:spcBef>
-                <a:spcPts val="500"/>
-              </a:spcBef>
-              <a:buFont typeface="Arial" panose="020B0604020202020204" pitchFamily="34" charset="0"/>
-              <a:buNone/>
-              <a:defRPr kumimoji="1" sz="1600" kern="1200">
-                <a:solidFill>
-                  <a:schemeClr val="tx1"/>
-                </a:solidFill>
-                <a:latin typeface="+mn-lt"/>
-                <a:ea typeface="+mn-ea"/>
-                <a:cs typeface="+mn-cs"/>
-              </a:defRPr>
-            </a:lvl7pPr>
-            <a:lvl8pPr marL="3200400" indent="0" algn="ctr" defTabSz="914400" rtl="0" eaLnBrk="1" latinLnBrk="0" hangingPunct="1">
-              <a:lnSpc>
-                <a:spcPct val="90000"/>
-              </a:lnSpc>
-              <a:spcBef>
-                <a:spcPts val="500"/>
-              </a:spcBef>
-              <a:buFont typeface="Arial" panose="020B0604020202020204" pitchFamily="34" charset="0"/>
-              <a:buNone/>
-              <a:defRPr kumimoji="1" sz="1600" kern="1200">
-                <a:solidFill>
-                  <a:schemeClr val="tx1"/>
-                </a:solidFill>
-                <a:latin typeface="+mn-lt"/>
-                <a:ea typeface="+mn-ea"/>
-                <a:cs typeface="+mn-cs"/>
-              </a:defRPr>
-            </a:lvl8pPr>
-            <a:lvl9pPr marL="3657600" indent="0" algn="ctr" defTabSz="914400" rtl="0" eaLnBrk="1" latinLnBrk="0" hangingPunct="1">
-              <a:lnSpc>
-                <a:spcPct val="90000"/>
-              </a:lnSpc>
-              <a:spcBef>
-                <a:spcPts val="500"/>
-              </a:spcBef>
-              <a:buFont typeface="Arial" panose="020B0604020202020204" pitchFamily="34" charset="0"/>
-              <a:buNone/>
-              <a:defRPr kumimoji="1" sz="1600" kern="1200">
-                <a:solidFill>
-                  <a:schemeClr val="tx1"/>
-                </a:solidFill>
-                <a:latin typeface="+mn-lt"/>
-                <a:ea typeface="+mn-ea"/>
-                <a:cs typeface="+mn-cs"/>
-              </a:defRPr>
-            </a:lvl9pPr>
-          </a:lstStyle>
-          <a:p>
-            <a:pPr algn="l"/>
-            <a:r>
-              <a:rPr lang="en-US" sz="3600" b="1" dirty="0">
-                <a:solidFill>
-                  <a:srgbClr val="0064B5"/>
-                </a:solidFill>
-              </a:rPr>
               <a:t>HTML Block and Inline Elements continue..</a:t>
             </a:r>
           </a:p>
@@ -5923,390 +5817,6 @@
               </a:lnSpc>
             </a:pPr>
             <a:endParaRPr lang="en-US" b="1" u="sng" dirty="0"/>
-          </a:p>
-        </p:txBody>
-      </p:sp>
-    </p:spTree>
-    <p:extLst>
-      <p:ext uri="{BB962C8B-B14F-4D97-AF65-F5344CB8AC3E}">
-        <p14:creationId xmlns="" xmlns:p14="http://schemas.microsoft.com/office/powerpoint/2010/main" val="1328577666"/>
-      </p:ext>
-    </p:extLst>
-  </p:cSld>
-  <p:clrMapOvr>
-    <a:masterClrMapping/>
-  </p:clrMapOvr>
-  <p:timing>
-    <p:tnLst>
-      <p:par>
-        <p:cTn id="1" dur="indefinite" restart="never" nodeType="tmRoot"/>
-      </p:par>
-    </p:tnLst>
-  </p:timing>
-</p:sld>
-</file>
-
-<file path=ppt/slides/slide2.xml><?xml version="1.0" encoding="utf-8"?>
-<p:sld xmlns:a="http://schemas.openxmlformats.org/drawingml/2006/main" xmlns:r="http://schemas.openxmlformats.org/officeDocument/2006/relationships" xmlns:p="http://schemas.openxmlformats.org/presentationml/2006/main">
-  <p:cSld>
-    <p:spTree>
-      <p:nvGrpSpPr>
-        <p:cNvPr id="1" name=""/>
-        <p:cNvGrpSpPr/>
-        <p:nvPr/>
-      </p:nvGrpSpPr>
-      <p:grpSpPr>
-        <a:xfrm>
-          <a:off x="0" y="0"/>
-          <a:ext cx="0" cy="0"/>
-          <a:chOff x="0" y="0"/>
-          <a:chExt cx="0" cy="0"/>
-        </a:xfrm>
-      </p:grpSpPr>
-      <p:sp>
-        <p:nvSpPr>
-          <p:cNvPr id="4" name="Content Placeholder 13"/>
-          <p:cNvSpPr txBox="1">
-            <a:spLocks/>
-          </p:cNvSpPr>
-          <p:nvPr/>
-        </p:nvSpPr>
-        <p:spPr>
-          <a:xfrm>
-            <a:off x="321126" y="334401"/>
-            <a:ext cx="9791700" cy="630192"/>
-          </a:xfrm>
-          <a:prstGeom prst="rect">
-            <a:avLst/>
-          </a:prstGeom>
-        </p:spPr>
-        <p:txBody>
-          <a:bodyPr vert="horz" lIns="91440" tIns="45720" rIns="91440" bIns="45720" rtlCol="0">
-            <a:noAutofit/>
-          </a:bodyPr>
-          <a:lstStyle>
-            <a:lvl1pPr marL="0" indent="0" algn="ctr" defTabSz="914400" rtl="0" eaLnBrk="1" latinLnBrk="0" hangingPunct="1">
-              <a:lnSpc>
-                <a:spcPct val="90000"/>
-              </a:lnSpc>
-              <a:spcBef>
-                <a:spcPts val="1000"/>
-              </a:spcBef>
-              <a:buFont typeface="Arial" panose="020B0604020202020204" pitchFamily="34" charset="0"/>
-              <a:buNone/>
-              <a:defRPr kumimoji="1" sz="2400" kern="1200">
-                <a:solidFill>
-                  <a:schemeClr val="tx1"/>
-                </a:solidFill>
-                <a:latin typeface="+mn-lt"/>
-                <a:ea typeface="+mn-ea"/>
-                <a:cs typeface="+mn-cs"/>
-              </a:defRPr>
-            </a:lvl1pPr>
-            <a:lvl2pPr marL="457200" indent="0" algn="ctr" defTabSz="914400" rtl="0" eaLnBrk="1" latinLnBrk="0" hangingPunct="1">
-              <a:lnSpc>
-                <a:spcPct val="90000"/>
-              </a:lnSpc>
-              <a:spcBef>
-                <a:spcPts val="500"/>
-              </a:spcBef>
-              <a:buFont typeface="Arial" panose="020B0604020202020204" pitchFamily="34" charset="0"/>
-              <a:buNone/>
-              <a:defRPr kumimoji="1" sz="2000" kern="1200">
-                <a:solidFill>
-                  <a:schemeClr val="tx1"/>
-                </a:solidFill>
-                <a:latin typeface="+mn-lt"/>
-                <a:ea typeface="+mn-ea"/>
-                <a:cs typeface="+mn-cs"/>
-              </a:defRPr>
-            </a:lvl2pPr>
-            <a:lvl3pPr marL="914400" indent="0" algn="ctr" defTabSz="914400" rtl="0" eaLnBrk="1" latinLnBrk="0" hangingPunct="1">
-              <a:lnSpc>
-                <a:spcPct val="90000"/>
-              </a:lnSpc>
-              <a:spcBef>
-                <a:spcPts val="500"/>
-              </a:spcBef>
-              <a:buFont typeface="Arial" panose="020B0604020202020204" pitchFamily="34" charset="0"/>
-              <a:buNone/>
-              <a:defRPr kumimoji="1" sz="1800" kern="1200">
-                <a:solidFill>
-                  <a:schemeClr val="tx1"/>
-                </a:solidFill>
-                <a:latin typeface="+mn-lt"/>
-                <a:ea typeface="+mn-ea"/>
-                <a:cs typeface="+mn-cs"/>
-              </a:defRPr>
-            </a:lvl3pPr>
-            <a:lvl4pPr marL="1371600" indent="0" algn="ctr" defTabSz="914400" rtl="0" eaLnBrk="1" latinLnBrk="0" hangingPunct="1">
-              <a:lnSpc>
-                <a:spcPct val="90000"/>
-              </a:lnSpc>
-              <a:spcBef>
-                <a:spcPts val="500"/>
-              </a:spcBef>
-              <a:buFont typeface="Arial" panose="020B0604020202020204" pitchFamily="34" charset="0"/>
-              <a:buNone/>
-              <a:defRPr kumimoji="1" sz="1600" kern="1200">
-                <a:solidFill>
-                  <a:schemeClr val="tx1"/>
-                </a:solidFill>
-                <a:latin typeface="+mn-lt"/>
-                <a:ea typeface="+mn-ea"/>
-                <a:cs typeface="+mn-cs"/>
-              </a:defRPr>
-            </a:lvl4pPr>
-            <a:lvl5pPr marL="1828800" indent="0" algn="ctr" defTabSz="914400" rtl="0" eaLnBrk="1" latinLnBrk="0" hangingPunct="1">
-              <a:lnSpc>
-                <a:spcPct val="90000"/>
-              </a:lnSpc>
-              <a:spcBef>
-                <a:spcPts val="500"/>
-              </a:spcBef>
-              <a:buFont typeface="Arial" panose="020B0604020202020204" pitchFamily="34" charset="0"/>
-              <a:buNone/>
-              <a:defRPr kumimoji="1" sz="1600" kern="1200">
-                <a:solidFill>
-                  <a:schemeClr val="tx1"/>
-                </a:solidFill>
-                <a:latin typeface="+mn-lt"/>
-                <a:ea typeface="+mn-ea"/>
-                <a:cs typeface="+mn-cs"/>
-              </a:defRPr>
-            </a:lvl5pPr>
-            <a:lvl6pPr marL="2286000" indent="0" algn="ctr" defTabSz="914400" rtl="0" eaLnBrk="1" latinLnBrk="0" hangingPunct="1">
-              <a:lnSpc>
-                <a:spcPct val="90000"/>
-              </a:lnSpc>
-              <a:spcBef>
-                <a:spcPts val="500"/>
-              </a:spcBef>
-              <a:buFont typeface="Arial" panose="020B0604020202020204" pitchFamily="34" charset="0"/>
-              <a:buNone/>
-              <a:defRPr kumimoji="1" sz="1600" kern="1200">
-                <a:solidFill>
-                  <a:schemeClr val="tx1"/>
-                </a:solidFill>
-                <a:latin typeface="+mn-lt"/>
-                <a:ea typeface="+mn-ea"/>
-                <a:cs typeface="+mn-cs"/>
-              </a:defRPr>
-            </a:lvl6pPr>
-            <a:lvl7pPr marL="2743200" indent="0" algn="ctr" defTabSz="914400" rtl="0" eaLnBrk="1" latinLnBrk="0" hangingPunct="1">
-              <a:lnSpc>
-                <a:spcPct val="90000"/>
-              </a:lnSpc>
-              <a:spcBef>
-                <a:spcPts val="500"/>
-              </a:spcBef>
-              <a:buFont typeface="Arial" panose="020B0604020202020204" pitchFamily="34" charset="0"/>
-              <a:buNone/>
-              <a:defRPr kumimoji="1" sz="1600" kern="1200">
-                <a:solidFill>
-                  <a:schemeClr val="tx1"/>
-                </a:solidFill>
-                <a:latin typeface="+mn-lt"/>
-                <a:ea typeface="+mn-ea"/>
-                <a:cs typeface="+mn-cs"/>
-              </a:defRPr>
-            </a:lvl7pPr>
-            <a:lvl8pPr marL="3200400" indent="0" algn="ctr" defTabSz="914400" rtl="0" eaLnBrk="1" latinLnBrk="0" hangingPunct="1">
-              <a:lnSpc>
-                <a:spcPct val="90000"/>
-              </a:lnSpc>
-              <a:spcBef>
-                <a:spcPts val="500"/>
-              </a:spcBef>
-              <a:buFont typeface="Arial" panose="020B0604020202020204" pitchFamily="34" charset="0"/>
-              <a:buNone/>
-              <a:defRPr kumimoji="1" sz="1600" kern="1200">
-                <a:solidFill>
-                  <a:schemeClr val="tx1"/>
-                </a:solidFill>
-                <a:latin typeface="+mn-lt"/>
-                <a:ea typeface="+mn-ea"/>
-                <a:cs typeface="+mn-cs"/>
-              </a:defRPr>
-            </a:lvl8pPr>
-            <a:lvl9pPr marL="3657600" indent="0" algn="ctr" defTabSz="914400" rtl="0" eaLnBrk="1" latinLnBrk="0" hangingPunct="1">
-              <a:lnSpc>
-                <a:spcPct val="90000"/>
-              </a:lnSpc>
-              <a:spcBef>
-                <a:spcPts val="500"/>
-              </a:spcBef>
-              <a:buFont typeface="Arial" panose="020B0604020202020204" pitchFamily="34" charset="0"/>
-              <a:buNone/>
-              <a:defRPr kumimoji="1" sz="1600" kern="1200">
-                <a:solidFill>
-                  <a:schemeClr val="tx1"/>
-                </a:solidFill>
-                <a:latin typeface="+mn-lt"/>
-                <a:ea typeface="+mn-ea"/>
-                <a:cs typeface="+mn-cs"/>
-              </a:defRPr>
-            </a:lvl9pPr>
-          </a:lstStyle>
-          <a:p>
-            <a:pPr algn="l"/>
-            <a:r>
-              <a:rPr lang="en-US" sz="3600" b="1" dirty="0">
-                <a:solidFill>
-                  <a:srgbClr val="0064B5"/>
-                </a:solidFill>
-              </a:rPr>
-              <a:t>What is HTML?</a:t>
-            </a:r>
-          </a:p>
-        </p:txBody>
-      </p:sp>
-      <p:sp>
-        <p:nvSpPr>
-          <p:cNvPr id="9" name="Rectangle 8"/>
-          <p:cNvSpPr/>
-          <p:nvPr/>
-        </p:nvSpPr>
-        <p:spPr>
-          <a:xfrm>
-            <a:off x="546340" y="1091111"/>
-            <a:ext cx="8890958" cy="2957861"/>
-          </a:xfrm>
-          <a:prstGeom prst="rect">
-            <a:avLst/>
-          </a:prstGeom>
-        </p:spPr>
-        <p:txBody>
-          <a:bodyPr wrap="square">
-            <a:spAutoFit/>
-          </a:bodyPr>
-          <a:lstStyle/>
-          <a:p>
-            <a:pPr marL="285750" lvl="0" indent="-285750">
-              <a:lnSpc>
-                <a:spcPct val="150000"/>
-              </a:lnSpc>
-              <a:buClr>
-                <a:schemeClr val="dk1"/>
-              </a:buClr>
-              <a:buSzPts val="1850"/>
-              <a:buFont typeface="Arial" panose="020B0604020202020204" pitchFamily="34" charset="0"/>
-              <a:buChar char="•"/>
-            </a:pPr>
-            <a:r>
-              <a:rPr lang="en-US" altLang="ja-JP" dirty="0"/>
-              <a:t>HTML (</a:t>
-            </a:r>
-            <a:r>
-              <a:rPr lang="en-US" altLang="ja-JP" dirty="0" err="1"/>
-              <a:t>HyperText</a:t>
-            </a:r>
-            <a:r>
-              <a:rPr lang="en-US" altLang="ja-JP" dirty="0"/>
-              <a:t> Markup Language) is the most basic building block of the Web. </a:t>
-            </a:r>
-          </a:p>
-          <a:p>
-            <a:pPr marL="285750" lvl="0" indent="-285750">
-              <a:lnSpc>
-                <a:spcPct val="150000"/>
-              </a:lnSpc>
-              <a:buClr>
-                <a:schemeClr val="dk1"/>
-              </a:buClr>
-              <a:buSzPts val="1850"/>
-              <a:buFont typeface="Arial" panose="020B0604020202020204" pitchFamily="34" charset="0"/>
-              <a:buChar char="•"/>
-            </a:pPr>
-            <a:r>
-              <a:rPr lang="en-US" altLang="ja-JP" dirty="0"/>
-              <a:t>HTML describes the structure of a Web page.</a:t>
-            </a:r>
-          </a:p>
-          <a:p>
-            <a:pPr marL="285750" lvl="0" indent="-285750">
-              <a:lnSpc>
-                <a:spcPct val="150000"/>
-              </a:lnSpc>
-              <a:buClr>
-                <a:schemeClr val="dk1"/>
-              </a:buClr>
-              <a:buSzPts val="1850"/>
-              <a:buFont typeface="Arial" panose="020B0604020202020204" pitchFamily="34" charset="0"/>
-              <a:buChar char="•"/>
-            </a:pPr>
-            <a:r>
-              <a:rPr lang="en-US" altLang="ja-JP" dirty="0"/>
-              <a:t>HTML consists of a series of elements.</a:t>
-            </a:r>
-          </a:p>
-          <a:p>
-            <a:pPr marL="285750" lvl="0" indent="-285750">
-              <a:lnSpc>
-                <a:spcPct val="150000"/>
-              </a:lnSpc>
-              <a:buClr>
-                <a:schemeClr val="dk1"/>
-              </a:buClr>
-              <a:buSzPts val="1850"/>
-              <a:buFont typeface="Arial" panose="020B0604020202020204" pitchFamily="34" charset="0"/>
-              <a:buChar char="•"/>
-            </a:pPr>
-            <a:r>
-              <a:rPr lang="en-US" altLang="ja-JP" dirty="0"/>
-              <a:t>HTML elements tell the browser how to display the content.</a:t>
-            </a:r>
-          </a:p>
-          <a:p>
-            <a:pPr marL="285750" lvl="0" indent="-285750">
-              <a:lnSpc>
-                <a:spcPct val="150000"/>
-              </a:lnSpc>
-              <a:buClr>
-                <a:schemeClr val="dk1"/>
-              </a:buClr>
-              <a:buSzPts val="1850"/>
-              <a:buFont typeface="Arial" panose="020B0604020202020204" pitchFamily="34" charset="0"/>
-              <a:buChar char="•"/>
-            </a:pPr>
-            <a:r>
-              <a:rPr lang="en-US" altLang="ja-JP" dirty="0"/>
-              <a:t>HTML elements are represented by tags.</a:t>
-            </a:r>
-          </a:p>
-          <a:p>
-            <a:pPr marL="285750" lvl="0" indent="-285750">
-              <a:lnSpc>
-                <a:spcPct val="150000"/>
-              </a:lnSpc>
-              <a:buClr>
-                <a:schemeClr val="dk1"/>
-              </a:buClr>
-              <a:buSzPts val="1850"/>
-              <a:buFont typeface="Arial" panose="020B0604020202020204" pitchFamily="34" charset="0"/>
-              <a:buChar char="•"/>
-            </a:pPr>
-            <a:r>
-              <a:rPr lang="en-US" altLang="ja-JP" dirty="0"/>
-              <a:t>HTML tags label pieces of content such as "heading", "paragraph", "table", and so on.</a:t>
-            </a:r>
-          </a:p>
-          <a:p>
-            <a:pPr marL="285750" lvl="0" indent="-285750">
-              <a:lnSpc>
-                <a:spcPct val="150000"/>
-              </a:lnSpc>
-              <a:buClr>
-                <a:schemeClr val="dk1"/>
-              </a:buClr>
-              <a:buSzPts val="1850"/>
-              <a:buFont typeface="Arial" panose="020B0604020202020204" pitchFamily="34" charset="0"/>
-              <a:buChar char="•"/>
-            </a:pPr>
-            <a:r>
-              <a:rPr lang="en-US" altLang="ja-JP" dirty="0"/>
-              <a:t>Browsers do not display the HTML tags, but use them to render the content of the page</a:t>
-            </a:r>
           </a:p>
         </p:txBody>
       </p:sp>
@@ -6330,7 +5840,7 @@
 </p:sld>
 </file>
 
-<file path=ppt/slides/slide20.xml><?xml version="1.0" encoding="utf-8"?>
+<file path=ppt/slides/slide19.xml><?xml version="1.0" encoding="utf-8"?>
 <p:sld xmlns:a="http://schemas.openxmlformats.org/drawingml/2006/main" xmlns:r="http://schemas.openxmlformats.org/officeDocument/2006/relationships" xmlns:p="http://schemas.openxmlformats.org/presentationml/2006/main">
   <p:cSld>
     <p:spTree>
@@ -6972,6 +6482,390 @@
     </p:spTree>
     <p:extLst>
       <p:ext uri="{BB962C8B-B14F-4D97-AF65-F5344CB8AC3E}">
+        <p14:creationId xmlns:p14="http://schemas.microsoft.com/office/powerpoint/2010/main" xmlns="" val="1328577666"/>
+      </p:ext>
+    </p:extLst>
+  </p:cSld>
+  <p:clrMapOvr>
+    <a:masterClrMapping/>
+  </p:clrMapOvr>
+  <p:timing>
+    <p:tnLst>
+      <p:par>
+        <p:cTn id="1" dur="indefinite" restart="never" nodeType="tmRoot"/>
+      </p:par>
+    </p:tnLst>
+  </p:timing>
+</p:sld>
+</file>
+
+<file path=ppt/slides/slide2.xml><?xml version="1.0" encoding="utf-8"?>
+<p:sld xmlns:a="http://schemas.openxmlformats.org/drawingml/2006/main" xmlns:r="http://schemas.openxmlformats.org/officeDocument/2006/relationships" xmlns:p="http://schemas.openxmlformats.org/presentationml/2006/main">
+  <p:cSld>
+    <p:spTree>
+      <p:nvGrpSpPr>
+        <p:cNvPr id="1" name=""/>
+        <p:cNvGrpSpPr/>
+        <p:nvPr/>
+      </p:nvGrpSpPr>
+      <p:grpSpPr>
+        <a:xfrm>
+          <a:off x="0" y="0"/>
+          <a:ext cx="0" cy="0"/>
+          <a:chOff x="0" y="0"/>
+          <a:chExt cx="0" cy="0"/>
+        </a:xfrm>
+      </p:grpSpPr>
+      <p:sp>
+        <p:nvSpPr>
+          <p:cNvPr id="4" name="Content Placeholder 13"/>
+          <p:cNvSpPr txBox="1">
+            <a:spLocks/>
+          </p:cNvSpPr>
+          <p:nvPr/>
+        </p:nvSpPr>
+        <p:spPr>
+          <a:xfrm>
+            <a:off x="321126" y="334401"/>
+            <a:ext cx="9791700" cy="630192"/>
+          </a:xfrm>
+          <a:prstGeom prst="rect">
+            <a:avLst/>
+          </a:prstGeom>
+        </p:spPr>
+        <p:txBody>
+          <a:bodyPr vert="horz" lIns="91440" tIns="45720" rIns="91440" bIns="45720" rtlCol="0">
+            <a:noAutofit/>
+          </a:bodyPr>
+          <a:lstStyle>
+            <a:lvl1pPr marL="0" indent="0" algn="ctr" defTabSz="914400" rtl="0" eaLnBrk="1" latinLnBrk="0" hangingPunct="1">
+              <a:lnSpc>
+                <a:spcPct val="90000"/>
+              </a:lnSpc>
+              <a:spcBef>
+                <a:spcPts val="1000"/>
+              </a:spcBef>
+              <a:buFont typeface="Arial" panose="020B0604020202020204" pitchFamily="34" charset="0"/>
+              <a:buNone/>
+              <a:defRPr kumimoji="1" sz="2400" kern="1200">
+                <a:solidFill>
+                  <a:schemeClr val="tx1"/>
+                </a:solidFill>
+                <a:latin typeface="+mn-lt"/>
+                <a:ea typeface="+mn-ea"/>
+                <a:cs typeface="+mn-cs"/>
+              </a:defRPr>
+            </a:lvl1pPr>
+            <a:lvl2pPr marL="457200" indent="0" algn="ctr" defTabSz="914400" rtl="0" eaLnBrk="1" latinLnBrk="0" hangingPunct="1">
+              <a:lnSpc>
+                <a:spcPct val="90000"/>
+              </a:lnSpc>
+              <a:spcBef>
+                <a:spcPts val="500"/>
+              </a:spcBef>
+              <a:buFont typeface="Arial" panose="020B0604020202020204" pitchFamily="34" charset="0"/>
+              <a:buNone/>
+              <a:defRPr kumimoji="1" sz="2000" kern="1200">
+                <a:solidFill>
+                  <a:schemeClr val="tx1"/>
+                </a:solidFill>
+                <a:latin typeface="+mn-lt"/>
+                <a:ea typeface="+mn-ea"/>
+                <a:cs typeface="+mn-cs"/>
+              </a:defRPr>
+            </a:lvl2pPr>
+            <a:lvl3pPr marL="914400" indent="0" algn="ctr" defTabSz="914400" rtl="0" eaLnBrk="1" latinLnBrk="0" hangingPunct="1">
+              <a:lnSpc>
+                <a:spcPct val="90000"/>
+              </a:lnSpc>
+              <a:spcBef>
+                <a:spcPts val="500"/>
+              </a:spcBef>
+              <a:buFont typeface="Arial" panose="020B0604020202020204" pitchFamily="34" charset="0"/>
+              <a:buNone/>
+              <a:defRPr kumimoji="1" sz="1800" kern="1200">
+                <a:solidFill>
+                  <a:schemeClr val="tx1"/>
+                </a:solidFill>
+                <a:latin typeface="+mn-lt"/>
+                <a:ea typeface="+mn-ea"/>
+                <a:cs typeface="+mn-cs"/>
+              </a:defRPr>
+            </a:lvl3pPr>
+            <a:lvl4pPr marL="1371600" indent="0" algn="ctr" defTabSz="914400" rtl="0" eaLnBrk="1" latinLnBrk="0" hangingPunct="1">
+              <a:lnSpc>
+                <a:spcPct val="90000"/>
+              </a:lnSpc>
+              <a:spcBef>
+                <a:spcPts val="500"/>
+              </a:spcBef>
+              <a:buFont typeface="Arial" panose="020B0604020202020204" pitchFamily="34" charset="0"/>
+              <a:buNone/>
+              <a:defRPr kumimoji="1" sz="1600" kern="1200">
+                <a:solidFill>
+                  <a:schemeClr val="tx1"/>
+                </a:solidFill>
+                <a:latin typeface="+mn-lt"/>
+                <a:ea typeface="+mn-ea"/>
+                <a:cs typeface="+mn-cs"/>
+              </a:defRPr>
+            </a:lvl4pPr>
+            <a:lvl5pPr marL="1828800" indent="0" algn="ctr" defTabSz="914400" rtl="0" eaLnBrk="1" latinLnBrk="0" hangingPunct="1">
+              <a:lnSpc>
+                <a:spcPct val="90000"/>
+              </a:lnSpc>
+              <a:spcBef>
+                <a:spcPts val="500"/>
+              </a:spcBef>
+              <a:buFont typeface="Arial" panose="020B0604020202020204" pitchFamily="34" charset="0"/>
+              <a:buNone/>
+              <a:defRPr kumimoji="1" sz="1600" kern="1200">
+                <a:solidFill>
+                  <a:schemeClr val="tx1"/>
+                </a:solidFill>
+                <a:latin typeface="+mn-lt"/>
+                <a:ea typeface="+mn-ea"/>
+                <a:cs typeface="+mn-cs"/>
+              </a:defRPr>
+            </a:lvl5pPr>
+            <a:lvl6pPr marL="2286000" indent="0" algn="ctr" defTabSz="914400" rtl="0" eaLnBrk="1" latinLnBrk="0" hangingPunct="1">
+              <a:lnSpc>
+                <a:spcPct val="90000"/>
+              </a:lnSpc>
+              <a:spcBef>
+                <a:spcPts val="500"/>
+              </a:spcBef>
+              <a:buFont typeface="Arial" panose="020B0604020202020204" pitchFamily="34" charset="0"/>
+              <a:buNone/>
+              <a:defRPr kumimoji="1" sz="1600" kern="1200">
+                <a:solidFill>
+                  <a:schemeClr val="tx1"/>
+                </a:solidFill>
+                <a:latin typeface="+mn-lt"/>
+                <a:ea typeface="+mn-ea"/>
+                <a:cs typeface="+mn-cs"/>
+              </a:defRPr>
+            </a:lvl6pPr>
+            <a:lvl7pPr marL="2743200" indent="0" algn="ctr" defTabSz="914400" rtl="0" eaLnBrk="1" latinLnBrk="0" hangingPunct="1">
+              <a:lnSpc>
+                <a:spcPct val="90000"/>
+              </a:lnSpc>
+              <a:spcBef>
+                <a:spcPts val="500"/>
+              </a:spcBef>
+              <a:buFont typeface="Arial" panose="020B0604020202020204" pitchFamily="34" charset="0"/>
+              <a:buNone/>
+              <a:defRPr kumimoji="1" sz="1600" kern="1200">
+                <a:solidFill>
+                  <a:schemeClr val="tx1"/>
+                </a:solidFill>
+                <a:latin typeface="+mn-lt"/>
+                <a:ea typeface="+mn-ea"/>
+                <a:cs typeface="+mn-cs"/>
+              </a:defRPr>
+            </a:lvl7pPr>
+            <a:lvl8pPr marL="3200400" indent="0" algn="ctr" defTabSz="914400" rtl="0" eaLnBrk="1" latinLnBrk="0" hangingPunct="1">
+              <a:lnSpc>
+                <a:spcPct val="90000"/>
+              </a:lnSpc>
+              <a:spcBef>
+                <a:spcPts val="500"/>
+              </a:spcBef>
+              <a:buFont typeface="Arial" panose="020B0604020202020204" pitchFamily="34" charset="0"/>
+              <a:buNone/>
+              <a:defRPr kumimoji="1" sz="1600" kern="1200">
+                <a:solidFill>
+                  <a:schemeClr val="tx1"/>
+                </a:solidFill>
+                <a:latin typeface="+mn-lt"/>
+                <a:ea typeface="+mn-ea"/>
+                <a:cs typeface="+mn-cs"/>
+              </a:defRPr>
+            </a:lvl8pPr>
+            <a:lvl9pPr marL="3657600" indent="0" algn="ctr" defTabSz="914400" rtl="0" eaLnBrk="1" latinLnBrk="0" hangingPunct="1">
+              <a:lnSpc>
+                <a:spcPct val="90000"/>
+              </a:lnSpc>
+              <a:spcBef>
+                <a:spcPts val="500"/>
+              </a:spcBef>
+              <a:buFont typeface="Arial" panose="020B0604020202020204" pitchFamily="34" charset="0"/>
+              <a:buNone/>
+              <a:defRPr kumimoji="1" sz="1600" kern="1200">
+                <a:solidFill>
+                  <a:schemeClr val="tx1"/>
+                </a:solidFill>
+                <a:latin typeface="+mn-lt"/>
+                <a:ea typeface="+mn-ea"/>
+                <a:cs typeface="+mn-cs"/>
+              </a:defRPr>
+            </a:lvl9pPr>
+          </a:lstStyle>
+          <a:p>
+            <a:pPr algn="l"/>
+            <a:r>
+              <a:rPr lang="en-US" sz="3600" b="1" dirty="0">
+                <a:solidFill>
+                  <a:srgbClr val="0064B5"/>
+                </a:solidFill>
+              </a:rPr>
+              <a:t>What is HTML?</a:t>
+            </a:r>
+          </a:p>
+        </p:txBody>
+      </p:sp>
+      <p:sp>
+        <p:nvSpPr>
+          <p:cNvPr id="9" name="Rectangle 8"/>
+          <p:cNvSpPr/>
+          <p:nvPr/>
+        </p:nvSpPr>
+        <p:spPr>
+          <a:xfrm>
+            <a:off x="546340" y="1091111"/>
+            <a:ext cx="8890958" cy="2957861"/>
+          </a:xfrm>
+          <a:prstGeom prst="rect">
+            <a:avLst/>
+          </a:prstGeom>
+        </p:spPr>
+        <p:txBody>
+          <a:bodyPr wrap="square">
+            <a:spAutoFit/>
+          </a:bodyPr>
+          <a:lstStyle/>
+          <a:p>
+            <a:pPr marL="285750" lvl="0" indent="-285750">
+              <a:lnSpc>
+                <a:spcPct val="150000"/>
+              </a:lnSpc>
+              <a:buClr>
+                <a:schemeClr val="dk1"/>
+              </a:buClr>
+              <a:buSzPts val="1850"/>
+              <a:buFont typeface="Arial" panose="020B0604020202020204" pitchFamily="34" charset="0"/>
+              <a:buChar char="•"/>
+            </a:pPr>
+            <a:r>
+              <a:rPr lang="en-US" altLang="ja-JP" dirty="0"/>
+              <a:t>HTML (</a:t>
+            </a:r>
+            <a:r>
+              <a:rPr lang="en-US" altLang="ja-JP" dirty="0" err="1"/>
+              <a:t>HyperText</a:t>
+            </a:r>
+            <a:r>
+              <a:rPr lang="en-US" altLang="ja-JP" dirty="0"/>
+              <a:t> Markup Language) is the most basic building block of the Web. </a:t>
+            </a:r>
+          </a:p>
+          <a:p>
+            <a:pPr marL="285750" lvl="0" indent="-285750">
+              <a:lnSpc>
+                <a:spcPct val="150000"/>
+              </a:lnSpc>
+              <a:buClr>
+                <a:schemeClr val="dk1"/>
+              </a:buClr>
+              <a:buSzPts val="1850"/>
+              <a:buFont typeface="Arial" panose="020B0604020202020204" pitchFamily="34" charset="0"/>
+              <a:buChar char="•"/>
+            </a:pPr>
+            <a:r>
+              <a:rPr lang="en-US" altLang="ja-JP" dirty="0"/>
+              <a:t>HTML describes the structure of a Web page.</a:t>
+            </a:r>
+          </a:p>
+          <a:p>
+            <a:pPr marL="285750" lvl="0" indent="-285750">
+              <a:lnSpc>
+                <a:spcPct val="150000"/>
+              </a:lnSpc>
+              <a:buClr>
+                <a:schemeClr val="dk1"/>
+              </a:buClr>
+              <a:buSzPts val="1850"/>
+              <a:buFont typeface="Arial" panose="020B0604020202020204" pitchFamily="34" charset="0"/>
+              <a:buChar char="•"/>
+            </a:pPr>
+            <a:r>
+              <a:rPr lang="en-US" altLang="ja-JP" dirty="0"/>
+              <a:t>HTML consists of a series of elements.</a:t>
+            </a:r>
+          </a:p>
+          <a:p>
+            <a:pPr marL="285750" lvl="0" indent="-285750">
+              <a:lnSpc>
+                <a:spcPct val="150000"/>
+              </a:lnSpc>
+              <a:buClr>
+                <a:schemeClr val="dk1"/>
+              </a:buClr>
+              <a:buSzPts val="1850"/>
+              <a:buFont typeface="Arial" panose="020B0604020202020204" pitchFamily="34" charset="0"/>
+              <a:buChar char="•"/>
+            </a:pPr>
+            <a:r>
+              <a:rPr lang="en-US" altLang="ja-JP" dirty="0"/>
+              <a:t>HTML elements tell the browser how to display the content.</a:t>
+            </a:r>
+          </a:p>
+          <a:p>
+            <a:pPr marL="285750" lvl="0" indent="-285750">
+              <a:lnSpc>
+                <a:spcPct val="150000"/>
+              </a:lnSpc>
+              <a:buClr>
+                <a:schemeClr val="dk1"/>
+              </a:buClr>
+              <a:buSzPts val="1850"/>
+              <a:buFont typeface="Arial" panose="020B0604020202020204" pitchFamily="34" charset="0"/>
+              <a:buChar char="•"/>
+            </a:pPr>
+            <a:r>
+              <a:rPr lang="en-US" altLang="ja-JP" dirty="0"/>
+              <a:t>HTML elements are represented by tags.</a:t>
+            </a:r>
+          </a:p>
+          <a:p>
+            <a:pPr marL="285750" lvl="0" indent="-285750">
+              <a:lnSpc>
+                <a:spcPct val="150000"/>
+              </a:lnSpc>
+              <a:buClr>
+                <a:schemeClr val="dk1"/>
+              </a:buClr>
+              <a:buSzPts val="1850"/>
+              <a:buFont typeface="Arial" panose="020B0604020202020204" pitchFamily="34" charset="0"/>
+              <a:buChar char="•"/>
+            </a:pPr>
+            <a:r>
+              <a:rPr lang="en-US" altLang="ja-JP" dirty="0"/>
+              <a:t>HTML tags label pieces of content such as "heading", "paragraph", "table", and so on.</a:t>
+            </a:r>
+          </a:p>
+          <a:p>
+            <a:pPr marL="285750" lvl="0" indent="-285750">
+              <a:lnSpc>
+                <a:spcPct val="150000"/>
+              </a:lnSpc>
+              <a:buClr>
+                <a:schemeClr val="dk1"/>
+              </a:buClr>
+              <a:buSzPts val="1850"/>
+              <a:buFont typeface="Arial" panose="020B0604020202020204" pitchFamily="34" charset="0"/>
+              <a:buChar char="•"/>
+            </a:pPr>
+            <a:r>
+              <a:rPr lang="en-US" altLang="ja-JP" dirty="0"/>
+              <a:t>Browsers do not display the HTML tags, but use them to render the content of the page</a:t>
+            </a:r>
+          </a:p>
+        </p:txBody>
+      </p:sp>
+    </p:spTree>
+    <p:extLst>
+      <p:ext uri="{BB962C8B-B14F-4D97-AF65-F5344CB8AC3E}">
         <p14:creationId xmlns="" xmlns:p14="http://schemas.microsoft.com/office/powerpoint/2010/main" val="1328577666"/>
       </p:ext>
     </p:extLst>
@@ -6989,7 +6883,7 @@
 </p:sld>
 </file>
 
-<file path=ppt/slides/slide21.xml><?xml version="1.0" encoding="utf-8"?>
+<file path=ppt/slides/slide20.xml><?xml version="1.0" encoding="utf-8"?>
 <p:sld xmlns:a="http://schemas.openxmlformats.org/drawingml/2006/main" xmlns:r="http://schemas.openxmlformats.org/officeDocument/2006/relationships" xmlns:p="http://schemas.openxmlformats.org/presentationml/2006/main">
   <p:cSld>
     <p:spTree>
@@ -7089,7 +6983,7 @@
 </p:sld>
 </file>
 
-<file path=ppt/slides/slide22.xml><?xml version="1.0" encoding="utf-8"?>
+<file path=ppt/slides/slide21.xml><?xml version="1.0" encoding="utf-8"?>
 <p:sld xmlns:a="http://schemas.openxmlformats.org/drawingml/2006/main" xmlns:r="http://schemas.openxmlformats.org/officeDocument/2006/relationships" xmlns:p="http://schemas.openxmlformats.org/presentationml/2006/main">
   <p:cSld>
     <p:spTree>
@@ -7189,7 +7083,7 @@
 </p:sld>
 </file>
 
-<file path=ppt/slides/slide23.xml><?xml version="1.0" encoding="utf-8"?>
+<file path=ppt/slides/slide22.xml><?xml version="1.0" encoding="utf-8"?>
 <p:sld xmlns:a="http://schemas.openxmlformats.org/drawingml/2006/main" xmlns:r="http://schemas.openxmlformats.org/officeDocument/2006/relationships" xmlns:p="http://schemas.openxmlformats.org/presentationml/2006/main">
   <p:cSld>
     <p:spTree>
@@ -7223,15 +7117,7 @@
           <a:p>
             <a:r>
               <a:rPr lang="en-IN" dirty="0" smtClean="0"/>
-              <a:t>formatting</a:t>
-            </a:r>
-            <a:r>
-              <a:rPr lang="en-IN" dirty="0" smtClean="0"/>
-              <a:t> </a:t>
-            </a:r>
-            <a:r>
-              <a:rPr lang="en-IN" dirty="0" smtClean="0"/>
-              <a:t>TAGS</a:t>
+              <a:t>formatting TAGS</a:t>
             </a:r>
             <a:endParaRPr lang="en-US" dirty="0"/>
           </a:p>
@@ -7258,6 +7144,118 @@
           <a:xfrm>
             <a:off x="1998617" y="1619794"/>
             <a:ext cx="7432765" cy="4794069"/>
+          </a:xfrm>
+          <a:prstGeom prst="rect">
+            <a:avLst/>
+          </a:prstGeom>
+          <a:noFill/>
+          <a:ln w="9525">
+            <a:noFill/>
+            <a:miter lim="800000"/>
+            <a:headEnd/>
+            <a:tailEnd/>
+          </a:ln>
+          <a:effectLst/>
+        </p:spPr>
+      </p:pic>
+    </p:spTree>
+  </p:cSld>
+  <p:clrMapOvr>
+    <a:masterClrMapping/>
+  </p:clrMapOvr>
+</p:sld>
+</file>
+
+<file path=ppt/slides/slide23.xml><?xml version="1.0" encoding="utf-8"?>
+<p:sld xmlns:a="http://schemas.openxmlformats.org/drawingml/2006/main" xmlns:r="http://schemas.openxmlformats.org/officeDocument/2006/relationships" xmlns:p="http://schemas.openxmlformats.org/presentationml/2006/main">
+  <p:cSld>
+    <p:spTree>
+      <p:nvGrpSpPr>
+        <p:cNvPr id="1" name=""/>
+        <p:cNvGrpSpPr/>
+        <p:nvPr/>
+      </p:nvGrpSpPr>
+      <p:grpSpPr>
+        <a:xfrm>
+          <a:off x="0" y="0"/>
+          <a:ext cx="0" cy="0"/>
+          <a:chOff x="0" y="0"/>
+          <a:chExt cx="0" cy="0"/>
+        </a:xfrm>
+      </p:grpSpPr>
+      <p:sp>
+        <p:nvSpPr>
+          <p:cNvPr id="2" name="Title 1"/>
+          <p:cNvSpPr>
+            <a:spLocks noGrp="1"/>
+          </p:cNvSpPr>
+          <p:nvPr>
+            <p:ph type="title"/>
+          </p:nvPr>
+        </p:nvSpPr>
+        <p:spPr/>
+        <p:txBody>
+          <a:bodyPr/>
+          <a:lstStyle/>
+          <a:p>
+            <a:endParaRPr lang="en-US" dirty="0"/>
+          </a:p>
+        </p:txBody>
+      </p:sp>
+      <p:pic>
+        <p:nvPicPr>
+          <p:cNvPr id="13314" name="Picture 2"/>
+          <p:cNvPicPr>
+            <a:picLocks noGrp="1" noChangeAspect="1" noChangeArrowheads="1"/>
+          </p:cNvPicPr>
+          <p:nvPr>
+            <p:ph idx="1"/>
+          </p:nvPr>
+        </p:nvPicPr>
+        <p:blipFill>
+          <a:blip r:embed="rId2"/>
+          <a:srcRect/>
+          <a:stretch>
+            <a:fillRect/>
+          </a:stretch>
+        </p:blipFill>
+        <p:spPr bwMode="auto">
+          <a:xfrm>
+            <a:off x="248193" y="222069"/>
+            <a:ext cx="11652069" cy="2990850"/>
+          </a:xfrm>
+          <a:prstGeom prst="rect">
+            <a:avLst/>
+          </a:prstGeom>
+          <a:noFill/>
+          <a:ln w="9525">
+            <a:noFill/>
+            <a:miter lim="800000"/>
+            <a:headEnd/>
+            <a:tailEnd/>
+          </a:ln>
+          <a:effectLst/>
+        </p:spPr>
+      </p:pic>
+      <p:pic>
+        <p:nvPicPr>
+          <p:cNvPr id="13315" name="Picture 3"/>
+          <p:cNvPicPr>
+            <a:picLocks noChangeAspect="1" noChangeArrowheads="1"/>
+          </p:cNvPicPr>
+          <p:nvPr/>
+        </p:nvPicPr>
+        <p:blipFill>
+          <a:blip r:embed="rId3"/>
+          <a:srcRect/>
+          <a:stretch>
+            <a:fillRect/>
+          </a:stretch>
+        </p:blipFill>
+        <p:spPr bwMode="auto">
+          <a:xfrm>
+            <a:off x="485639" y="3694476"/>
+            <a:ext cx="6753225" cy="2238375"/>
           </a:xfrm>
           <a:prstGeom prst="rect">
             <a:avLst/>
@@ -7461,118 +7459,6 @@
           <a:bodyPr/>
           <a:lstStyle/>
           <a:p>
-            <a:endParaRPr lang="en-US" dirty="0"/>
-          </a:p>
-        </p:txBody>
-      </p:sp>
-      <p:pic>
-        <p:nvPicPr>
-          <p:cNvPr id="13314" name="Picture 2"/>
-          <p:cNvPicPr>
-            <a:picLocks noGrp="1" noChangeAspect="1" noChangeArrowheads="1"/>
-          </p:cNvPicPr>
-          <p:nvPr>
-            <p:ph idx="1"/>
-          </p:nvPr>
-        </p:nvPicPr>
-        <p:blipFill>
-          <a:blip r:embed="rId2"/>
-          <a:srcRect/>
-          <a:stretch>
-            <a:fillRect/>
-          </a:stretch>
-        </p:blipFill>
-        <p:spPr bwMode="auto">
-          <a:xfrm>
-            <a:off x="248193" y="222069"/>
-            <a:ext cx="11652069" cy="2990850"/>
-          </a:xfrm>
-          <a:prstGeom prst="rect">
-            <a:avLst/>
-          </a:prstGeom>
-          <a:noFill/>
-          <a:ln w="9525">
-            <a:noFill/>
-            <a:miter lim="800000"/>
-            <a:headEnd/>
-            <a:tailEnd/>
-          </a:ln>
-          <a:effectLst/>
-        </p:spPr>
-      </p:pic>
-      <p:pic>
-        <p:nvPicPr>
-          <p:cNvPr id="13315" name="Picture 3"/>
-          <p:cNvPicPr>
-            <a:picLocks noChangeAspect="1" noChangeArrowheads="1"/>
-          </p:cNvPicPr>
-          <p:nvPr/>
-        </p:nvPicPr>
-        <p:blipFill>
-          <a:blip r:embed="rId3"/>
-          <a:srcRect/>
-          <a:stretch>
-            <a:fillRect/>
-          </a:stretch>
-        </p:blipFill>
-        <p:spPr bwMode="auto">
-          <a:xfrm>
-            <a:off x="485639" y="3694476"/>
-            <a:ext cx="6753225" cy="2238375"/>
-          </a:xfrm>
-          <a:prstGeom prst="rect">
-            <a:avLst/>
-          </a:prstGeom>
-          <a:noFill/>
-          <a:ln w="9525">
-            <a:noFill/>
-            <a:miter lim="800000"/>
-            <a:headEnd/>
-            <a:tailEnd/>
-          </a:ln>
-          <a:effectLst/>
-        </p:spPr>
-      </p:pic>
-    </p:spTree>
-  </p:cSld>
-  <p:clrMapOvr>
-    <a:masterClrMapping/>
-  </p:clrMapOvr>
-</p:sld>
-</file>
-
-<file path=ppt/slides/slide26.xml><?xml version="1.0" encoding="utf-8"?>
-<p:sld xmlns:a="http://schemas.openxmlformats.org/drawingml/2006/main" xmlns:r="http://schemas.openxmlformats.org/officeDocument/2006/relationships" xmlns:p="http://schemas.openxmlformats.org/presentationml/2006/main">
-  <p:cSld>
-    <p:spTree>
-      <p:nvGrpSpPr>
-        <p:cNvPr id="1" name=""/>
-        <p:cNvGrpSpPr/>
-        <p:nvPr/>
-      </p:nvGrpSpPr>
-      <p:grpSpPr>
-        <a:xfrm>
-          <a:off x="0" y="0"/>
-          <a:ext cx="0" cy="0"/>
-          <a:chOff x="0" y="0"/>
-          <a:chExt cx="0" cy="0"/>
-        </a:xfrm>
-      </p:grpSpPr>
-      <p:sp>
-        <p:nvSpPr>
-          <p:cNvPr id="2" name="Title 1"/>
-          <p:cNvSpPr>
-            <a:spLocks noGrp="1"/>
-          </p:cNvSpPr>
-          <p:nvPr>
-            <p:ph type="title"/>
-          </p:nvPr>
-        </p:nvSpPr>
-        <p:spPr/>
-        <p:txBody>
-          <a:bodyPr/>
-          <a:lstStyle/>
-          <a:p>
             <a:endParaRPr lang="en-US"/>
           </a:p>
         </p:txBody>
@@ -7670,7 +7556,7 @@
 </p:sld>
 </file>
 
-<file path=ppt/slides/slide27.xml><?xml version="1.0" encoding="utf-8"?>
+<file path=ppt/slides/slide26.xml><?xml version="1.0" encoding="utf-8"?>
 <p:sld xmlns:a="http://schemas.openxmlformats.org/drawingml/2006/main" xmlns:r="http://schemas.openxmlformats.org/officeDocument/2006/relationships" xmlns:p="http://schemas.openxmlformats.org/presentationml/2006/main">
   <p:cSld>
     <p:spTree>
@@ -7786,7 +7672,7 @@
 </p:sld>
 </file>
 
-<file path=ppt/slides/slide28.xml><?xml version="1.0" encoding="utf-8"?>
+<file path=ppt/slides/slide27.xml><?xml version="1.0" encoding="utf-8"?>
 <p:sld xmlns:a="http://schemas.openxmlformats.org/drawingml/2006/main" xmlns:r="http://schemas.openxmlformats.org/officeDocument/2006/relationships" xmlns:p="http://schemas.openxmlformats.org/presentationml/2006/main">
   <p:cSld>
     <p:spTree>
@@ -8043,7 +7929,7 @@
           <p:cNvPr id="11" name="Rectangle 10">
             <a:extLst>
               <a:ext uri="{FF2B5EF4-FFF2-40B4-BE49-F238E27FC236}">
-                <a16:creationId xmlns="" xmlns:a16="http://schemas.microsoft.com/office/drawing/2014/main" id="{9FF768E8-BBE3-40EB-A37D-9B0959D91801}"/>
+                <a16:creationId xmlns:a16="http://schemas.microsoft.com/office/drawing/2014/main" xmlns="" id="{9FF768E8-BBE3-40EB-A37D-9B0959D91801}"/>
               </a:ext>
             </a:extLst>
           </p:cNvPr>
@@ -8131,7 +8017,7 @@
           <p:cNvPr id="12" name="Rectangle 11">
             <a:extLst>
               <a:ext uri="{FF2B5EF4-FFF2-40B4-BE49-F238E27FC236}">
-                <a16:creationId xmlns="" xmlns:a16="http://schemas.microsoft.com/office/drawing/2014/main" id="{99D52BCD-7B97-4F70-B3B8-DF0FC1A2B214}"/>
+                <a16:creationId xmlns:a16="http://schemas.microsoft.com/office/drawing/2014/main" xmlns="" id="{99D52BCD-7B97-4F70-B3B8-DF0FC1A2B214}"/>
               </a:ext>
             </a:extLst>
           </p:cNvPr>
@@ -8237,7 +8123,7 @@
           <p:cNvPr id="13" name="Rectangle 12">
             <a:extLst>
               <a:ext uri="{FF2B5EF4-FFF2-40B4-BE49-F238E27FC236}">
-                <a16:creationId xmlns="" xmlns:a16="http://schemas.microsoft.com/office/drawing/2014/main" id="{78C3EAEA-1B41-42B3-A0F0-5F71902A89B0}"/>
+                <a16:creationId xmlns:a16="http://schemas.microsoft.com/office/drawing/2014/main" xmlns="" id="{78C3EAEA-1B41-42B3-A0F0-5F71902A89B0}"/>
               </a:ext>
             </a:extLst>
           </p:cNvPr>
@@ -8293,7 +8179,7 @@
           <p:cNvPr id="14" name="Rectangle 13">
             <a:extLst>
               <a:ext uri="{FF2B5EF4-FFF2-40B4-BE49-F238E27FC236}">
-                <a16:creationId xmlns="" xmlns:a16="http://schemas.microsoft.com/office/drawing/2014/main" id="{68E72856-8916-435F-B5F9-8FB8FF1B2EB6}"/>
+                <a16:creationId xmlns:a16="http://schemas.microsoft.com/office/drawing/2014/main" xmlns="" id="{68E72856-8916-435F-B5F9-8FB8FF1B2EB6}"/>
               </a:ext>
             </a:extLst>
           </p:cNvPr>
@@ -8412,7 +8298,7 @@
     </p:spTree>
     <p:extLst>
       <p:ext uri="{BB962C8B-B14F-4D97-AF65-F5344CB8AC3E}">
-        <p14:creationId xmlns="" xmlns:p14="http://schemas.microsoft.com/office/powerpoint/2010/main" val="102829261"/>
+        <p14:creationId xmlns:p14="http://schemas.microsoft.com/office/powerpoint/2010/main" xmlns="" val="102829261"/>
       </p:ext>
     </p:extLst>
   </p:cSld>
@@ -8429,7 +8315,801 @@
 </p:sld>
 </file>
 
+<file path=ppt/slides/slide28.xml><?xml version="1.0" encoding="utf-8"?>
+<p:sld xmlns:a="http://schemas.openxmlformats.org/drawingml/2006/main" xmlns:r="http://schemas.openxmlformats.org/officeDocument/2006/relationships" xmlns:p="http://schemas.openxmlformats.org/presentationml/2006/main">
+  <p:cSld>
+    <p:spTree>
+      <p:nvGrpSpPr>
+        <p:cNvPr id="1" name=""/>
+        <p:cNvGrpSpPr/>
+        <p:nvPr/>
+      </p:nvGrpSpPr>
+      <p:grpSpPr>
+        <a:xfrm>
+          <a:off x="0" y="0"/>
+          <a:ext cx="0" cy="0"/>
+          <a:chOff x="0" y="0"/>
+          <a:chExt cx="0" cy="0"/>
+        </a:xfrm>
+      </p:grpSpPr>
+      <p:sp>
+        <p:nvSpPr>
+          <p:cNvPr id="2" name="Title 1"/>
+          <p:cNvSpPr>
+            <a:spLocks noGrp="1"/>
+          </p:cNvSpPr>
+          <p:nvPr>
+            <p:ph type="title"/>
+          </p:nvPr>
+        </p:nvSpPr>
+        <p:spPr/>
+        <p:txBody>
+          <a:bodyPr/>
+          <a:lstStyle/>
+          <a:p>
+            <a:r>
+              <a:rPr lang="en-IN" dirty="0" smtClean="0"/>
+              <a:t>HTML ATTRIBUTE</a:t>
+            </a:r>
+            <a:endParaRPr lang="en-US" dirty="0"/>
+          </a:p>
+        </p:txBody>
+      </p:sp>
+      <p:pic>
+        <p:nvPicPr>
+          <p:cNvPr id="4" name="Picture 2"/>
+          <p:cNvPicPr>
+            <a:picLocks noGrp="1" noChangeAspect="1" noChangeArrowheads="1"/>
+          </p:cNvPicPr>
+          <p:nvPr>
+            <p:ph idx="1"/>
+          </p:nvPr>
+        </p:nvPicPr>
+        <p:blipFill>
+          <a:blip r:embed="rId2"/>
+          <a:srcRect/>
+          <a:stretch>
+            <a:fillRect/>
+          </a:stretch>
+        </p:blipFill>
+        <p:spPr bwMode="auto">
+          <a:xfrm>
+            <a:off x="2533650" y="2024856"/>
+            <a:ext cx="7124700" cy="3952875"/>
+          </a:xfrm>
+          <a:prstGeom prst="rect">
+            <a:avLst/>
+          </a:prstGeom>
+          <a:noFill/>
+          <a:ln w="9525">
+            <a:noFill/>
+            <a:miter lim="800000"/>
+            <a:headEnd/>
+            <a:tailEnd/>
+          </a:ln>
+          <a:effectLst/>
+        </p:spPr>
+      </p:pic>
+    </p:spTree>
+  </p:cSld>
+  <p:clrMapOvr>
+    <a:masterClrMapping/>
+  </p:clrMapOvr>
+</p:sld>
+</file>
+
 <file path=ppt/slides/slide29.xml><?xml version="1.0" encoding="utf-8"?>
+<p:sld xmlns:a="http://schemas.openxmlformats.org/drawingml/2006/main" xmlns:r="http://schemas.openxmlformats.org/officeDocument/2006/relationships" xmlns:p="http://schemas.openxmlformats.org/presentationml/2006/main">
+  <p:cSld>
+    <p:spTree>
+      <p:nvGrpSpPr>
+        <p:cNvPr id="1" name=""/>
+        <p:cNvGrpSpPr/>
+        <p:nvPr/>
+      </p:nvGrpSpPr>
+      <p:grpSpPr>
+        <a:xfrm>
+          <a:off x="0" y="0"/>
+          <a:ext cx="0" cy="0"/>
+          <a:chOff x="0" y="0"/>
+          <a:chExt cx="0" cy="0"/>
+        </a:xfrm>
+      </p:grpSpPr>
+      <p:sp>
+        <p:nvSpPr>
+          <p:cNvPr id="2" name="Title 1"/>
+          <p:cNvSpPr>
+            <a:spLocks noGrp="1"/>
+          </p:cNvSpPr>
+          <p:nvPr>
+            <p:ph type="title"/>
+          </p:nvPr>
+        </p:nvSpPr>
+        <p:spPr/>
+        <p:txBody>
+          <a:bodyPr/>
+          <a:lstStyle/>
+          <a:p>
+            <a:r>
+              <a:rPr lang="en-IN" dirty="0" smtClean="0"/>
+              <a:t>Types of attributes</a:t>
+            </a:r>
+            <a:endParaRPr lang="en-US" dirty="0"/>
+          </a:p>
+        </p:txBody>
+      </p:sp>
+      <p:pic>
+        <p:nvPicPr>
+          <p:cNvPr id="1026" name="Picture 2"/>
+          <p:cNvPicPr>
+            <a:picLocks noGrp="1" noChangeAspect="1" noChangeArrowheads="1"/>
+          </p:cNvPicPr>
+          <p:nvPr>
+            <p:ph idx="1"/>
+          </p:nvPr>
+        </p:nvPicPr>
+        <p:blipFill>
+          <a:blip r:embed="rId2"/>
+          <a:srcRect/>
+          <a:stretch>
+            <a:fillRect/>
+          </a:stretch>
+        </p:blipFill>
+        <p:spPr bwMode="auto">
+          <a:xfrm>
+            <a:off x="444001" y="2240938"/>
+            <a:ext cx="3152775" cy="3076575"/>
+          </a:xfrm>
+          <a:prstGeom prst="rect">
+            <a:avLst/>
+          </a:prstGeom>
+          <a:noFill/>
+          <a:ln w="9525">
+            <a:noFill/>
+            <a:miter lim="800000"/>
+            <a:headEnd/>
+            <a:tailEnd/>
+          </a:ln>
+          <a:effectLst/>
+        </p:spPr>
+      </p:pic>
+      <p:pic>
+        <p:nvPicPr>
+          <p:cNvPr id="1027" name="Picture 3"/>
+          <p:cNvPicPr>
+            <a:picLocks noChangeAspect="1" noChangeArrowheads="1"/>
+          </p:cNvPicPr>
+          <p:nvPr/>
+        </p:nvPicPr>
+        <p:blipFill>
+          <a:blip r:embed="rId3"/>
+          <a:srcRect/>
+          <a:stretch>
+            <a:fillRect/>
+          </a:stretch>
+        </p:blipFill>
+        <p:spPr bwMode="auto">
+          <a:xfrm>
+            <a:off x="4064997" y="1575845"/>
+            <a:ext cx="4177665" cy="906098"/>
+          </a:xfrm>
+          <a:prstGeom prst="rect">
+            <a:avLst/>
+          </a:prstGeom>
+          <a:noFill/>
+          <a:ln w="9525">
+            <a:noFill/>
+            <a:miter lim="800000"/>
+            <a:headEnd/>
+            <a:tailEnd/>
+          </a:ln>
+          <a:effectLst/>
+        </p:spPr>
+      </p:pic>
+      <p:pic>
+        <p:nvPicPr>
+          <p:cNvPr id="1028" name="Picture 4"/>
+          <p:cNvPicPr>
+            <a:picLocks noChangeAspect="1" noChangeArrowheads="1"/>
+          </p:cNvPicPr>
+          <p:nvPr/>
+        </p:nvPicPr>
+        <p:blipFill>
+          <a:blip r:embed="rId4"/>
+          <a:srcRect/>
+          <a:stretch>
+            <a:fillRect/>
+          </a:stretch>
+        </p:blipFill>
+        <p:spPr bwMode="auto">
+          <a:xfrm>
+            <a:off x="4103234" y="2345326"/>
+            <a:ext cx="3473223" cy="972639"/>
+          </a:xfrm>
+          <a:prstGeom prst="rect">
+            <a:avLst/>
+          </a:prstGeom>
+          <a:noFill/>
+          <a:ln w="9525">
+            <a:noFill/>
+            <a:miter lim="800000"/>
+            <a:headEnd/>
+            <a:tailEnd/>
+          </a:ln>
+          <a:effectLst/>
+        </p:spPr>
+      </p:pic>
+      <p:pic>
+        <p:nvPicPr>
+          <p:cNvPr id="1029" name="Picture 5"/>
+          <p:cNvPicPr>
+            <a:picLocks noChangeAspect="1" noChangeArrowheads="1"/>
+          </p:cNvPicPr>
+          <p:nvPr/>
+        </p:nvPicPr>
+        <p:blipFill>
+          <a:blip r:embed="rId5"/>
+          <a:srcRect/>
+          <a:stretch>
+            <a:fillRect/>
+          </a:stretch>
+        </p:blipFill>
+        <p:spPr bwMode="auto">
+          <a:xfrm>
+            <a:off x="3474720" y="3585211"/>
+            <a:ext cx="4950823" cy="790846"/>
+          </a:xfrm>
+          <a:prstGeom prst="rect">
+            <a:avLst/>
+          </a:prstGeom>
+          <a:noFill/>
+          <a:ln w="9525">
+            <a:noFill/>
+            <a:miter lim="800000"/>
+            <a:headEnd/>
+            <a:tailEnd/>
+          </a:ln>
+          <a:effectLst/>
+        </p:spPr>
+      </p:pic>
+      <p:pic>
+        <p:nvPicPr>
+          <p:cNvPr id="1030" name="Picture 6"/>
+          <p:cNvPicPr>
+            <a:picLocks noChangeAspect="1" noChangeArrowheads="1"/>
+          </p:cNvPicPr>
+          <p:nvPr/>
+        </p:nvPicPr>
+        <p:blipFill>
+          <a:blip r:embed="rId6"/>
+          <a:srcRect/>
+          <a:stretch>
+            <a:fillRect/>
+          </a:stretch>
+        </p:blipFill>
+        <p:spPr bwMode="auto">
+          <a:xfrm>
+            <a:off x="3461658" y="4781006"/>
+            <a:ext cx="4976948" cy="1423851"/>
+          </a:xfrm>
+          <a:prstGeom prst="rect">
+            <a:avLst/>
+          </a:prstGeom>
+          <a:noFill/>
+          <a:ln w="9525">
+            <a:noFill/>
+            <a:miter lim="800000"/>
+            <a:headEnd/>
+            <a:tailEnd/>
+          </a:ln>
+          <a:effectLst/>
+        </p:spPr>
+      </p:pic>
+    </p:spTree>
+  </p:cSld>
+  <p:clrMapOvr>
+    <a:masterClrMapping/>
+  </p:clrMapOvr>
+</p:sld>
+</file>
+
+<file path=ppt/slides/slide3.xml><?xml version="1.0" encoding="utf-8"?>
+<p:sld xmlns:a="http://schemas.openxmlformats.org/drawingml/2006/main" xmlns:r="http://schemas.openxmlformats.org/officeDocument/2006/relationships" xmlns:p="http://schemas.openxmlformats.org/presentationml/2006/main">
+  <p:cSld>
+    <p:spTree>
+      <p:nvGrpSpPr>
+        <p:cNvPr id="1" name=""/>
+        <p:cNvGrpSpPr/>
+        <p:nvPr/>
+      </p:nvGrpSpPr>
+      <p:grpSpPr>
+        <a:xfrm>
+          <a:off x="0" y="0"/>
+          <a:ext cx="0" cy="0"/>
+          <a:chOff x="0" y="0"/>
+          <a:chExt cx="0" cy="0"/>
+        </a:xfrm>
+      </p:grpSpPr>
+      <p:sp>
+        <p:nvSpPr>
+          <p:cNvPr id="4" name="Content Placeholder 13"/>
+          <p:cNvSpPr txBox="1">
+            <a:spLocks/>
+          </p:cNvSpPr>
+          <p:nvPr/>
+        </p:nvSpPr>
+        <p:spPr>
+          <a:xfrm>
+            <a:off x="321126" y="334401"/>
+            <a:ext cx="9791700" cy="630192"/>
+          </a:xfrm>
+          <a:prstGeom prst="rect">
+            <a:avLst/>
+          </a:prstGeom>
+        </p:spPr>
+        <p:txBody>
+          <a:bodyPr vert="horz" lIns="91440" tIns="45720" rIns="91440" bIns="45720" rtlCol="0">
+            <a:noAutofit/>
+          </a:bodyPr>
+          <a:lstStyle>
+            <a:lvl1pPr marL="0" indent="0" algn="ctr" defTabSz="914400" rtl="0" eaLnBrk="1" latinLnBrk="0" hangingPunct="1">
+              <a:lnSpc>
+                <a:spcPct val="90000"/>
+              </a:lnSpc>
+              <a:spcBef>
+                <a:spcPts val="1000"/>
+              </a:spcBef>
+              <a:buFont typeface="Arial" panose="020B0604020202020204" pitchFamily="34" charset="0"/>
+              <a:buNone/>
+              <a:defRPr kumimoji="1" sz="2400" kern="1200">
+                <a:solidFill>
+                  <a:schemeClr val="tx1"/>
+                </a:solidFill>
+                <a:latin typeface="+mn-lt"/>
+                <a:ea typeface="+mn-ea"/>
+                <a:cs typeface="+mn-cs"/>
+              </a:defRPr>
+            </a:lvl1pPr>
+            <a:lvl2pPr marL="457200" indent="0" algn="ctr" defTabSz="914400" rtl="0" eaLnBrk="1" latinLnBrk="0" hangingPunct="1">
+              <a:lnSpc>
+                <a:spcPct val="90000"/>
+              </a:lnSpc>
+              <a:spcBef>
+                <a:spcPts val="500"/>
+              </a:spcBef>
+              <a:buFont typeface="Arial" panose="020B0604020202020204" pitchFamily="34" charset="0"/>
+              <a:buNone/>
+              <a:defRPr kumimoji="1" sz="2000" kern="1200">
+                <a:solidFill>
+                  <a:schemeClr val="tx1"/>
+                </a:solidFill>
+                <a:latin typeface="+mn-lt"/>
+                <a:ea typeface="+mn-ea"/>
+                <a:cs typeface="+mn-cs"/>
+              </a:defRPr>
+            </a:lvl2pPr>
+            <a:lvl3pPr marL="914400" indent="0" algn="ctr" defTabSz="914400" rtl="0" eaLnBrk="1" latinLnBrk="0" hangingPunct="1">
+              <a:lnSpc>
+                <a:spcPct val="90000"/>
+              </a:lnSpc>
+              <a:spcBef>
+                <a:spcPts val="500"/>
+              </a:spcBef>
+              <a:buFont typeface="Arial" panose="020B0604020202020204" pitchFamily="34" charset="0"/>
+              <a:buNone/>
+              <a:defRPr kumimoji="1" sz="1800" kern="1200">
+                <a:solidFill>
+                  <a:schemeClr val="tx1"/>
+                </a:solidFill>
+                <a:latin typeface="+mn-lt"/>
+                <a:ea typeface="+mn-ea"/>
+                <a:cs typeface="+mn-cs"/>
+              </a:defRPr>
+            </a:lvl3pPr>
+            <a:lvl4pPr marL="1371600" indent="0" algn="ctr" defTabSz="914400" rtl="0" eaLnBrk="1" latinLnBrk="0" hangingPunct="1">
+              <a:lnSpc>
+                <a:spcPct val="90000"/>
+              </a:lnSpc>
+              <a:spcBef>
+                <a:spcPts val="500"/>
+              </a:spcBef>
+              <a:buFont typeface="Arial" panose="020B0604020202020204" pitchFamily="34" charset="0"/>
+              <a:buNone/>
+              <a:defRPr kumimoji="1" sz="1600" kern="1200">
+                <a:solidFill>
+                  <a:schemeClr val="tx1"/>
+                </a:solidFill>
+                <a:latin typeface="+mn-lt"/>
+                <a:ea typeface="+mn-ea"/>
+                <a:cs typeface="+mn-cs"/>
+              </a:defRPr>
+            </a:lvl4pPr>
+            <a:lvl5pPr marL="1828800" indent="0" algn="ctr" defTabSz="914400" rtl="0" eaLnBrk="1" latinLnBrk="0" hangingPunct="1">
+              <a:lnSpc>
+                <a:spcPct val="90000"/>
+              </a:lnSpc>
+              <a:spcBef>
+                <a:spcPts val="500"/>
+              </a:spcBef>
+              <a:buFont typeface="Arial" panose="020B0604020202020204" pitchFamily="34" charset="0"/>
+              <a:buNone/>
+              <a:defRPr kumimoji="1" sz="1600" kern="1200">
+                <a:solidFill>
+                  <a:schemeClr val="tx1"/>
+                </a:solidFill>
+                <a:latin typeface="+mn-lt"/>
+                <a:ea typeface="+mn-ea"/>
+                <a:cs typeface="+mn-cs"/>
+              </a:defRPr>
+            </a:lvl5pPr>
+            <a:lvl6pPr marL="2286000" indent="0" algn="ctr" defTabSz="914400" rtl="0" eaLnBrk="1" latinLnBrk="0" hangingPunct="1">
+              <a:lnSpc>
+                <a:spcPct val="90000"/>
+              </a:lnSpc>
+              <a:spcBef>
+                <a:spcPts val="500"/>
+              </a:spcBef>
+              <a:buFont typeface="Arial" panose="020B0604020202020204" pitchFamily="34" charset="0"/>
+              <a:buNone/>
+              <a:defRPr kumimoji="1" sz="1600" kern="1200">
+                <a:solidFill>
+                  <a:schemeClr val="tx1"/>
+                </a:solidFill>
+                <a:latin typeface="+mn-lt"/>
+                <a:ea typeface="+mn-ea"/>
+                <a:cs typeface="+mn-cs"/>
+              </a:defRPr>
+            </a:lvl6pPr>
+            <a:lvl7pPr marL="2743200" indent="0" algn="ctr" defTabSz="914400" rtl="0" eaLnBrk="1" latinLnBrk="0" hangingPunct="1">
+              <a:lnSpc>
+                <a:spcPct val="90000"/>
+              </a:lnSpc>
+              <a:spcBef>
+                <a:spcPts val="500"/>
+              </a:spcBef>
+              <a:buFont typeface="Arial" panose="020B0604020202020204" pitchFamily="34" charset="0"/>
+              <a:buNone/>
+              <a:defRPr kumimoji="1" sz="1600" kern="1200">
+                <a:solidFill>
+                  <a:schemeClr val="tx1"/>
+                </a:solidFill>
+                <a:latin typeface="+mn-lt"/>
+                <a:ea typeface="+mn-ea"/>
+                <a:cs typeface="+mn-cs"/>
+              </a:defRPr>
+            </a:lvl7pPr>
+            <a:lvl8pPr marL="3200400" indent="0" algn="ctr" defTabSz="914400" rtl="0" eaLnBrk="1" latinLnBrk="0" hangingPunct="1">
+              <a:lnSpc>
+                <a:spcPct val="90000"/>
+              </a:lnSpc>
+              <a:spcBef>
+                <a:spcPts val="500"/>
+              </a:spcBef>
+              <a:buFont typeface="Arial" panose="020B0604020202020204" pitchFamily="34" charset="0"/>
+              <a:buNone/>
+              <a:defRPr kumimoji="1" sz="1600" kern="1200">
+                <a:solidFill>
+                  <a:schemeClr val="tx1"/>
+                </a:solidFill>
+                <a:latin typeface="+mn-lt"/>
+                <a:ea typeface="+mn-ea"/>
+                <a:cs typeface="+mn-cs"/>
+              </a:defRPr>
+            </a:lvl8pPr>
+            <a:lvl9pPr marL="3657600" indent="0" algn="ctr" defTabSz="914400" rtl="0" eaLnBrk="1" latinLnBrk="0" hangingPunct="1">
+              <a:lnSpc>
+                <a:spcPct val="90000"/>
+              </a:lnSpc>
+              <a:spcBef>
+                <a:spcPts val="500"/>
+              </a:spcBef>
+              <a:buFont typeface="Arial" panose="020B0604020202020204" pitchFamily="34" charset="0"/>
+              <a:buNone/>
+              <a:defRPr kumimoji="1" sz="1600" kern="1200">
+                <a:solidFill>
+                  <a:schemeClr val="tx1"/>
+                </a:solidFill>
+                <a:latin typeface="+mn-lt"/>
+                <a:ea typeface="+mn-ea"/>
+                <a:cs typeface="+mn-cs"/>
+              </a:defRPr>
+            </a:lvl9pPr>
+          </a:lstStyle>
+          <a:p>
+            <a:pPr algn="l"/>
+            <a:r>
+              <a:rPr lang="en-US" sz="3600" b="1" dirty="0">
+                <a:solidFill>
+                  <a:srgbClr val="0064B5"/>
+                </a:solidFill>
+              </a:rPr>
+              <a:t>What is </a:t>
+            </a:r>
+            <a:r>
+              <a:rPr lang="en-US" sz="3600" b="1" dirty="0" smtClean="0">
+                <a:solidFill>
+                  <a:srgbClr val="0064B5"/>
+                </a:solidFill>
+              </a:rPr>
+              <a:t>Hypertext </a:t>
+            </a:r>
+            <a:r>
+              <a:rPr lang="en-US" sz="3600" b="1" dirty="0">
+                <a:solidFill>
+                  <a:srgbClr val="0064B5"/>
+                </a:solidFill>
+              </a:rPr>
+              <a:t>&amp; Markup?</a:t>
+            </a:r>
+          </a:p>
+        </p:txBody>
+      </p:sp>
+      <p:sp>
+        <p:nvSpPr>
+          <p:cNvPr id="8" name="Rectangle 7"/>
+          <p:cNvSpPr/>
+          <p:nvPr/>
+        </p:nvSpPr>
+        <p:spPr>
+          <a:xfrm>
+            <a:off x="338379" y="1077598"/>
+            <a:ext cx="9236941" cy="2126864"/>
+          </a:xfrm>
+          <a:prstGeom prst="rect">
+            <a:avLst/>
+          </a:prstGeom>
+        </p:spPr>
+        <p:txBody>
+          <a:bodyPr wrap="square">
+            <a:spAutoFit/>
+          </a:bodyPr>
+          <a:lstStyle/>
+          <a:p>
+            <a:pPr marL="285750" indent="-285750">
+              <a:lnSpc>
+                <a:spcPct val="150000"/>
+              </a:lnSpc>
+              <a:buFont typeface="Arial" panose="020B0604020202020204" pitchFamily="34" charset="0"/>
+              <a:buChar char="•"/>
+            </a:pPr>
+            <a:r>
+              <a:rPr lang="en-US" altLang="ja-JP" dirty="0"/>
+              <a:t>Hypertext is a text which references to other text.</a:t>
+            </a:r>
+          </a:p>
+          <a:p>
+            <a:pPr marL="285750" indent="-285750">
+              <a:lnSpc>
+                <a:spcPct val="150000"/>
+              </a:lnSpc>
+              <a:buFont typeface="Arial" panose="020B0604020202020204" pitchFamily="34" charset="0"/>
+              <a:buChar char="•"/>
+            </a:pPr>
+            <a:r>
+              <a:rPr lang="en-US" altLang="ja-JP" dirty="0"/>
+              <a:t>Hypertext means machine readable text and Markup means to structure it in a specific format.</a:t>
+            </a:r>
+          </a:p>
+          <a:p>
+            <a:pPr marL="285750" indent="-285750">
+              <a:lnSpc>
+                <a:spcPct val="150000"/>
+              </a:lnSpc>
+              <a:buFont typeface="Arial" panose="020B0604020202020204" pitchFamily="34" charset="0"/>
+              <a:buChar char="•"/>
+            </a:pPr>
+            <a:r>
+              <a:rPr lang="en-US" altLang="ja-JP" dirty="0"/>
+              <a:t>So, HTML is called hypertext markup language because it is a language that allows users to organize, improve the appearance of, and link text with data on the internet.</a:t>
+            </a:r>
+          </a:p>
+          <a:p>
+            <a:pPr marL="285750" indent="-285750">
+              <a:lnSpc>
+                <a:spcPct val="150000"/>
+              </a:lnSpc>
+              <a:buFont typeface="Arial" panose="020B0604020202020204" pitchFamily="34" charset="0"/>
+              <a:buChar char="•"/>
+            </a:pPr>
+            <a:endParaRPr lang="en-US" altLang="ja-JP" dirty="0"/>
+          </a:p>
+        </p:txBody>
+      </p:sp>
+    </p:spTree>
+    <p:extLst>
+      <p:ext uri="{BB962C8B-B14F-4D97-AF65-F5344CB8AC3E}">
+        <p14:creationId xmlns="" xmlns:p14="http://schemas.microsoft.com/office/powerpoint/2010/main" val="1328577666"/>
+      </p:ext>
+    </p:extLst>
+  </p:cSld>
+  <p:clrMapOvr>
+    <a:masterClrMapping/>
+  </p:clrMapOvr>
+  <p:timing>
+    <p:tnLst>
+      <p:par>
+        <p:cTn id="1" dur="indefinite" restart="never" nodeType="tmRoot"/>
+      </p:par>
+    </p:tnLst>
+  </p:timing>
+</p:sld>
+</file>
+
+<file path=ppt/slides/slide30.xml><?xml version="1.0" encoding="utf-8"?>
+<p:sld xmlns:a="http://schemas.openxmlformats.org/drawingml/2006/main" xmlns:r="http://schemas.openxmlformats.org/officeDocument/2006/relationships" xmlns:p="http://schemas.openxmlformats.org/presentationml/2006/main">
+  <p:cSld>
+    <p:spTree>
+      <p:nvGrpSpPr>
+        <p:cNvPr id="1" name=""/>
+        <p:cNvGrpSpPr/>
+        <p:nvPr/>
+      </p:nvGrpSpPr>
+      <p:grpSpPr>
+        <a:xfrm>
+          <a:off x="0" y="0"/>
+          <a:ext cx="0" cy="0"/>
+          <a:chOff x="0" y="0"/>
+          <a:chExt cx="0" cy="0"/>
+        </a:xfrm>
+      </p:grpSpPr>
+      <p:sp>
+        <p:nvSpPr>
+          <p:cNvPr id="2" name="Title 1"/>
+          <p:cNvSpPr>
+            <a:spLocks noGrp="1"/>
+          </p:cNvSpPr>
+          <p:nvPr>
+            <p:ph type="title"/>
+          </p:nvPr>
+        </p:nvSpPr>
+        <p:spPr/>
+        <p:txBody>
+          <a:bodyPr/>
+          <a:lstStyle/>
+          <a:p>
+            <a:r>
+              <a:rPr lang="en-IN" dirty="0" smtClean="0"/>
+              <a:t>QUESTION – Attribute?</a:t>
+            </a:r>
+            <a:endParaRPr lang="en-US" dirty="0"/>
+          </a:p>
+        </p:txBody>
+      </p:sp>
+      <p:pic>
+        <p:nvPicPr>
+          <p:cNvPr id="9218" name="Picture 2"/>
+          <p:cNvPicPr>
+            <a:picLocks noGrp="1" noChangeAspect="1" noChangeArrowheads="1"/>
+          </p:cNvPicPr>
+          <p:nvPr>
+            <p:ph idx="1"/>
+          </p:nvPr>
+        </p:nvPicPr>
+        <p:blipFill>
+          <a:blip r:embed="rId2"/>
+          <a:srcRect/>
+          <a:stretch>
+            <a:fillRect/>
+          </a:stretch>
+        </p:blipFill>
+        <p:spPr bwMode="auto">
+          <a:xfrm>
+            <a:off x="1785937" y="2158206"/>
+            <a:ext cx="8620125" cy="3686175"/>
+          </a:xfrm>
+          <a:prstGeom prst="rect">
+            <a:avLst/>
+          </a:prstGeom>
+          <a:noFill/>
+          <a:ln w="9525">
+            <a:noFill/>
+            <a:miter lim="800000"/>
+            <a:headEnd/>
+            <a:tailEnd/>
+          </a:ln>
+          <a:effectLst/>
+        </p:spPr>
+      </p:pic>
+    </p:spTree>
+  </p:cSld>
+  <p:clrMapOvr>
+    <a:masterClrMapping/>
+  </p:clrMapOvr>
+</p:sld>
+</file>
+
+<file path=ppt/slides/slide31.xml><?xml version="1.0" encoding="utf-8"?>
+<p:sld xmlns:a="http://schemas.openxmlformats.org/drawingml/2006/main" xmlns:r="http://schemas.openxmlformats.org/officeDocument/2006/relationships" xmlns:p="http://schemas.openxmlformats.org/presentationml/2006/main">
+  <p:cSld>
+    <p:spTree>
+      <p:nvGrpSpPr>
+        <p:cNvPr id="1" name=""/>
+        <p:cNvGrpSpPr/>
+        <p:nvPr/>
+      </p:nvGrpSpPr>
+      <p:grpSpPr>
+        <a:xfrm>
+          <a:off x="0" y="0"/>
+          <a:ext cx="0" cy="0"/>
+          <a:chOff x="0" y="0"/>
+          <a:chExt cx="0" cy="0"/>
+        </a:xfrm>
+      </p:grpSpPr>
+      <p:sp>
+        <p:nvSpPr>
+          <p:cNvPr id="2" name="Title 1"/>
+          <p:cNvSpPr>
+            <a:spLocks noGrp="1"/>
+          </p:cNvSpPr>
+          <p:nvPr>
+            <p:ph type="title"/>
+          </p:nvPr>
+        </p:nvSpPr>
+        <p:spPr/>
+        <p:txBody>
+          <a:bodyPr/>
+          <a:lstStyle/>
+          <a:p>
+            <a:r>
+              <a:rPr lang="en-IN" dirty="0" smtClean="0"/>
+              <a:t>QUESTION </a:t>
+            </a:r>
+            <a:r>
+              <a:rPr lang="en-IN" dirty="0" smtClean="0"/>
+              <a:t>HTML </a:t>
+            </a:r>
+            <a:r>
+              <a:rPr lang="en-IN" dirty="0" smtClean="0"/>
+              <a:t>ATTRIBUTE  </a:t>
+            </a:r>
+            <a:endParaRPr lang="en-US" dirty="0"/>
+          </a:p>
+        </p:txBody>
+      </p:sp>
+      <p:pic>
+        <p:nvPicPr>
+          <p:cNvPr id="2050" name="Picture 2"/>
+          <p:cNvPicPr>
+            <a:picLocks noGrp="1" noChangeAspect="1" noChangeArrowheads="1"/>
+          </p:cNvPicPr>
+          <p:nvPr>
+            <p:ph idx="1"/>
+          </p:nvPr>
+        </p:nvPicPr>
+        <p:blipFill>
+          <a:blip r:embed="rId2"/>
+          <a:srcRect/>
+          <a:stretch>
+            <a:fillRect/>
+          </a:stretch>
+        </p:blipFill>
+        <p:spPr bwMode="auto">
+          <a:xfrm>
+            <a:off x="888274" y="1515291"/>
+            <a:ext cx="11521440" cy="5016138"/>
+          </a:xfrm>
+          <a:prstGeom prst="rect">
+            <a:avLst/>
+          </a:prstGeom>
+          <a:noFill/>
+          <a:ln w="9525">
+            <a:noFill/>
+            <a:miter lim="800000"/>
+            <a:headEnd/>
+            <a:tailEnd/>
+          </a:ln>
+          <a:effectLst/>
+        </p:spPr>
+      </p:pic>
+    </p:spTree>
+  </p:cSld>
+  <p:clrMapOvr>
+    <a:masterClrMapping/>
+  </p:clrMapOvr>
+</p:sld>
+</file>
+
+<file path=ppt/slides/slide32.xml><?xml version="1.0" encoding="utf-8"?>
 <p:sld xmlns:a="http://schemas.openxmlformats.org/drawingml/2006/main" xmlns:r="http://schemas.openxmlformats.org/officeDocument/2006/relationships" xmlns:p="http://schemas.openxmlformats.org/presentationml/2006/main">
   <p:cSld>
     <p:spTree>
@@ -8512,412 +9192,7 @@
 </p:sld>
 </file>
 
-<file path=ppt/slides/slide3.xml><?xml version="1.0" encoding="utf-8"?>
-<p:sld xmlns:a="http://schemas.openxmlformats.org/drawingml/2006/main" xmlns:r="http://schemas.openxmlformats.org/officeDocument/2006/relationships" xmlns:p="http://schemas.openxmlformats.org/presentationml/2006/main">
-  <p:cSld>
-    <p:spTree>
-      <p:nvGrpSpPr>
-        <p:cNvPr id="1" name=""/>
-        <p:cNvGrpSpPr/>
-        <p:nvPr/>
-      </p:nvGrpSpPr>
-      <p:grpSpPr>
-        <a:xfrm>
-          <a:off x="0" y="0"/>
-          <a:ext cx="0" cy="0"/>
-          <a:chOff x="0" y="0"/>
-          <a:chExt cx="0" cy="0"/>
-        </a:xfrm>
-      </p:grpSpPr>
-      <p:sp>
-        <p:nvSpPr>
-          <p:cNvPr id="4" name="Content Placeholder 13"/>
-          <p:cNvSpPr txBox="1">
-            <a:spLocks/>
-          </p:cNvSpPr>
-          <p:nvPr/>
-        </p:nvSpPr>
-        <p:spPr>
-          <a:xfrm>
-            <a:off x="321126" y="334401"/>
-            <a:ext cx="9791700" cy="630192"/>
-          </a:xfrm>
-          <a:prstGeom prst="rect">
-            <a:avLst/>
-          </a:prstGeom>
-        </p:spPr>
-        <p:txBody>
-          <a:bodyPr vert="horz" lIns="91440" tIns="45720" rIns="91440" bIns="45720" rtlCol="0">
-            <a:noAutofit/>
-          </a:bodyPr>
-          <a:lstStyle>
-            <a:lvl1pPr marL="0" indent="0" algn="ctr" defTabSz="914400" rtl="0" eaLnBrk="1" latinLnBrk="0" hangingPunct="1">
-              <a:lnSpc>
-                <a:spcPct val="90000"/>
-              </a:lnSpc>
-              <a:spcBef>
-                <a:spcPts val="1000"/>
-              </a:spcBef>
-              <a:buFont typeface="Arial" panose="020B0604020202020204" pitchFamily="34" charset="0"/>
-              <a:buNone/>
-              <a:defRPr kumimoji="1" sz="2400" kern="1200">
-                <a:solidFill>
-                  <a:schemeClr val="tx1"/>
-                </a:solidFill>
-                <a:latin typeface="+mn-lt"/>
-                <a:ea typeface="+mn-ea"/>
-                <a:cs typeface="+mn-cs"/>
-              </a:defRPr>
-            </a:lvl1pPr>
-            <a:lvl2pPr marL="457200" indent="0" algn="ctr" defTabSz="914400" rtl="0" eaLnBrk="1" latinLnBrk="0" hangingPunct="1">
-              <a:lnSpc>
-                <a:spcPct val="90000"/>
-              </a:lnSpc>
-              <a:spcBef>
-                <a:spcPts val="500"/>
-              </a:spcBef>
-              <a:buFont typeface="Arial" panose="020B0604020202020204" pitchFamily="34" charset="0"/>
-              <a:buNone/>
-              <a:defRPr kumimoji="1" sz="2000" kern="1200">
-                <a:solidFill>
-                  <a:schemeClr val="tx1"/>
-                </a:solidFill>
-                <a:latin typeface="+mn-lt"/>
-                <a:ea typeface="+mn-ea"/>
-                <a:cs typeface="+mn-cs"/>
-              </a:defRPr>
-            </a:lvl2pPr>
-            <a:lvl3pPr marL="914400" indent="0" algn="ctr" defTabSz="914400" rtl="0" eaLnBrk="1" latinLnBrk="0" hangingPunct="1">
-              <a:lnSpc>
-                <a:spcPct val="90000"/>
-              </a:lnSpc>
-              <a:spcBef>
-                <a:spcPts val="500"/>
-              </a:spcBef>
-              <a:buFont typeface="Arial" panose="020B0604020202020204" pitchFamily="34" charset="0"/>
-              <a:buNone/>
-              <a:defRPr kumimoji="1" sz="1800" kern="1200">
-                <a:solidFill>
-                  <a:schemeClr val="tx1"/>
-                </a:solidFill>
-                <a:latin typeface="+mn-lt"/>
-                <a:ea typeface="+mn-ea"/>
-                <a:cs typeface="+mn-cs"/>
-              </a:defRPr>
-            </a:lvl3pPr>
-            <a:lvl4pPr marL="1371600" indent="0" algn="ctr" defTabSz="914400" rtl="0" eaLnBrk="1" latinLnBrk="0" hangingPunct="1">
-              <a:lnSpc>
-                <a:spcPct val="90000"/>
-              </a:lnSpc>
-              <a:spcBef>
-                <a:spcPts val="500"/>
-              </a:spcBef>
-              <a:buFont typeface="Arial" panose="020B0604020202020204" pitchFamily="34" charset="0"/>
-              <a:buNone/>
-              <a:defRPr kumimoji="1" sz="1600" kern="1200">
-                <a:solidFill>
-                  <a:schemeClr val="tx1"/>
-                </a:solidFill>
-                <a:latin typeface="+mn-lt"/>
-                <a:ea typeface="+mn-ea"/>
-                <a:cs typeface="+mn-cs"/>
-              </a:defRPr>
-            </a:lvl4pPr>
-            <a:lvl5pPr marL="1828800" indent="0" algn="ctr" defTabSz="914400" rtl="0" eaLnBrk="1" latinLnBrk="0" hangingPunct="1">
-              <a:lnSpc>
-                <a:spcPct val="90000"/>
-              </a:lnSpc>
-              <a:spcBef>
-                <a:spcPts val="500"/>
-              </a:spcBef>
-              <a:buFont typeface="Arial" panose="020B0604020202020204" pitchFamily="34" charset="0"/>
-              <a:buNone/>
-              <a:defRPr kumimoji="1" sz="1600" kern="1200">
-                <a:solidFill>
-                  <a:schemeClr val="tx1"/>
-                </a:solidFill>
-                <a:latin typeface="+mn-lt"/>
-                <a:ea typeface="+mn-ea"/>
-                <a:cs typeface="+mn-cs"/>
-              </a:defRPr>
-            </a:lvl5pPr>
-            <a:lvl6pPr marL="2286000" indent="0" algn="ctr" defTabSz="914400" rtl="0" eaLnBrk="1" latinLnBrk="0" hangingPunct="1">
-              <a:lnSpc>
-                <a:spcPct val="90000"/>
-              </a:lnSpc>
-              <a:spcBef>
-                <a:spcPts val="500"/>
-              </a:spcBef>
-              <a:buFont typeface="Arial" panose="020B0604020202020204" pitchFamily="34" charset="0"/>
-              <a:buNone/>
-              <a:defRPr kumimoji="1" sz="1600" kern="1200">
-                <a:solidFill>
-                  <a:schemeClr val="tx1"/>
-                </a:solidFill>
-                <a:latin typeface="+mn-lt"/>
-                <a:ea typeface="+mn-ea"/>
-                <a:cs typeface="+mn-cs"/>
-              </a:defRPr>
-            </a:lvl6pPr>
-            <a:lvl7pPr marL="2743200" indent="0" algn="ctr" defTabSz="914400" rtl="0" eaLnBrk="1" latinLnBrk="0" hangingPunct="1">
-              <a:lnSpc>
-                <a:spcPct val="90000"/>
-              </a:lnSpc>
-              <a:spcBef>
-                <a:spcPts val="500"/>
-              </a:spcBef>
-              <a:buFont typeface="Arial" panose="020B0604020202020204" pitchFamily="34" charset="0"/>
-              <a:buNone/>
-              <a:defRPr kumimoji="1" sz="1600" kern="1200">
-                <a:solidFill>
-                  <a:schemeClr val="tx1"/>
-                </a:solidFill>
-                <a:latin typeface="+mn-lt"/>
-                <a:ea typeface="+mn-ea"/>
-                <a:cs typeface="+mn-cs"/>
-              </a:defRPr>
-            </a:lvl7pPr>
-            <a:lvl8pPr marL="3200400" indent="0" algn="ctr" defTabSz="914400" rtl="0" eaLnBrk="1" latinLnBrk="0" hangingPunct="1">
-              <a:lnSpc>
-                <a:spcPct val="90000"/>
-              </a:lnSpc>
-              <a:spcBef>
-                <a:spcPts val="500"/>
-              </a:spcBef>
-              <a:buFont typeface="Arial" panose="020B0604020202020204" pitchFamily="34" charset="0"/>
-              <a:buNone/>
-              <a:defRPr kumimoji="1" sz="1600" kern="1200">
-                <a:solidFill>
-                  <a:schemeClr val="tx1"/>
-                </a:solidFill>
-                <a:latin typeface="+mn-lt"/>
-                <a:ea typeface="+mn-ea"/>
-                <a:cs typeface="+mn-cs"/>
-              </a:defRPr>
-            </a:lvl8pPr>
-            <a:lvl9pPr marL="3657600" indent="0" algn="ctr" defTabSz="914400" rtl="0" eaLnBrk="1" latinLnBrk="0" hangingPunct="1">
-              <a:lnSpc>
-                <a:spcPct val="90000"/>
-              </a:lnSpc>
-              <a:spcBef>
-                <a:spcPts val="500"/>
-              </a:spcBef>
-              <a:buFont typeface="Arial" panose="020B0604020202020204" pitchFamily="34" charset="0"/>
-              <a:buNone/>
-              <a:defRPr kumimoji="1" sz="1600" kern="1200">
-                <a:solidFill>
-                  <a:schemeClr val="tx1"/>
-                </a:solidFill>
-                <a:latin typeface="+mn-lt"/>
-                <a:ea typeface="+mn-ea"/>
-                <a:cs typeface="+mn-cs"/>
-              </a:defRPr>
-            </a:lvl9pPr>
-          </a:lstStyle>
-          <a:p>
-            <a:pPr algn="l"/>
-            <a:r>
-              <a:rPr lang="en-US" sz="3600" b="1" dirty="0">
-                <a:solidFill>
-                  <a:srgbClr val="0064B5"/>
-                </a:solidFill>
-              </a:rPr>
-              <a:t>What is </a:t>
-            </a:r>
-            <a:r>
-              <a:rPr lang="en-US" sz="3600" b="1" dirty="0" smtClean="0">
-                <a:solidFill>
-                  <a:srgbClr val="0064B5"/>
-                </a:solidFill>
-              </a:rPr>
-              <a:t>Hypertext </a:t>
-            </a:r>
-            <a:r>
-              <a:rPr lang="en-US" sz="3600" b="1" dirty="0">
-                <a:solidFill>
-                  <a:srgbClr val="0064B5"/>
-                </a:solidFill>
-              </a:rPr>
-              <a:t>&amp; Markup?</a:t>
-            </a:r>
-          </a:p>
-        </p:txBody>
-      </p:sp>
-      <p:sp>
-        <p:nvSpPr>
-          <p:cNvPr id="8" name="Rectangle 7"/>
-          <p:cNvSpPr/>
-          <p:nvPr/>
-        </p:nvSpPr>
-        <p:spPr>
-          <a:xfrm>
-            <a:off x="338379" y="1077598"/>
-            <a:ext cx="9236941" cy="2126864"/>
-          </a:xfrm>
-          <a:prstGeom prst="rect">
-            <a:avLst/>
-          </a:prstGeom>
-        </p:spPr>
-        <p:txBody>
-          <a:bodyPr wrap="square">
-            <a:spAutoFit/>
-          </a:bodyPr>
-          <a:lstStyle/>
-          <a:p>
-            <a:pPr marL="285750" indent="-285750">
-              <a:lnSpc>
-                <a:spcPct val="150000"/>
-              </a:lnSpc>
-              <a:buFont typeface="Arial" panose="020B0604020202020204" pitchFamily="34" charset="0"/>
-              <a:buChar char="•"/>
-            </a:pPr>
-            <a:r>
-              <a:rPr lang="en-US" altLang="ja-JP" dirty="0"/>
-              <a:t>Hypertext is a text which references to other text.</a:t>
-            </a:r>
-          </a:p>
-          <a:p>
-            <a:pPr marL="285750" indent="-285750">
-              <a:lnSpc>
-                <a:spcPct val="150000"/>
-              </a:lnSpc>
-              <a:buFont typeface="Arial" panose="020B0604020202020204" pitchFamily="34" charset="0"/>
-              <a:buChar char="•"/>
-            </a:pPr>
-            <a:r>
-              <a:rPr lang="en-US" altLang="ja-JP" dirty="0"/>
-              <a:t>Hypertext means machine readable text and Markup means to structure it in a specific format.</a:t>
-            </a:r>
-          </a:p>
-          <a:p>
-            <a:pPr marL="285750" indent="-285750">
-              <a:lnSpc>
-                <a:spcPct val="150000"/>
-              </a:lnSpc>
-              <a:buFont typeface="Arial" panose="020B0604020202020204" pitchFamily="34" charset="0"/>
-              <a:buChar char="•"/>
-            </a:pPr>
-            <a:r>
-              <a:rPr lang="en-US" altLang="ja-JP" dirty="0"/>
-              <a:t>So, HTML is called hypertext markup language because it is a language that allows users to organize, improve the appearance of, and link text with data on the internet.</a:t>
-            </a:r>
-          </a:p>
-          <a:p>
-            <a:pPr marL="285750" indent="-285750">
-              <a:lnSpc>
-                <a:spcPct val="150000"/>
-              </a:lnSpc>
-              <a:buFont typeface="Arial" panose="020B0604020202020204" pitchFamily="34" charset="0"/>
-              <a:buChar char="•"/>
-            </a:pPr>
-            <a:endParaRPr lang="en-US" altLang="ja-JP" dirty="0"/>
-          </a:p>
-        </p:txBody>
-      </p:sp>
-    </p:spTree>
-    <p:extLst>
-      <p:ext uri="{BB962C8B-B14F-4D97-AF65-F5344CB8AC3E}">
-        <p14:creationId xmlns:p14="http://schemas.microsoft.com/office/powerpoint/2010/main" xmlns="" val="1328577666"/>
-      </p:ext>
-    </p:extLst>
-  </p:cSld>
-  <p:clrMapOvr>
-    <a:masterClrMapping/>
-  </p:clrMapOvr>
-  <p:timing>
-    <p:tnLst>
-      <p:par>
-        <p:cTn id="1" dur="indefinite" restart="never" nodeType="tmRoot"/>
-      </p:par>
-    </p:tnLst>
-  </p:timing>
-</p:sld>
-</file>
-
-<file path=ppt/slides/slide30.xml><?xml version="1.0" encoding="utf-8"?>
-<p:sld xmlns:a="http://schemas.openxmlformats.org/drawingml/2006/main" xmlns:r="http://schemas.openxmlformats.org/officeDocument/2006/relationships" xmlns:p="http://schemas.openxmlformats.org/presentationml/2006/main">
-  <p:cSld>
-    <p:spTree>
-      <p:nvGrpSpPr>
-        <p:cNvPr id="1" name=""/>
-        <p:cNvGrpSpPr/>
-        <p:nvPr/>
-      </p:nvGrpSpPr>
-      <p:grpSpPr>
-        <a:xfrm>
-          <a:off x="0" y="0"/>
-          <a:ext cx="0" cy="0"/>
-          <a:chOff x="0" y="0"/>
-          <a:chExt cx="0" cy="0"/>
-        </a:xfrm>
-      </p:grpSpPr>
-      <p:sp>
-        <p:nvSpPr>
-          <p:cNvPr id="2" name="Title 1"/>
-          <p:cNvSpPr>
-            <a:spLocks noGrp="1"/>
-          </p:cNvSpPr>
-          <p:nvPr>
-            <p:ph type="title"/>
-          </p:nvPr>
-        </p:nvSpPr>
-        <p:spPr/>
-        <p:txBody>
-          <a:bodyPr/>
-          <a:lstStyle/>
-          <a:p>
-            <a:r>
-              <a:rPr lang="en-IN" dirty="0" smtClean="0"/>
-              <a:t>HTML ATTRIBUTE  Q&amp;A</a:t>
-            </a:r>
-            <a:endParaRPr lang="en-US" dirty="0"/>
-          </a:p>
-        </p:txBody>
-      </p:sp>
-      <p:pic>
-        <p:nvPicPr>
-          <p:cNvPr id="2050" name="Picture 2"/>
-          <p:cNvPicPr>
-            <a:picLocks noGrp="1" noChangeAspect="1" noChangeArrowheads="1"/>
-          </p:cNvPicPr>
-          <p:nvPr>
-            <p:ph idx="1"/>
-          </p:nvPr>
-        </p:nvPicPr>
-        <p:blipFill>
-          <a:blip r:embed="rId2"/>
-          <a:srcRect/>
-          <a:stretch>
-            <a:fillRect/>
-          </a:stretch>
-        </p:blipFill>
-        <p:spPr bwMode="auto">
-          <a:xfrm>
-            <a:off x="888274" y="1515291"/>
-            <a:ext cx="11521440" cy="5016138"/>
-          </a:xfrm>
-          <a:prstGeom prst="rect">
-            <a:avLst/>
-          </a:prstGeom>
-          <a:noFill/>
-          <a:ln w="9525">
-            <a:noFill/>
-            <a:miter lim="800000"/>
-            <a:headEnd/>
-            <a:tailEnd/>
-          </a:ln>
-          <a:effectLst/>
-        </p:spPr>
-      </p:pic>
-    </p:spTree>
-  </p:cSld>
-  <p:clrMapOvr>
-    <a:masterClrMapping/>
-  </p:clrMapOvr>
-</p:sld>
-</file>
-
-<file path=ppt/slides/slide31.xml><?xml version="1.0" encoding="utf-8"?>
+<file path=ppt/slides/slide33.xml><?xml version="1.0" encoding="utf-8"?>
 <p:sld xmlns:a="http://schemas.openxmlformats.org/drawingml/2006/main" xmlns:r="http://schemas.openxmlformats.org/officeDocument/2006/relationships" xmlns:p="http://schemas.openxmlformats.org/presentationml/2006/main">
   <p:cSld>
     <p:spTree>
@@ -9264,7 +9539,7 @@
     </p:spTree>
     <p:extLst>
       <p:ext uri="{BB962C8B-B14F-4D97-AF65-F5344CB8AC3E}">
-        <p14:creationId xmlns:p14="http://schemas.microsoft.com/office/powerpoint/2010/main" xmlns="" val="1328577666"/>
+        <p14:creationId xmlns="" xmlns:p14="http://schemas.microsoft.com/office/powerpoint/2010/main" val="1328577666"/>
       </p:ext>
     </p:extLst>
   </p:cSld>
@@ -9574,7 +9849,7 @@
     </p:spTree>
     <p:extLst>
       <p:ext uri="{BB962C8B-B14F-4D97-AF65-F5344CB8AC3E}">
-        <p14:creationId xmlns:p14="http://schemas.microsoft.com/office/powerpoint/2010/main" xmlns="" val="1328577666"/>
+        <p14:creationId xmlns="" xmlns:p14="http://schemas.microsoft.com/office/powerpoint/2010/main" val="1328577666"/>
       </p:ext>
     </p:extLst>
   </p:cSld>
@@ -9895,7 +10170,7 @@
     </p:spTree>
     <p:extLst>
       <p:ext uri="{BB962C8B-B14F-4D97-AF65-F5344CB8AC3E}">
-        <p14:creationId xmlns:p14="http://schemas.microsoft.com/office/powerpoint/2010/main" xmlns="" val="1328577666"/>
+        <p14:creationId xmlns="" xmlns:p14="http://schemas.microsoft.com/office/powerpoint/2010/main" val="1328577666"/>
       </p:ext>
     </p:extLst>
   </p:cSld>
@@ -10245,7 +10520,7 @@
     </p:spTree>
     <p:extLst>
       <p:ext uri="{BB962C8B-B14F-4D97-AF65-F5344CB8AC3E}">
-        <p14:creationId xmlns="" xmlns:p14="http://schemas.microsoft.com/office/powerpoint/2010/main" val="1328577666"/>
+        <p14:creationId xmlns:p14="http://schemas.microsoft.com/office/powerpoint/2010/main" xmlns="" val="1328577666"/>
       </p:ext>
     </p:extLst>
   </p:cSld>
@@ -10631,7 +10906,7 @@
     </p:spTree>
     <p:extLst>
       <p:ext uri="{BB962C8B-B14F-4D97-AF65-F5344CB8AC3E}">
-        <p14:creationId xmlns:p14="http://schemas.microsoft.com/office/powerpoint/2010/main" xmlns="" val="1328577666"/>
+        <p14:creationId xmlns="" xmlns:p14="http://schemas.microsoft.com/office/powerpoint/2010/main" val="1328577666"/>
       </p:ext>
     </p:extLst>
   </p:cSld>
@@ -11527,7 +11802,7 @@
     </p:spTree>
     <p:extLst>
       <p:ext uri="{BB962C8B-B14F-4D97-AF65-F5344CB8AC3E}">
-        <p14:creationId xmlns:p14="http://schemas.microsoft.com/office/powerpoint/2010/main" xmlns="" val="1328577666"/>
+        <p14:creationId xmlns="" xmlns:p14="http://schemas.microsoft.com/office/powerpoint/2010/main" val="1328577666"/>
       </p:ext>
     </p:extLst>
   </p:cSld>
@@ -11799,7 +12074,7 @@
   <a:extraClrSchemeLst/>
   <a:extLst>
     <a:ext uri="{05A4C25C-085E-4340-85A3-A5531E510DB2}">
-      <thm15:themeFamily xmlns="" xmlns:thm15="http://schemas.microsoft.com/office/thememl/2012/main" name="Office Theme" id="{62F939B6-93AF-4DB8-9C6B-D6C7DFDC589F}" vid="{4A3C46E8-61CC-4603-A589-7422A47A8E4A}"/>
+      <thm15:themeFamily xmlns:thm15="http://schemas.microsoft.com/office/thememl/2012/main" xmlns="" name="Office Theme" id="{62F939B6-93AF-4DB8-9C6B-D6C7DFDC589F}" vid="{4A3C46E8-61CC-4603-A589-7422A47A8E4A}"/>
     </a:ext>
   </a:extLst>
 </a:theme>

--- a/June_Batch/16-06-22/html_16_06_22-lecture topics.pptx
+++ b/June_Batch/16-06-22/html_16_06_22-lecture topics.pptx
@@ -26,18 +26,6 @@
     <p:sldId id="331" r:id="rId20"/>
     <p:sldId id="397" r:id="rId21"/>
     <p:sldId id="398" r:id="rId22"/>
-    <p:sldId id="373" r:id="rId23"/>
-    <p:sldId id="400" r:id="rId24"/>
-    <p:sldId id="399" r:id="rId25"/>
-    <p:sldId id="374" r:id="rId26"/>
-    <p:sldId id="402" r:id="rId27"/>
-    <p:sldId id="336" r:id="rId28"/>
-    <p:sldId id="403" r:id="rId29"/>
-    <p:sldId id="404" r:id="rId30"/>
-    <p:sldId id="396" r:id="rId31"/>
-    <p:sldId id="386" r:id="rId32"/>
-    <p:sldId id="385" r:id="rId33"/>
-    <p:sldId id="388" r:id="rId34"/>
   </p:sldIdLst>
   <p:sldSz cx="12192000" cy="6858000"/>
   <p:notesSz cx="6858000" cy="9144000"/>
@@ -138,7 +126,7 @@
   </p:defaultTextStyle>
   <p:extLst>
     <p:ext uri="{EFAFB233-063F-42B5-8137-9DF3F51BA10A}">
-      <p15:sldGuideLst xmlns:p15="http://schemas.microsoft.com/office/powerpoint/2012/main" xmlns="">
+      <p15:sldGuideLst xmlns="" xmlns:p15="http://schemas.microsoft.com/office/powerpoint/2012/main">
         <p15:guide id="1" orient="horz" pos="2160">
           <p15:clr>
             <a:srgbClr val="A4A3A4"/>
@@ -287,7 +275,7 @@
             <a:fld id="{7FCC5AE5-E495-4913-B643-A95A6AFABB00}" type="datetimeFigureOut">
               <a:rPr kumimoji="1" lang="ja-JP" altLang="en-US" smtClean="0"/>
               <a:pPr/>
-              <a:t>2022/6/16</a:t>
+              <a:t>2022/6/17</a:t>
             </a:fld>
             <a:endParaRPr kumimoji="1" lang="ja-JP" altLang="en-US"/>
           </a:p>
@@ -339,7 +327,7 @@
     </p:spTree>
     <p:extLst>
       <p:ext uri="{BB962C8B-B14F-4D97-AF65-F5344CB8AC3E}">
-        <p14:creationId xmlns:p14="http://schemas.microsoft.com/office/powerpoint/2010/main" xmlns="" val="3096064434"/>
+        <p14:creationId xmlns="" xmlns:p14="http://schemas.microsoft.com/office/powerpoint/2010/main" val="3096064434"/>
       </p:ext>
     </p:extLst>
   </p:cSld>
@@ -459,7 +447,7 @@
             <a:fld id="{7FCC5AE5-E495-4913-B643-A95A6AFABB00}" type="datetimeFigureOut">
               <a:rPr kumimoji="1" lang="ja-JP" altLang="en-US" smtClean="0"/>
               <a:pPr/>
-              <a:t>2022/6/16</a:t>
+              <a:t>2022/6/17</a:t>
             </a:fld>
             <a:endParaRPr kumimoji="1" lang="ja-JP" altLang="en-US"/>
           </a:p>
@@ -511,7 +499,7 @@
     </p:spTree>
     <p:extLst>
       <p:ext uri="{BB962C8B-B14F-4D97-AF65-F5344CB8AC3E}">
-        <p14:creationId xmlns:p14="http://schemas.microsoft.com/office/powerpoint/2010/main" xmlns="" val="71407721"/>
+        <p14:creationId xmlns="" xmlns:p14="http://schemas.microsoft.com/office/powerpoint/2010/main" val="71407721"/>
       </p:ext>
     </p:extLst>
   </p:cSld>
@@ -641,7 +629,7 @@
             <a:fld id="{7FCC5AE5-E495-4913-B643-A95A6AFABB00}" type="datetimeFigureOut">
               <a:rPr kumimoji="1" lang="ja-JP" altLang="en-US" smtClean="0"/>
               <a:pPr/>
-              <a:t>2022/6/16</a:t>
+              <a:t>2022/6/17</a:t>
             </a:fld>
             <a:endParaRPr kumimoji="1" lang="ja-JP" altLang="en-US"/>
           </a:p>
@@ -693,7 +681,7 @@
     </p:spTree>
     <p:extLst>
       <p:ext uri="{BB962C8B-B14F-4D97-AF65-F5344CB8AC3E}">
-        <p14:creationId xmlns:p14="http://schemas.microsoft.com/office/powerpoint/2010/main" xmlns="" val="3852493858"/>
+        <p14:creationId xmlns="" xmlns:p14="http://schemas.microsoft.com/office/powerpoint/2010/main" val="3852493858"/>
       </p:ext>
     </p:extLst>
   </p:cSld>
@@ -813,7 +801,7 @@
             <a:fld id="{7FCC5AE5-E495-4913-B643-A95A6AFABB00}" type="datetimeFigureOut">
               <a:rPr kumimoji="1" lang="ja-JP" altLang="en-US" smtClean="0"/>
               <a:pPr/>
-              <a:t>2022/6/16</a:t>
+              <a:t>2022/6/17</a:t>
             </a:fld>
             <a:endParaRPr kumimoji="1" lang="ja-JP" altLang="en-US"/>
           </a:p>
@@ -865,7 +853,7 @@
     </p:spTree>
     <p:extLst>
       <p:ext uri="{BB962C8B-B14F-4D97-AF65-F5344CB8AC3E}">
-        <p14:creationId xmlns:p14="http://schemas.microsoft.com/office/powerpoint/2010/main" xmlns="" val="282795843"/>
+        <p14:creationId xmlns="" xmlns:p14="http://schemas.microsoft.com/office/powerpoint/2010/main" val="282795843"/>
       </p:ext>
     </p:extLst>
   </p:cSld>
@@ -1061,7 +1049,7 @@
             <a:fld id="{7FCC5AE5-E495-4913-B643-A95A6AFABB00}" type="datetimeFigureOut">
               <a:rPr kumimoji="1" lang="ja-JP" altLang="en-US" smtClean="0"/>
               <a:pPr/>
-              <a:t>2022/6/16</a:t>
+              <a:t>2022/6/17</a:t>
             </a:fld>
             <a:endParaRPr kumimoji="1" lang="ja-JP" altLang="en-US"/>
           </a:p>
@@ -1113,7 +1101,7 @@
     </p:spTree>
     <p:extLst>
       <p:ext uri="{BB962C8B-B14F-4D97-AF65-F5344CB8AC3E}">
-        <p14:creationId xmlns:p14="http://schemas.microsoft.com/office/powerpoint/2010/main" xmlns="" val="1315004973"/>
+        <p14:creationId xmlns="" xmlns:p14="http://schemas.microsoft.com/office/powerpoint/2010/main" val="1315004973"/>
       </p:ext>
     </p:extLst>
   </p:cSld>
@@ -1295,7 +1283,7 @@
             <a:fld id="{7FCC5AE5-E495-4913-B643-A95A6AFABB00}" type="datetimeFigureOut">
               <a:rPr kumimoji="1" lang="ja-JP" altLang="en-US" smtClean="0"/>
               <a:pPr/>
-              <a:t>2022/6/16</a:t>
+              <a:t>2022/6/17</a:t>
             </a:fld>
             <a:endParaRPr kumimoji="1" lang="ja-JP" altLang="en-US"/>
           </a:p>
@@ -1347,7 +1335,7 @@
     </p:spTree>
     <p:extLst>
       <p:ext uri="{BB962C8B-B14F-4D97-AF65-F5344CB8AC3E}">
-        <p14:creationId xmlns:p14="http://schemas.microsoft.com/office/powerpoint/2010/main" xmlns="" val="3048296005"/>
+        <p14:creationId xmlns="" xmlns:p14="http://schemas.microsoft.com/office/powerpoint/2010/main" val="3048296005"/>
       </p:ext>
     </p:extLst>
   </p:cSld>
@@ -1664,7 +1652,7 @@
             <a:fld id="{7FCC5AE5-E495-4913-B643-A95A6AFABB00}" type="datetimeFigureOut">
               <a:rPr kumimoji="1" lang="ja-JP" altLang="en-US" smtClean="0"/>
               <a:pPr/>
-              <a:t>2022/6/16</a:t>
+              <a:t>2022/6/17</a:t>
             </a:fld>
             <a:endParaRPr kumimoji="1" lang="ja-JP" altLang="en-US"/>
           </a:p>
@@ -1716,7 +1704,7 @@
     </p:spTree>
     <p:extLst>
       <p:ext uri="{BB962C8B-B14F-4D97-AF65-F5344CB8AC3E}">
-        <p14:creationId xmlns:p14="http://schemas.microsoft.com/office/powerpoint/2010/main" xmlns="" val="890299385"/>
+        <p14:creationId xmlns="" xmlns:p14="http://schemas.microsoft.com/office/powerpoint/2010/main" val="890299385"/>
       </p:ext>
     </p:extLst>
   </p:cSld>
@@ -1784,7 +1772,7 @@
             <a:fld id="{7FCC5AE5-E495-4913-B643-A95A6AFABB00}" type="datetimeFigureOut">
               <a:rPr kumimoji="1" lang="ja-JP" altLang="en-US" smtClean="0"/>
               <a:pPr/>
-              <a:t>2022/6/16</a:t>
+              <a:t>2022/6/17</a:t>
             </a:fld>
             <a:endParaRPr kumimoji="1" lang="ja-JP" altLang="en-US"/>
           </a:p>
@@ -1836,7 +1824,7 @@
     </p:spTree>
     <p:extLst>
       <p:ext uri="{BB962C8B-B14F-4D97-AF65-F5344CB8AC3E}">
-        <p14:creationId xmlns:p14="http://schemas.microsoft.com/office/powerpoint/2010/main" xmlns="" val="2049573599"/>
+        <p14:creationId xmlns="" xmlns:p14="http://schemas.microsoft.com/office/powerpoint/2010/main" val="2049573599"/>
       </p:ext>
     </p:extLst>
   </p:cSld>
@@ -1881,7 +1869,7 @@
             <a:fld id="{7FCC5AE5-E495-4913-B643-A95A6AFABB00}" type="datetimeFigureOut">
               <a:rPr kumimoji="1" lang="ja-JP" altLang="en-US" smtClean="0"/>
               <a:pPr/>
-              <a:t>2022/6/16</a:t>
+              <a:t>2022/6/17</a:t>
             </a:fld>
             <a:endParaRPr kumimoji="1" lang="ja-JP" altLang="en-US"/>
           </a:p>
@@ -1933,7 +1921,7 @@
     </p:spTree>
     <p:extLst>
       <p:ext uri="{BB962C8B-B14F-4D97-AF65-F5344CB8AC3E}">
-        <p14:creationId xmlns:p14="http://schemas.microsoft.com/office/powerpoint/2010/main" xmlns="" val="1896888541"/>
+        <p14:creationId xmlns="" xmlns:p14="http://schemas.microsoft.com/office/powerpoint/2010/main" val="1896888541"/>
       </p:ext>
     </p:extLst>
   </p:cSld>
@@ -2160,7 +2148,7 @@
             <a:fld id="{7FCC5AE5-E495-4913-B643-A95A6AFABB00}" type="datetimeFigureOut">
               <a:rPr kumimoji="1" lang="ja-JP" altLang="en-US" smtClean="0"/>
               <a:pPr/>
-              <a:t>2022/6/16</a:t>
+              <a:t>2022/6/17</a:t>
             </a:fld>
             <a:endParaRPr kumimoji="1" lang="ja-JP" altLang="en-US"/>
           </a:p>
@@ -2212,7 +2200,7 @@
     </p:spTree>
     <p:extLst>
       <p:ext uri="{BB962C8B-B14F-4D97-AF65-F5344CB8AC3E}">
-        <p14:creationId xmlns:p14="http://schemas.microsoft.com/office/powerpoint/2010/main" xmlns="" val="1581260034"/>
+        <p14:creationId xmlns="" xmlns:p14="http://schemas.microsoft.com/office/powerpoint/2010/main" val="1581260034"/>
       </p:ext>
     </p:extLst>
   </p:cSld>
@@ -2419,7 +2407,7 @@
             <a:fld id="{7FCC5AE5-E495-4913-B643-A95A6AFABB00}" type="datetimeFigureOut">
               <a:rPr kumimoji="1" lang="ja-JP" altLang="en-US" smtClean="0"/>
               <a:pPr/>
-              <a:t>2022/6/16</a:t>
+              <a:t>2022/6/17</a:t>
             </a:fld>
             <a:endParaRPr kumimoji="1" lang="ja-JP" altLang="en-US"/>
           </a:p>
@@ -2471,7 +2459,7 @@
     </p:spTree>
     <p:extLst>
       <p:ext uri="{BB962C8B-B14F-4D97-AF65-F5344CB8AC3E}">
-        <p14:creationId xmlns:p14="http://schemas.microsoft.com/office/powerpoint/2010/main" xmlns="" val="2397771766"/>
+        <p14:creationId xmlns="" xmlns:p14="http://schemas.microsoft.com/office/powerpoint/2010/main" val="2397771766"/>
       </p:ext>
     </p:extLst>
   </p:cSld>
@@ -2634,7 +2622,7 @@
             <a:fld id="{7FCC5AE5-E495-4913-B643-A95A6AFABB00}" type="datetimeFigureOut">
               <a:rPr kumimoji="1" lang="ja-JP" altLang="en-US" smtClean="0"/>
               <a:pPr/>
-              <a:t>2022/6/16</a:t>
+              <a:t>2022/6/17</a:t>
             </a:fld>
             <a:endParaRPr kumimoji="1" lang="ja-JP" altLang="en-US"/>
           </a:p>
@@ -2724,7 +2712,7 @@
           <p:cNvPr id="7" name="TextBox 6">
             <a:extLst>
               <a:ext uri="{FF2B5EF4-FFF2-40B4-BE49-F238E27FC236}">
-                <a16:creationId xmlns:a16="http://schemas.microsoft.com/office/drawing/2014/main" xmlns="" id="{847969B0-9AAB-4EBF-AF99-17A470D83F03}"/>
+                <a16:creationId xmlns="" xmlns:a16="http://schemas.microsoft.com/office/drawing/2014/main" id="{847969B0-9AAB-4EBF-AF99-17A470D83F03}"/>
               </a:ext>
             </a:extLst>
           </p:cNvPr>
@@ -2771,7 +2759,7 @@
     </p:spTree>
     <p:extLst>
       <p:ext uri="{BB962C8B-B14F-4D97-AF65-F5344CB8AC3E}">
-        <p14:creationId xmlns:p14="http://schemas.microsoft.com/office/powerpoint/2010/main" xmlns="" val="492407304"/>
+        <p14:creationId xmlns="" xmlns:p14="http://schemas.microsoft.com/office/powerpoint/2010/main" val="492407304"/>
       </p:ext>
     </p:extLst>
   </p:cSld>
@@ -3179,7 +3167,7 @@
     </p:spTree>
     <p:extLst>
       <p:ext uri="{BB962C8B-B14F-4D97-AF65-F5344CB8AC3E}">
-        <p14:creationId xmlns:p14="http://schemas.microsoft.com/office/powerpoint/2010/main" xmlns="" val="4062787881"/>
+        <p14:creationId xmlns="" xmlns:p14="http://schemas.microsoft.com/office/powerpoint/2010/main" val="4062787881"/>
       </p:ext>
     </p:extLst>
   </p:cSld>
@@ -3951,7 +3939,7 @@
     </p:spTree>
     <p:extLst>
       <p:ext uri="{BB962C8B-B14F-4D97-AF65-F5344CB8AC3E}">
-        <p14:creationId xmlns="" xmlns:p14="http://schemas.microsoft.com/office/powerpoint/2010/main" val="1328577666"/>
+        <p14:creationId xmlns:p14="http://schemas.microsoft.com/office/powerpoint/2010/main" xmlns="" val="1328577666"/>
       </p:ext>
     </p:extLst>
   </p:cSld>
@@ -4569,15 +4557,7 @@
                   <a:srgbClr val="0064B5"/>
                 </a:solidFill>
               </a:rPr>
-              <a:t>Element, </a:t>
-            </a:r>
-            <a:r>
-              <a:rPr lang="en-US" sz="3600" b="1" dirty="0" smtClean="0">
-                <a:solidFill>
-                  <a:srgbClr val="0064B5"/>
-                </a:solidFill>
-              </a:rPr>
-              <a:t>Tag</a:t>
+              <a:t>Element, Tag</a:t>
             </a:r>
             <a:endParaRPr lang="en-US" sz="3600" b="1" dirty="0">
               <a:solidFill>
@@ -4623,7 +4603,7 @@
     </p:spTree>
     <p:extLst>
       <p:ext uri="{BB962C8B-B14F-4D97-AF65-F5344CB8AC3E}">
-        <p14:creationId xmlns="" xmlns:p14="http://schemas.microsoft.com/office/powerpoint/2010/main" val="1328577666"/>
+        <p14:creationId xmlns:p14="http://schemas.microsoft.com/office/powerpoint/2010/main" xmlns="" val="1328577666"/>
       </p:ext>
     </p:extLst>
   </p:cSld>
@@ -5060,7 +5040,7 @@
     </p:spTree>
     <p:extLst>
       <p:ext uri="{BB962C8B-B14F-4D97-AF65-F5344CB8AC3E}">
-        <p14:creationId xmlns:p14="http://schemas.microsoft.com/office/powerpoint/2010/main" xmlns="" val="1328577666"/>
+        <p14:creationId xmlns="" xmlns:p14="http://schemas.microsoft.com/office/powerpoint/2010/main" val="1328577666"/>
       </p:ext>
     </p:extLst>
   </p:cSld>
@@ -5432,7 +5412,7 @@
     </p:spTree>
     <p:extLst>
       <p:ext uri="{BB962C8B-B14F-4D97-AF65-F5344CB8AC3E}">
-        <p14:creationId xmlns:p14="http://schemas.microsoft.com/office/powerpoint/2010/main" xmlns="" val="1328577666"/>
+        <p14:creationId xmlns="" xmlns:p14="http://schemas.microsoft.com/office/powerpoint/2010/main" val="1328577666"/>
       </p:ext>
     </p:extLst>
   </p:cSld>
@@ -5823,7 +5803,7 @@
     </p:spTree>
     <p:extLst>
       <p:ext uri="{BB962C8B-B14F-4D97-AF65-F5344CB8AC3E}">
-        <p14:creationId xmlns:p14="http://schemas.microsoft.com/office/powerpoint/2010/main" xmlns="" val="1328577666"/>
+        <p14:creationId xmlns="" xmlns:p14="http://schemas.microsoft.com/office/powerpoint/2010/main" val="1328577666"/>
       </p:ext>
     </p:extLst>
   </p:cSld>
@@ -6482,7 +6462,7 @@
     </p:spTree>
     <p:extLst>
       <p:ext uri="{BB962C8B-B14F-4D97-AF65-F5344CB8AC3E}">
-        <p14:creationId xmlns:p14="http://schemas.microsoft.com/office/powerpoint/2010/main" xmlns="" val="1328577666"/>
+        <p14:creationId xmlns="" xmlns:p14="http://schemas.microsoft.com/office/powerpoint/2010/main" val="1328577666"/>
       </p:ext>
     </p:extLst>
   </p:cSld>
@@ -6866,7 +6846,7 @@
     </p:spTree>
     <p:extLst>
       <p:ext uri="{BB962C8B-B14F-4D97-AF65-F5344CB8AC3E}">
-        <p14:creationId xmlns="" xmlns:p14="http://schemas.microsoft.com/office/powerpoint/2010/main" val="1328577666"/>
+        <p14:creationId xmlns:p14="http://schemas.microsoft.com/office/powerpoint/2010/main" xmlns="" val="1328577666"/>
       </p:ext>
     </p:extLst>
   </p:cSld>
@@ -7083,1536 +7063,6 @@
 </p:sld>
 </file>
 
-<file path=ppt/slides/slide22.xml><?xml version="1.0" encoding="utf-8"?>
-<p:sld xmlns:a="http://schemas.openxmlformats.org/drawingml/2006/main" xmlns:r="http://schemas.openxmlformats.org/officeDocument/2006/relationships" xmlns:p="http://schemas.openxmlformats.org/presentationml/2006/main">
-  <p:cSld>
-    <p:spTree>
-      <p:nvGrpSpPr>
-        <p:cNvPr id="1" name=""/>
-        <p:cNvGrpSpPr/>
-        <p:nvPr/>
-      </p:nvGrpSpPr>
-      <p:grpSpPr>
-        <a:xfrm>
-          <a:off x="0" y="0"/>
-          <a:ext cx="0" cy="0"/>
-          <a:chOff x="0" y="0"/>
-          <a:chExt cx="0" cy="0"/>
-        </a:xfrm>
-      </p:grpSpPr>
-      <p:sp>
-        <p:nvSpPr>
-          <p:cNvPr id="2" name="Title 1"/>
-          <p:cNvSpPr>
-            <a:spLocks noGrp="1"/>
-          </p:cNvSpPr>
-          <p:nvPr>
-            <p:ph type="title"/>
-          </p:nvPr>
-        </p:nvSpPr>
-        <p:spPr/>
-        <p:txBody>
-          <a:bodyPr/>
-          <a:lstStyle/>
-          <a:p>
-            <a:r>
-              <a:rPr lang="en-IN" dirty="0" smtClean="0"/>
-              <a:t>formatting TAGS</a:t>
-            </a:r>
-            <a:endParaRPr lang="en-US" dirty="0"/>
-          </a:p>
-        </p:txBody>
-      </p:sp>
-      <p:pic>
-        <p:nvPicPr>
-          <p:cNvPr id="1026" name="Picture 2"/>
-          <p:cNvPicPr>
-            <a:picLocks noGrp="1" noChangeAspect="1" noChangeArrowheads="1"/>
-          </p:cNvPicPr>
-          <p:nvPr>
-            <p:ph idx="1"/>
-          </p:nvPr>
-        </p:nvPicPr>
-        <p:blipFill>
-          <a:blip r:embed="rId2"/>
-          <a:srcRect/>
-          <a:stretch>
-            <a:fillRect/>
-          </a:stretch>
-        </p:blipFill>
-        <p:spPr bwMode="auto">
-          <a:xfrm>
-            <a:off x="1998617" y="1619794"/>
-            <a:ext cx="7432765" cy="4794069"/>
-          </a:xfrm>
-          <a:prstGeom prst="rect">
-            <a:avLst/>
-          </a:prstGeom>
-          <a:noFill/>
-          <a:ln w="9525">
-            <a:noFill/>
-            <a:miter lim="800000"/>
-            <a:headEnd/>
-            <a:tailEnd/>
-          </a:ln>
-          <a:effectLst/>
-        </p:spPr>
-      </p:pic>
-    </p:spTree>
-  </p:cSld>
-  <p:clrMapOvr>
-    <a:masterClrMapping/>
-  </p:clrMapOvr>
-</p:sld>
-</file>
-
-<file path=ppt/slides/slide23.xml><?xml version="1.0" encoding="utf-8"?>
-<p:sld xmlns:a="http://schemas.openxmlformats.org/drawingml/2006/main" xmlns:r="http://schemas.openxmlformats.org/officeDocument/2006/relationships" xmlns:p="http://schemas.openxmlformats.org/presentationml/2006/main">
-  <p:cSld>
-    <p:spTree>
-      <p:nvGrpSpPr>
-        <p:cNvPr id="1" name=""/>
-        <p:cNvGrpSpPr/>
-        <p:nvPr/>
-      </p:nvGrpSpPr>
-      <p:grpSpPr>
-        <a:xfrm>
-          <a:off x="0" y="0"/>
-          <a:ext cx="0" cy="0"/>
-          <a:chOff x="0" y="0"/>
-          <a:chExt cx="0" cy="0"/>
-        </a:xfrm>
-      </p:grpSpPr>
-      <p:sp>
-        <p:nvSpPr>
-          <p:cNvPr id="2" name="Title 1"/>
-          <p:cNvSpPr>
-            <a:spLocks noGrp="1"/>
-          </p:cNvSpPr>
-          <p:nvPr>
-            <p:ph type="title"/>
-          </p:nvPr>
-        </p:nvSpPr>
-        <p:spPr/>
-        <p:txBody>
-          <a:bodyPr/>
-          <a:lstStyle/>
-          <a:p>
-            <a:endParaRPr lang="en-US" dirty="0"/>
-          </a:p>
-        </p:txBody>
-      </p:sp>
-      <p:pic>
-        <p:nvPicPr>
-          <p:cNvPr id="13314" name="Picture 2"/>
-          <p:cNvPicPr>
-            <a:picLocks noGrp="1" noChangeAspect="1" noChangeArrowheads="1"/>
-          </p:cNvPicPr>
-          <p:nvPr>
-            <p:ph idx="1"/>
-          </p:nvPr>
-        </p:nvPicPr>
-        <p:blipFill>
-          <a:blip r:embed="rId2"/>
-          <a:srcRect/>
-          <a:stretch>
-            <a:fillRect/>
-          </a:stretch>
-        </p:blipFill>
-        <p:spPr bwMode="auto">
-          <a:xfrm>
-            <a:off x="248193" y="222069"/>
-            <a:ext cx="11652069" cy="2990850"/>
-          </a:xfrm>
-          <a:prstGeom prst="rect">
-            <a:avLst/>
-          </a:prstGeom>
-          <a:noFill/>
-          <a:ln w="9525">
-            <a:noFill/>
-            <a:miter lim="800000"/>
-            <a:headEnd/>
-            <a:tailEnd/>
-          </a:ln>
-          <a:effectLst/>
-        </p:spPr>
-      </p:pic>
-      <p:pic>
-        <p:nvPicPr>
-          <p:cNvPr id="13315" name="Picture 3"/>
-          <p:cNvPicPr>
-            <a:picLocks noChangeAspect="1" noChangeArrowheads="1"/>
-          </p:cNvPicPr>
-          <p:nvPr/>
-        </p:nvPicPr>
-        <p:blipFill>
-          <a:blip r:embed="rId3"/>
-          <a:srcRect/>
-          <a:stretch>
-            <a:fillRect/>
-          </a:stretch>
-        </p:blipFill>
-        <p:spPr bwMode="auto">
-          <a:xfrm>
-            <a:off x="485639" y="3694476"/>
-            <a:ext cx="6753225" cy="2238375"/>
-          </a:xfrm>
-          <a:prstGeom prst="rect">
-            <a:avLst/>
-          </a:prstGeom>
-          <a:noFill/>
-          <a:ln w="9525">
-            <a:noFill/>
-            <a:miter lim="800000"/>
-            <a:headEnd/>
-            <a:tailEnd/>
-          </a:ln>
-          <a:effectLst/>
-        </p:spPr>
-      </p:pic>
-    </p:spTree>
-  </p:cSld>
-  <p:clrMapOvr>
-    <a:masterClrMapping/>
-  </p:clrMapOvr>
-</p:sld>
-</file>
-
-<file path=ppt/slides/slide24.xml><?xml version="1.0" encoding="utf-8"?>
-<p:sld xmlns:a="http://schemas.openxmlformats.org/drawingml/2006/main" xmlns:r="http://schemas.openxmlformats.org/officeDocument/2006/relationships" xmlns:p="http://schemas.openxmlformats.org/presentationml/2006/main">
-  <p:cSld>
-    <p:spTree>
-      <p:nvGrpSpPr>
-        <p:cNvPr id="1" name=""/>
-        <p:cNvGrpSpPr/>
-        <p:nvPr/>
-      </p:nvGrpSpPr>
-      <p:grpSpPr>
-        <a:xfrm>
-          <a:off x="0" y="0"/>
-          <a:ext cx="0" cy="0"/>
-          <a:chOff x="0" y="0"/>
-          <a:chExt cx="0" cy="0"/>
-        </a:xfrm>
-      </p:grpSpPr>
-      <p:sp>
-        <p:nvSpPr>
-          <p:cNvPr id="2" name="Title 1"/>
-          <p:cNvSpPr>
-            <a:spLocks noGrp="1"/>
-          </p:cNvSpPr>
-          <p:nvPr>
-            <p:ph type="title"/>
-          </p:nvPr>
-        </p:nvSpPr>
-        <p:spPr/>
-        <p:txBody>
-          <a:bodyPr/>
-          <a:lstStyle/>
-          <a:p>
-            <a:r>
-              <a:rPr lang="en-IN" dirty="0" smtClean="0"/>
-              <a:t>QUESTION</a:t>
-            </a:r>
-            <a:endParaRPr lang="en-US" dirty="0"/>
-          </a:p>
-        </p:txBody>
-      </p:sp>
-      <p:pic>
-        <p:nvPicPr>
-          <p:cNvPr id="12290" name="Picture 2"/>
-          <p:cNvPicPr>
-            <a:picLocks noGrp="1" noChangeAspect="1" noChangeArrowheads="1"/>
-          </p:cNvPicPr>
-          <p:nvPr>
-            <p:ph idx="1"/>
-          </p:nvPr>
-        </p:nvPicPr>
-        <p:blipFill>
-          <a:blip r:embed="rId2"/>
-          <a:srcRect/>
-          <a:stretch>
-            <a:fillRect/>
-          </a:stretch>
-        </p:blipFill>
-        <p:spPr bwMode="auto">
-          <a:xfrm>
-            <a:off x="716824" y="1609431"/>
-            <a:ext cx="3390900" cy="1047750"/>
-          </a:xfrm>
-          <a:prstGeom prst="rect">
-            <a:avLst/>
-          </a:prstGeom>
-          <a:noFill/>
-          <a:ln w="9525">
-            <a:noFill/>
-            <a:miter lim="800000"/>
-            <a:headEnd/>
-            <a:tailEnd/>
-          </a:ln>
-          <a:effectLst/>
-        </p:spPr>
-      </p:pic>
-      <p:pic>
-        <p:nvPicPr>
-          <p:cNvPr id="12291" name="Picture 3"/>
-          <p:cNvPicPr>
-            <a:picLocks noChangeAspect="1" noChangeArrowheads="1"/>
-          </p:cNvPicPr>
-          <p:nvPr/>
-        </p:nvPicPr>
-        <p:blipFill>
-          <a:blip r:embed="rId3"/>
-          <a:srcRect/>
-          <a:stretch>
-            <a:fillRect/>
-          </a:stretch>
-        </p:blipFill>
-        <p:spPr bwMode="auto">
-          <a:xfrm>
-            <a:off x="888275" y="2872740"/>
-            <a:ext cx="2860766" cy="784860"/>
-          </a:xfrm>
-          <a:prstGeom prst="rect">
-            <a:avLst/>
-          </a:prstGeom>
-          <a:noFill/>
-          <a:ln w="9525">
-            <a:noFill/>
-            <a:miter lim="800000"/>
-            <a:headEnd/>
-            <a:tailEnd/>
-          </a:ln>
-          <a:effectLst/>
-        </p:spPr>
-      </p:pic>
-      <p:pic>
-        <p:nvPicPr>
-          <p:cNvPr id="12292" name="Picture 4"/>
-          <p:cNvPicPr>
-            <a:picLocks noChangeAspect="1" noChangeArrowheads="1"/>
-          </p:cNvPicPr>
-          <p:nvPr/>
-        </p:nvPicPr>
-        <p:blipFill>
-          <a:blip r:embed="rId4"/>
-          <a:srcRect/>
-          <a:stretch>
-            <a:fillRect/>
-          </a:stretch>
-        </p:blipFill>
-        <p:spPr bwMode="auto">
-          <a:xfrm>
-            <a:off x="180023" y="3833268"/>
-            <a:ext cx="9820275" cy="2352675"/>
-          </a:xfrm>
-          <a:prstGeom prst="rect">
-            <a:avLst/>
-          </a:prstGeom>
-          <a:noFill/>
-          <a:ln w="9525">
-            <a:noFill/>
-            <a:miter lim="800000"/>
-            <a:headEnd/>
-            <a:tailEnd/>
-          </a:ln>
-          <a:effectLst/>
-        </p:spPr>
-      </p:pic>
-    </p:spTree>
-  </p:cSld>
-  <p:clrMapOvr>
-    <a:masterClrMapping/>
-  </p:clrMapOvr>
-</p:sld>
-</file>
-
-<file path=ppt/slides/slide25.xml><?xml version="1.0" encoding="utf-8"?>
-<p:sld xmlns:a="http://schemas.openxmlformats.org/drawingml/2006/main" xmlns:r="http://schemas.openxmlformats.org/officeDocument/2006/relationships" xmlns:p="http://schemas.openxmlformats.org/presentationml/2006/main">
-  <p:cSld>
-    <p:spTree>
-      <p:nvGrpSpPr>
-        <p:cNvPr id="1" name=""/>
-        <p:cNvGrpSpPr/>
-        <p:nvPr/>
-      </p:nvGrpSpPr>
-      <p:grpSpPr>
-        <a:xfrm>
-          <a:off x="0" y="0"/>
-          <a:ext cx="0" cy="0"/>
-          <a:chOff x="0" y="0"/>
-          <a:chExt cx="0" cy="0"/>
-        </a:xfrm>
-      </p:grpSpPr>
-      <p:sp>
-        <p:nvSpPr>
-          <p:cNvPr id="2" name="Title 1"/>
-          <p:cNvSpPr>
-            <a:spLocks noGrp="1"/>
-          </p:cNvSpPr>
-          <p:nvPr>
-            <p:ph type="title"/>
-          </p:nvPr>
-        </p:nvSpPr>
-        <p:spPr/>
-        <p:txBody>
-          <a:bodyPr/>
-          <a:lstStyle/>
-          <a:p>
-            <a:endParaRPr lang="en-US"/>
-          </a:p>
-        </p:txBody>
-      </p:sp>
-      <p:sp>
-        <p:nvSpPr>
-          <p:cNvPr id="3" name="Content Placeholder 2"/>
-          <p:cNvSpPr>
-            <a:spLocks noGrp="1"/>
-          </p:cNvSpPr>
-          <p:nvPr>
-            <p:ph idx="1"/>
-          </p:nvPr>
-        </p:nvSpPr>
-        <p:spPr/>
-        <p:txBody>
-          <a:bodyPr/>
-          <a:lstStyle/>
-          <a:p>
-            <a:endParaRPr lang="en-US" dirty="0"/>
-          </a:p>
-        </p:txBody>
-      </p:sp>
-      <p:pic>
-        <p:nvPicPr>
-          <p:cNvPr id="2050" name="Picture 2"/>
-          <p:cNvPicPr>
-            <a:picLocks noChangeAspect="1" noChangeArrowheads="1"/>
-          </p:cNvPicPr>
-          <p:nvPr/>
-        </p:nvPicPr>
-        <p:blipFill>
-          <a:blip r:embed="rId2"/>
-          <a:srcRect/>
-          <a:stretch>
-            <a:fillRect/>
-          </a:stretch>
-        </p:blipFill>
-        <p:spPr bwMode="auto">
-          <a:xfrm>
-            <a:off x="901337" y="352697"/>
-            <a:ext cx="9052560" cy="5747657"/>
-          </a:xfrm>
-          <a:prstGeom prst="rect">
-            <a:avLst/>
-          </a:prstGeom>
-          <a:noFill/>
-          <a:ln w="9525">
-            <a:noFill/>
-            <a:miter lim="800000"/>
-            <a:headEnd/>
-            <a:tailEnd/>
-          </a:ln>
-          <a:effectLst/>
-        </p:spPr>
-      </p:pic>
-      <p:pic>
-        <p:nvPicPr>
-          <p:cNvPr id="16386" name="Picture 2"/>
-          <p:cNvPicPr>
-            <a:picLocks noChangeAspect="1" noChangeArrowheads="1"/>
-          </p:cNvPicPr>
-          <p:nvPr/>
-        </p:nvPicPr>
-        <p:blipFill>
-          <a:blip r:embed="rId3"/>
-          <a:srcRect/>
-          <a:stretch>
-            <a:fillRect/>
-          </a:stretch>
-        </p:blipFill>
-        <p:spPr bwMode="auto">
-          <a:xfrm>
-            <a:off x="8911862" y="5870258"/>
-            <a:ext cx="742950" cy="238125"/>
-          </a:xfrm>
-          <a:prstGeom prst="rect">
-            <a:avLst/>
-          </a:prstGeom>
-          <a:noFill/>
-          <a:ln w="9525">
-            <a:noFill/>
-            <a:miter lim="800000"/>
-            <a:headEnd/>
-            <a:tailEnd/>
-          </a:ln>
-          <a:effectLst/>
-        </p:spPr>
-      </p:pic>
-    </p:spTree>
-  </p:cSld>
-  <p:clrMapOvr>
-    <a:masterClrMapping/>
-  </p:clrMapOvr>
-</p:sld>
-</file>
-
-<file path=ppt/slides/slide26.xml><?xml version="1.0" encoding="utf-8"?>
-<p:sld xmlns:a="http://schemas.openxmlformats.org/drawingml/2006/main" xmlns:r="http://schemas.openxmlformats.org/officeDocument/2006/relationships" xmlns:p="http://schemas.openxmlformats.org/presentationml/2006/main">
-  <p:cSld>
-    <p:spTree>
-      <p:nvGrpSpPr>
-        <p:cNvPr id="1" name=""/>
-        <p:cNvGrpSpPr/>
-        <p:nvPr/>
-      </p:nvGrpSpPr>
-      <p:grpSpPr>
-        <a:xfrm>
-          <a:off x="0" y="0"/>
-          <a:ext cx="0" cy="0"/>
-          <a:chOff x="0" y="0"/>
-          <a:chExt cx="0" cy="0"/>
-        </a:xfrm>
-      </p:grpSpPr>
-      <p:sp>
-        <p:nvSpPr>
-          <p:cNvPr id="2" name="Title 1"/>
-          <p:cNvSpPr>
-            <a:spLocks noGrp="1"/>
-          </p:cNvSpPr>
-          <p:nvPr>
-            <p:ph type="title"/>
-          </p:nvPr>
-        </p:nvSpPr>
-        <p:spPr/>
-        <p:txBody>
-          <a:bodyPr/>
-          <a:lstStyle/>
-          <a:p>
-            <a:r>
-              <a:rPr lang="en-IN" dirty="0" smtClean="0"/>
-              <a:t>QUESTION</a:t>
-            </a:r>
-            <a:endParaRPr lang="en-US" dirty="0"/>
-          </a:p>
-        </p:txBody>
-      </p:sp>
-      <p:pic>
-        <p:nvPicPr>
-          <p:cNvPr id="15362" name="Picture 2"/>
-          <p:cNvPicPr>
-            <a:picLocks noGrp="1" noChangeAspect="1" noChangeArrowheads="1"/>
-          </p:cNvPicPr>
-          <p:nvPr>
-            <p:ph idx="1"/>
-          </p:nvPr>
-        </p:nvPicPr>
-        <p:blipFill>
-          <a:blip r:embed="rId2"/>
-          <a:srcRect/>
-          <a:stretch>
-            <a:fillRect/>
-          </a:stretch>
-        </p:blipFill>
-        <p:spPr bwMode="auto">
-          <a:xfrm>
-            <a:off x="1554072" y="1964168"/>
-            <a:ext cx="4276725" cy="713718"/>
-          </a:xfrm>
-          <a:prstGeom prst="rect">
-            <a:avLst/>
-          </a:prstGeom>
-          <a:noFill/>
-          <a:ln w="9525">
-            <a:noFill/>
-            <a:miter lim="800000"/>
-            <a:headEnd/>
-            <a:tailEnd/>
-          </a:ln>
-          <a:effectLst/>
-        </p:spPr>
-      </p:pic>
-      <p:pic>
-        <p:nvPicPr>
-          <p:cNvPr id="15363" name="Picture 3"/>
-          <p:cNvPicPr>
-            <a:picLocks noChangeAspect="1" noChangeArrowheads="1"/>
-          </p:cNvPicPr>
-          <p:nvPr/>
-        </p:nvPicPr>
-        <p:blipFill>
-          <a:blip r:embed="rId3"/>
-          <a:srcRect/>
-          <a:stretch>
-            <a:fillRect/>
-          </a:stretch>
-        </p:blipFill>
-        <p:spPr bwMode="auto">
-          <a:xfrm>
-            <a:off x="1788387" y="2983774"/>
-            <a:ext cx="3802516" cy="1562100"/>
-          </a:xfrm>
-          <a:prstGeom prst="rect">
-            <a:avLst/>
-          </a:prstGeom>
-          <a:noFill/>
-          <a:ln w="9525">
-            <a:noFill/>
-            <a:miter lim="800000"/>
-            <a:headEnd/>
-            <a:tailEnd/>
-          </a:ln>
-          <a:effectLst/>
-        </p:spPr>
-      </p:pic>
-    </p:spTree>
-  </p:cSld>
-  <p:clrMapOvr>
-    <a:masterClrMapping/>
-  </p:clrMapOvr>
-</p:sld>
-</file>
-
-<file path=ppt/slides/slide27.xml><?xml version="1.0" encoding="utf-8"?>
-<p:sld xmlns:a="http://schemas.openxmlformats.org/drawingml/2006/main" xmlns:r="http://schemas.openxmlformats.org/officeDocument/2006/relationships" xmlns:p="http://schemas.openxmlformats.org/presentationml/2006/main">
-  <p:cSld>
-    <p:spTree>
-      <p:nvGrpSpPr>
-        <p:cNvPr id="1" name=""/>
-        <p:cNvGrpSpPr/>
-        <p:nvPr/>
-      </p:nvGrpSpPr>
-      <p:grpSpPr>
-        <a:xfrm>
-          <a:off x="0" y="0"/>
-          <a:ext cx="0" cy="0"/>
-          <a:chOff x="0" y="0"/>
-          <a:chExt cx="0" cy="0"/>
-        </a:xfrm>
-      </p:grpSpPr>
-      <p:sp>
-        <p:nvSpPr>
-          <p:cNvPr id="4" name="Content Placeholder 13"/>
-          <p:cNvSpPr txBox="1">
-            <a:spLocks/>
-          </p:cNvSpPr>
-          <p:nvPr/>
-        </p:nvSpPr>
-        <p:spPr>
-          <a:xfrm>
-            <a:off x="321126" y="135993"/>
-            <a:ext cx="9791700" cy="630192"/>
-          </a:xfrm>
-          <a:prstGeom prst="rect">
-            <a:avLst/>
-          </a:prstGeom>
-        </p:spPr>
-        <p:txBody>
-          <a:bodyPr vert="horz" lIns="91440" tIns="45720" rIns="91440" bIns="45720" rtlCol="0">
-            <a:noAutofit/>
-          </a:bodyPr>
-          <a:lstStyle>
-            <a:lvl1pPr marL="0" indent="0" algn="ctr" defTabSz="914400" rtl="0" eaLnBrk="1" latinLnBrk="0" hangingPunct="1">
-              <a:lnSpc>
-                <a:spcPct val="90000"/>
-              </a:lnSpc>
-              <a:spcBef>
-                <a:spcPts val="1000"/>
-              </a:spcBef>
-              <a:buFont typeface="Arial" panose="020B0604020202020204" pitchFamily="34" charset="0"/>
-              <a:buNone/>
-              <a:defRPr kumimoji="1" sz="2400" kern="1200">
-                <a:solidFill>
-                  <a:schemeClr val="tx1"/>
-                </a:solidFill>
-                <a:latin typeface="+mn-lt"/>
-                <a:ea typeface="+mn-ea"/>
-                <a:cs typeface="+mn-cs"/>
-              </a:defRPr>
-            </a:lvl1pPr>
-            <a:lvl2pPr marL="457200" indent="0" algn="ctr" defTabSz="914400" rtl="0" eaLnBrk="1" latinLnBrk="0" hangingPunct="1">
-              <a:lnSpc>
-                <a:spcPct val="90000"/>
-              </a:lnSpc>
-              <a:spcBef>
-                <a:spcPts val="500"/>
-              </a:spcBef>
-              <a:buFont typeface="Arial" panose="020B0604020202020204" pitchFamily="34" charset="0"/>
-              <a:buNone/>
-              <a:defRPr kumimoji="1" sz="2000" kern="1200">
-                <a:solidFill>
-                  <a:schemeClr val="tx1"/>
-                </a:solidFill>
-                <a:latin typeface="+mn-lt"/>
-                <a:ea typeface="+mn-ea"/>
-                <a:cs typeface="+mn-cs"/>
-              </a:defRPr>
-            </a:lvl2pPr>
-            <a:lvl3pPr marL="914400" indent="0" algn="ctr" defTabSz="914400" rtl="0" eaLnBrk="1" latinLnBrk="0" hangingPunct="1">
-              <a:lnSpc>
-                <a:spcPct val="90000"/>
-              </a:lnSpc>
-              <a:spcBef>
-                <a:spcPts val="500"/>
-              </a:spcBef>
-              <a:buFont typeface="Arial" panose="020B0604020202020204" pitchFamily="34" charset="0"/>
-              <a:buNone/>
-              <a:defRPr kumimoji="1" sz="1800" kern="1200">
-                <a:solidFill>
-                  <a:schemeClr val="tx1"/>
-                </a:solidFill>
-                <a:latin typeface="+mn-lt"/>
-                <a:ea typeface="+mn-ea"/>
-                <a:cs typeface="+mn-cs"/>
-              </a:defRPr>
-            </a:lvl3pPr>
-            <a:lvl4pPr marL="1371600" indent="0" algn="ctr" defTabSz="914400" rtl="0" eaLnBrk="1" latinLnBrk="0" hangingPunct="1">
-              <a:lnSpc>
-                <a:spcPct val="90000"/>
-              </a:lnSpc>
-              <a:spcBef>
-                <a:spcPts val="500"/>
-              </a:spcBef>
-              <a:buFont typeface="Arial" panose="020B0604020202020204" pitchFamily="34" charset="0"/>
-              <a:buNone/>
-              <a:defRPr kumimoji="1" sz="1600" kern="1200">
-                <a:solidFill>
-                  <a:schemeClr val="tx1"/>
-                </a:solidFill>
-                <a:latin typeface="+mn-lt"/>
-                <a:ea typeface="+mn-ea"/>
-                <a:cs typeface="+mn-cs"/>
-              </a:defRPr>
-            </a:lvl4pPr>
-            <a:lvl5pPr marL="1828800" indent="0" algn="ctr" defTabSz="914400" rtl="0" eaLnBrk="1" latinLnBrk="0" hangingPunct="1">
-              <a:lnSpc>
-                <a:spcPct val="90000"/>
-              </a:lnSpc>
-              <a:spcBef>
-                <a:spcPts val="500"/>
-              </a:spcBef>
-              <a:buFont typeface="Arial" panose="020B0604020202020204" pitchFamily="34" charset="0"/>
-              <a:buNone/>
-              <a:defRPr kumimoji="1" sz="1600" kern="1200">
-                <a:solidFill>
-                  <a:schemeClr val="tx1"/>
-                </a:solidFill>
-                <a:latin typeface="+mn-lt"/>
-                <a:ea typeface="+mn-ea"/>
-                <a:cs typeface="+mn-cs"/>
-              </a:defRPr>
-            </a:lvl5pPr>
-            <a:lvl6pPr marL="2286000" indent="0" algn="ctr" defTabSz="914400" rtl="0" eaLnBrk="1" latinLnBrk="0" hangingPunct="1">
-              <a:lnSpc>
-                <a:spcPct val="90000"/>
-              </a:lnSpc>
-              <a:spcBef>
-                <a:spcPts val="500"/>
-              </a:spcBef>
-              <a:buFont typeface="Arial" panose="020B0604020202020204" pitchFamily="34" charset="0"/>
-              <a:buNone/>
-              <a:defRPr kumimoji="1" sz="1600" kern="1200">
-                <a:solidFill>
-                  <a:schemeClr val="tx1"/>
-                </a:solidFill>
-                <a:latin typeface="+mn-lt"/>
-                <a:ea typeface="+mn-ea"/>
-                <a:cs typeface="+mn-cs"/>
-              </a:defRPr>
-            </a:lvl6pPr>
-            <a:lvl7pPr marL="2743200" indent="0" algn="ctr" defTabSz="914400" rtl="0" eaLnBrk="1" latinLnBrk="0" hangingPunct="1">
-              <a:lnSpc>
-                <a:spcPct val="90000"/>
-              </a:lnSpc>
-              <a:spcBef>
-                <a:spcPts val="500"/>
-              </a:spcBef>
-              <a:buFont typeface="Arial" panose="020B0604020202020204" pitchFamily="34" charset="0"/>
-              <a:buNone/>
-              <a:defRPr kumimoji="1" sz="1600" kern="1200">
-                <a:solidFill>
-                  <a:schemeClr val="tx1"/>
-                </a:solidFill>
-                <a:latin typeface="+mn-lt"/>
-                <a:ea typeface="+mn-ea"/>
-                <a:cs typeface="+mn-cs"/>
-              </a:defRPr>
-            </a:lvl7pPr>
-            <a:lvl8pPr marL="3200400" indent="0" algn="ctr" defTabSz="914400" rtl="0" eaLnBrk="1" latinLnBrk="0" hangingPunct="1">
-              <a:lnSpc>
-                <a:spcPct val="90000"/>
-              </a:lnSpc>
-              <a:spcBef>
-                <a:spcPts val="500"/>
-              </a:spcBef>
-              <a:buFont typeface="Arial" panose="020B0604020202020204" pitchFamily="34" charset="0"/>
-              <a:buNone/>
-              <a:defRPr kumimoji="1" sz="1600" kern="1200">
-                <a:solidFill>
-                  <a:schemeClr val="tx1"/>
-                </a:solidFill>
-                <a:latin typeface="+mn-lt"/>
-                <a:ea typeface="+mn-ea"/>
-                <a:cs typeface="+mn-cs"/>
-              </a:defRPr>
-            </a:lvl8pPr>
-            <a:lvl9pPr marL="3657600" indent="0" algn="ctr" defTabSz="914400" rtl="0" eaLnBrk="1" latinLnBrk="0" hangingPunct="1">
-              <a:lnSpc>
-                <a:spcPct val="90000"/>
-              </a:lnSpc>
-              <a:spcBef>
-                <a:spcPts val="500"/>
-              </a:spcBef>
-              <a:buFont typeface="Arial" panose="020B0604020202020204" pitchFamily="34" charset="0"/>
-              <a:buNone/>
-              <a:defRPr kumimoji="1" sz="1600" kern="1200">
-                <a:solidFill>
-                  <a:schemeClr val="tx1"/>
-                </a:solidFill>
-                <a:latin typeface="+mn-lt"/>
-                <a:ea typeface="+mn-ea"/>
-                <a:cs typeface="+mn-cs"/>
-              </a:defRPr>
-            </a:lvl9pPr>
-          </a:lstStyle>
-          <a:p>
-            <a:pPr algn="l"/>
-            <a:r>
-              <a:rPr lang="en-US" sz="3600" b="1" dirty="0">
-                <a:solidFill>
-                  <a:srgbClr val="0064B5"/>
-                </a:solidFill>
-              </a:rPr>
-              <a:t>Empty HTML Elements</a:t>
-            </a:r>
-          </a:p>
-        </p:txBody>
-      </p:sp>
-      <p:sp>
-        <p:nvSpPr>
-          <p:cNvPr id="10" name="Rectangle 9"/>
-          <p:cNvSpPr/>
-          <p:nvPr/>
-        </p:nvSpPr>
-        <p:spPr>
-          <a:xfrm>
-            <a:off x="355632" y="758421"/>
-            <a:ext cx="9236941" cy="464871"/>
-          </a:xfrm>
-          <a:prstGeom prst="rect">
-            <a:avLst/>
-          </a:prstGeom>
-        </p:spPr>
-        <p:txBody>
-          <a:bodyPr wrap="square">
-            <a:spAutoFit/>
-          </a:bodyPr>
-          <a:lstStyle/>
-          <a:p>
-            <a:pPr marL="285750" indent="-285750">
-              <a:lnSpc>
-                <a:spcPct val="150000"/>
-              </a:lnSpc>
-            </a:pPr>
-            <a:r>
-              <a:rPr lang="en-US" dirty="0">
-                <a:solidFill>
-                  <a:schemeClr val="dk1"/>
-                </a:solidFill>
-              </a:rPr>
-              <a:t>HTML elements with no content are called empty elements. </a:t>
-            </a:r>
-          </a:p>
-        </p:txBody>
-      </p:sp>
-      <p:sp>
-        <p:nvSpPr>
-          <p:cNvPr id="11" name="Rectangle 10">
-            <a:extLst>
-              <a:ext uri="{FF2B5EF4-FFF2-40B4-BE49-F238E27FC236}">
-                <a16:creationId xmlns:a16="http://schemas.microsoft.com/office/drawing/2014/main" xmlns="" id="{9FF768E8-BBE3-40EB-A37D-9B0959D91801}"/>
-              </a:ext>
-            </a:extLst>
-          </p:cNvPr>
-          <p:cNvSpPr/>
-          <p:nvPr/>
-        </p:nvSpPr>
-        <p:spPr>
-          <a:xfrm>
-            <a:off x="323326" y="1341115"/>
-            <a:ext cx="9236941" cy="880369"/>
-          </a:xfrm>
-          <a:prstGeom prst="rect">
-            <a:avLst/>
-          </a:prstGeom>
-        </p:spPr>
-        <p:txBody>
-          <a:bodyPr wrap="square">
-            <a:spAutoFit/>
-          </a:bodyPr>
-          <a:lstStyle/>
-          <a:p>
-            <a:pPr marL="285750" indent="-285750">
-              <a:lnSpc>
-                <a:spcPct val="150000"/>
-              </a:lnSpc>
-            </a:pPr>
-            <a:r>
-              <a:rPr lang="en-US" b="1" u="sng" dirty="0"/>
-              <a:t>Line Break Tag</a:t>
-            </a:r>
-          </a:p>
-          <a:p>
-            <a:pPr marL="285750" indent="-285750">
-              <a:lnSpc>
-                <a:spcPct val="150000"/>
-              </a:lnSpc>
-              <a:buFont typeface="Arial" panose="020B0604020202020204" pitchFamily="34" charset="0"/>
-              <a:buChar char="•"/>
-            </a:pPr>
-            <a:r>
-              <a:rPr lang="en-US" dirty="0">
-                <a:solidFill>
-                  <a:schemeClr val="dk1"/>
-                </a:solidFill>
-              </a:rPr>
-              <a:t>&lt;</a:t>
-            </a:r>
-            <a:r>
-              <a:rPr lang="en-US" dirty="0" err="1">
-                <a:solidFill>
-                  <a:schemeClr val="dk1"/>
-                </a:solidFill>
-              </a:rPr>
-              <a:t>br</a:t>
-            </a:r>
-            <a:r>
-              <a:rPr lang="en-US" dirty="0">
-                <a:solidFill>
-                  <a:schemeClr val="dk1"/>
-                </a:solidFill>
-              </a:rPr>
-              <a:t>&gt; is an empty element without a closing tag (the &lt;</a:t>
-            </a:r>
-            <a:r>
-              <a:rPr lang="en-US" dirty="0" err="1">
-                <a:solidFill>
-                  <a:schemeClr val="dk1"/>
-                </a:solidFill>
-              </a:rPr>
-              <a:t>br</a:t>
-            </a:r>
-            <a:r>
-              <a:rPr lang="en-US" dirty="0">
-                <a:solidFill>
-                  <a:schemeClr val="dk1"/>
-                </a:solidFill>
-              </a:rPr>
-              <a:t>&gt; tag defines a line break).</a:t>
-            </a:r>
-          </a:p>
-        </p:txBody>
-      </p:sp>
-      <p:sp>
-        <p:nvSpPr>
-          <p:cNvPr id="12" name="Rectangle 11">
-            <a:extLst>
-              <a:ext uri="{FF2B5EF4-FFF2-40B4-BE49-F238E27FC236}">
-                <a16:creationId xmlns:a16="http://schemas.microsoft.com/office/drawing/2014/main" xmlns="" id="{99D52BCD-7B97-4F70-B3B8-DF0FC1A2B214}"/>
-              </a:ext>
-            </a:extLst>
-          </p:cNvPr>
-          <p:cNvSpPr/>
-          <p:nvPr/>
-        </p:nvSpPr>
-        <p:spPr>
-          <a:xfrm>
-            <a:off x="321126" y="2314874"/>
-            <a:ext cx="6003984" cy="481540"/>
-          </a:xfrm>
-          <a:prstGeom prst="rect">
-            <a:avLst/>
-          </a:prstGeom>
-          <a:gradFill flip="none" rotWithShape="1">
-            <a:gsLst>
-              <a:gs pos="0">
-                <a:schemeClr val="bg2"/>
-              </a:gs>
-              <a:gs pos="50000">
-                <a:schemeClr val="accent3">
-                  <a:lumMod val="20000"/>
-                  <a:lumOff val="80000"/>
-                  <a:shade val="67500"/>
-                  <a:satMod val="115000"/>
-                </a:schemeClr>
-              </a:gs>
-              <a:gs pos="100000">
-                <a:schemeClr val="accent3">
-                  <a:lumMod val="20000"/>
-                  <a:lumOff val="80000"/>
-                  <a:shade val="100000"/>
-                  <a:satMod val="115000"/>
-                </a:schemeClr>
-              </a:gs>
-            </a:gsLst>
-            <a:lin ang="6600000" scaled="0"/>
-            <a:tileRect/>
-          </a:gradFill>
-          <a:ln>
-            <a:solidFill>
-              <a:schemeClr val="tx1">
-                <a:lumMod val="50000"/>
-                <a:lumOff val="50000"/>
-              </a:schemeClr>
-            </a:solidFill>
-          </a:ln>
-        </p:spPr>
-        <p:style>
-          <a:lnRef idx="2">
-            <a:schemeClr val="accent1">
-              <a:shade val="50000"/>
-            </a:schemeClr>
-          </a:lnRef>
-          <a:fillRef idx="1">
-            <a:schemeClr val="accent1"/>
-          </a:fillRef>
-          <a:effectRef idx="0">
-            <a:schemeClr val="accent1"/>
-          </a:effectRef>
-          <a:fontRef idx="minor">
-            <a:schemeClr val="lt1"/>
-          </a:fontRef>
-        </p:style>
-        <p:txBody>
-          <a:bodyPr rtlCol="0" anchor="ctr"/>
-          <a:lstStyle/>
-          <a:p>
-            <a:pPr>
-              <a:lnSpc>
-                <a:spcPct val="150000"/>
-              </a:lnSpc>
-            </a:pPr>
-            <a:r>
-              <a:rPr lang="en-US" dirty="0">
-                <a:solidFill>
-                  <a:schemeClr val="dk1"/>
-                </a:solidFill>
-              </a:rPr>
-              <a:t>&lt;p&gt;This is a &lt;</a:t>
-            </a:r>
-            <a:r>
-              <a:rPr lang="en-US" dirty="0" err="1">
-                <a:solidFill>
-                  <a:schemeClr val="dk1"/>
-                </a:solidFill>
-              </a:rPr>
-              <a:t>br</a:t>
-            </a:r>
-            <a:r>
-              <a:rPr lang="en-US" dirty="0">
-                <a:solidFill>
-                  <a:schemeClr val="dk1"/>
-                </a:solidFill>
-              </a:rPr>
-              <a:t> /&gt; paragraph with a line break.&lt;/p&gt;</a:t>
-            </a:r>
-          </a:p>
-        </p:txBody>
-      </p:sp>
-      <p:sp>
-        <p:nvSpPr>
-          <p:cNvPr id="13" name="Rectangle 12">
-            <a:extLst>
-              <a:ext uri="{FF2B5EF4-FFF2-40B4-BE49-F238E27FC236}">
-                <a16:creationId xmlns:a16="http://schemas.microsoft.com/office/drawing/2014/main" xmlns="" id="{78C3EAEA-1B41-42B3-A0F0-5F71902A89B0}"/>
-              </a:ext>
-            </a:extLst>
-          </p:cNvPr>
-          <p:cNvSpPr/>
-          <p:nvPr/>
-        </p:nvSpPr>
-        <p:spPr>
-          <a:xfrm>
-            <a:off x="285182" y="2926021"/>
-            <a:ext cx="9236941" cy="880369"/>
-          </a:xfrm>
-          <a:prstGeom prst="rect">
-            <a:avLst/>
-          </a:prstGeom>
-        </p:spPr>
-        <p:txBody>
-          <a:bodyPr wrap="square">
-            <a:spAutoFit/>
-          </a:bodyPr>
-          <a:lstStyle/>
-          <a:p>
-            <a:pPr marL="285750" indent="-285750">
-              <a:lnSpc>
-                <a:spcPct val="150000"/>
-              </a:lnSpc>
-            </a:pPr>
-            <a:r>
-              <a:rPr lang="en-US" b="1" u="sng" dirty="0"/>
-              <a:t>Horizontal Lines</a:t>
-            </a:r>
-          </a:p>
-          <a:p>
-            <a:pPr marL="285750" indent="-285750">
-              <a:lnSpc>
-                <a:spcPct val="150000"/>
-              </a:lnSpc>
-              <a:buFont typeface="Arial" panose="020B0604020202020204" pitchFamily="34" charset="0"/>
-              <a:buChar char="•"/>
-            </a:pPr>
-            <a:r>
-              <a:rPr lang="en-US" dirty="0">
-                <a:solidFill>
-                  <a:schemeClr val="dk1"/>
-                </a:solidFill>
-              </a:rPr>
-              <a:t>Horizontal lines are used to visually break-up sections of a document. </a:t>
-            </a:r>
-          </a:p>
-        </p:txBody>
-      </p:sp>
-      <p:sp>
-        <p:nvSpPr>
-          <p:cNvPr id="14" name="Rectangle 13">
-            <a:extLst>
-              <a:ext uri="{FF2B5EF4-FFF2-40B4-BE49-F238E27FC236}">
-                <a16:creationId xmlns:a16="http://schemas.microsoft.com/office/drawing/2014/main" xmlns="" id="{68E72856-8916-435F-B5F9-8FB8FF1B2EB6}"/>
-              </a:ext>
-            </a:extLst>
-          </p:cNvPr>
-          <p:cNvSpPr/>
-          <p:nvPr/>
-        </p:nvSpPr>
-        <p:spPr>
-          <a:xfrm>
-            <a:off x="285182" y="3899779"/>
-            <a:ext cx="6003984" cy="1034411"/>
-          </a:xfrm>
-          <a:prstGeom prst="rect">
-            <a:avLst/>
-          </a:prstGeom>
-          <a:gradFill flip="none" rotWithShape="1">
-            <a:gsLst>
-              <a:gs pos="0">
-                <a:schemeClr val="bg2"/>
-              </a:gs>
-              <a:gs pos="50000">
-                <a:schemeClr val="accent3">
-                  <a:lumMod val="20000"/>
-                  <a:lumOff val="80000"/>
-                  <a:shade val="67500"/>
-                  <a:satMod val="115000"/>
-                </a:schemeClr>
-              </a:gs>
-              <a:gs pos="100000">
-                <a:schemeClr val="accent3">
-                  <a:lumMod val="20000"/>
-                  <a:lumOff val="80000"/>
-                  <a:shade val="100000"/>
-                  <a:satMod val="115000"/>
-                </a:schemeClr>
-              </a:gs>
-            </a:gsLst>
-            <a:lin ang="6600000" scaled="0"/>
-            <a:tileRect/>
-          </a:gradFill>
-          <a:ln>
-            <a:solidFill>
-              <a:schemeClr val="tx1">
-                <a:lumMod val="50000"/>
-                <a:lumOff val="50000"/>
-              </a:schemeClr>
-            </a:solidFill>
-          </a:ln>
-        </p:spPr>
-        <p:style>
-          <a:lnRef idx="2">
-            <a:schemeClr val="accent1">
-              <a:shade val="50000"/>
-            </a:schemeClr>
-          </a:lnRef>
-          <a:fillRef idx="1">
-            <a:schemeClr val="accent1"/>
-          </a:fillRef>
-          <a:effectRef idx="0">
-            <a:schemeClr val="accent1"/>
-          </a:effectRef>
-          <a:fontRef idx="minor">
-            <a:schemeClr val="lt1"/>
-          </a:fontRef>
-        </p:style>
-        <p:txBody>
-          <a:bodyPr rtlCol="0" anchor="ctr"/>
-          <a:lstStyle/>
-          <a:p>
-            <a:r>
-              <a:rPr lang="en-US" dirty="0">
-                <a:solidFill>
-                  <a:schemeClr val="dk1"/>
-                </a:solidFill>
-              </a:rPr>
-              <a:t>&lt;p&gt;This is paragraph one and should be on top&lt;/p&gt;</a:t>
-            </a:r>
-          </a:p>
-          <a:p>
-            <a:r>
-              <a:rPr lang="en-US" dirty="0">
-                <a:solidFill>
-                  <a:schemeClr val="dk1"/>
-                </a:solidFill>
-              </a:rPr>
-              <a:t>&lt;</a:t>
-            </a:r>
-            <a:r>
-              <a:rPr lang="en-US" dirty="0" err="1">
-                <a:solidFill>
-                  <a:schemeClr val="dk1"/>
-                </a:solidFill>
-              </a:rPr>
-              <a:t>hr</a:t>
-            </a:r>
-            <a:r>
-              <a:rPr lang="en-US" dirty="0">
-                <a:solidFill>
-                  <a:schemeClr val="dk1"/>
-                </a:solidFill>
-              </a:rPr>
-              <a:t> /&gt;</a:t>
-            </a:r>
-          </a:p>
-          <a:p>
-            <a:r>
-              <a:rPr lang="en-US" dirty="0">
-                <a:solidFill>
-                  <a:schemeClr val="dk1"/>
-                </a:solidFill>
-              </a:rPr>
-              <a:t>&lt;p&gt;This is paragraph two and should be at bottom&lt;/p&gt;</a:t>
-            </a:r>
-          </a:p>
-        </p:txBody>
-      </p:sp>
-    </p:spTree>
-    <p:extLst>
-      <p:ext uri="{BB962C8B-B14F-4D97-AF65-F5344CB8AC3E}">
-        <p14:creationId xmlns:p14="http://schemas.microsoft.com/office/powerpoint/2010/main" xmlns="" val="102829261"/>
-      </p:ext>
-    </p:extLst>
-  </p:cSld>
-  <p:clrMapOvr>
-    <a:masterClrMapping/>
-  </p:clrMapOvr>
-  <p:timing>
-    <p:tnLst>
-      <p:par>
-        <p:cTn id="1" dur="indefinite" restart="never" nodeType="tmRoot"/>
-      </p:par>
-    </p:tnLst>
-  </p:timing>
-</p:sld>
-</file>
-
-<file path=ppt/slides/slide28.xml><?xml version="1.0" encoding="utf-8"?>
-<p:sld xmlns:a="http://schemas.openxmlformats.org/drawingml/2006/main" xmlns:r="http://schemas.openxmlformats.org/officeDocument/2006/relationships" xmlns:p="http://schemas.openxmlformats.org/presentationml/2006/main">
-  <p:cSld>
-    <p:spTree>
-      <p:nvGrpSpPr>
-        <p:cNvPr id="1" name=""/>
-        <p:cNvGrpSpPr/>
-        <p:nvPr/>
-      </p:nvGrpSpPr>
-      <p:grpSpPr>
-        <a:xfrm>
-          <a:off x="0" y="0"/>
-          <a:ext cx="0" cy="0"/>
-          <a:chOff x="0" y="0"/>
-          <a:chExt cx="0" cy="0"/>
-        </a:xfrm>
-      </p:grpSpPr>
-      <p:sp>
-        <p:nvSpPr>
-          <p:cNvPr id="2" name="Title 1"/>
-          <p:cNvSpPr>
-            <a:spLocks noGrp="1"/>
-          </p:cNvSpPr>
-          <p:nvPr>
-            <p:ph type="title"/>
-          </p:nvPr>
-        </p:nvSpPr>
-        <p:spPr/>
-        <p:txBody>
-          <a:bodyPr/>
-          <a:lstStyle/>
-          <a:p>
-            <a:r>
-              <a:rPr lang="en-IN" dirty="0" smtClean="0"/>
-              <a:t>HTML ATTRIBUTE</a:t>
-            </a:r>
-            <a:endParaRPr lang="en-US" dirty="0"/>
-          </a:p>
-        </p:txBody>
-      </p:sp>
-      <p:pic>
-        <p:nvPicPr>
-          <p:cNvPr id="4" name="Picture 2"/>
-          <p:cNvPicPr>
-            <a:picLocks noGrp="1" noChangeAspect="1" noChangeArrowheads="1"/>
-          </p:cNvPicPr>
-          <p:nvPr>
-            <p:ph idx="1"/>
-          </p:nvPr>
-        </p:nvPicPr>
-        <p:blipFill>
-          <a:blip r:embed="rId2"/>
-          <a:srcRect/>
-          <a:stretch>
-            <a:fillRect/>
-          </a:stretch>
-        </p:blipFill>
-        <p:spPr bwMode="auto">
-          <a:xfrm>
-            <a:off x="2533650" y="2024856"/>
-            <a:ext cx="7124700" cy="3952875"/>
-          </a:xfrm>
-          <a:prstGeom prst="rect">
-            <a:avLst/>
-          </a:prstGeom>
-          <a:noFill/>
-          <a:ln w="9525">
-            <a:noFill/>
-            <a:miter lim="800000"/>
-            <a:headEnd/>
-            <a:tailEnd/>
-          </a:ln>
-          <a:effectLst/>
-        </p:spPr>
-      </p:pic>
-    </p:spTree>
-  </p:cSld>
-  <p:clrMapOvr>
-    <a:masterClrMapping/>
-  </p:clrMapOvr>
-</p:sld>
-</file>
-
-<file path=ppt/slides/slide29.xml><?xml version="1.0" encoding="utf-8"?>
-<p:sld xmlns:a="http://schemas.openxmlformats.org/drawingml/2006/main" xmlns:r="http://schemas.openxmlformats.org/officeDocument/2006/relationships" xmlns:p="http://schemas.openxmlformats.org/presentationml/2006/main">
-  <p:cSld>
-    <p:spTree>
-      <p:nvGrpSpPr>
-        <p:cNvPr id="1" name=""/>
-        <p:cNvGrpSpPr/>
-        <p:nvPr/>
-      </p:nvGrpSpPr>
-      <p:grpSpPr>
-        <a:xfrm>
-          <a:off x="0" y="0"/>
-          <a:ext cx="0" cy="0"/>
-          <a:chOff x="0" y="0"/>
-          <a:chExt cx="0" cy="0"/>
-        </a:xfrm>
-      </p:grpSpPr>
-      <p:sp>
-        <p:nvSpPr>
-          <p:cNvPr id="2" name="Title 1"/>
-          <p:cNvSpPr>
-            <a:spLocks noGrp="1"/>
-          </p:cNvSpPr>
-          <p:nvPr>
-            <p:ph type="title"/>
-          </p:nvPr>
-        </p:nvSpPr>
-        <p:spPr/>
-        <p:txBody>
-          <a:bodyPr/>
-          <a:lstStyle/>
-          <a:p>
-            <a:r>
-              <a:rPr lang="en-IN" dirty="0" smtClean="0"/>
-              <a:t>Types of attributes</a:t>
-            </a:r>
-            <a:endParaRPr lang="en-US" dirty="0"/>
-          </a:p>
-        </p:txBody>
-      </p:sp>
-      <p:pic>
-        <p:nvPicPr>
-          <p:cNvPr id="1026" name="Picture 2"/>
-          <p:cNvPicPr>
-            <a:picLocks noGrp="1" noChangeAspect="1" noChangeArrowheads="1"/>
-          </p:cNvPicPr>
-          <p:nvPr>
-            <p:ph idx="1"/>
-          </p:nvPr>
-        </p:nvPicPr>
-        <p:blipFill>
-          <a:blip r:embed="rId2"/>
-          <a:srcRect/>
-          <a:stretch>
-            <a:fillRect/>
-          </a:stretch>
-        </p:blipFill>
-        <p:spPr bwMode="auto">
-          <a:xfrm>
-            <a:off x="444001" y="2240938"/>
-            <a:ext cx="3152775" cy="3076575"/>
-          </a:xfrm>
-          <a:prstGeom prst="rect">
-            <a:avLst/>
-          </a:prstGeom>
-          <a:noFill/>
-          <a:ln w="9525">
-            <a:noFill/>
-            <a:miter lim="800000"/>
-            <a:headEnd/>
-            <a:tailEnd/>
-          </a:ln>
-          <a:effectLst/>
-        </p:spPr>
-      </p:pic>
-      <p:pic>
-        <p:nvPicPr>
-          <p:cNvPr id="1027" name="Picture 3"/>
-          <p:cNvPicPr>
-            <a:picLocks noChangeAspect="1" noChangeArrowheads="1"/>
-          </p:cNvPicPr>
-          <p:nvPr/>
-        </p:nvPicPr>
-        <p:blipFill>
-          <a:blip r:embed="rId3"/>
-          <a:srcRect/>
-          <a:stretch>
-            <a:fillRect/>
-          </a:stretch>
-        </p:blipFill>
-        <p:spPr bwMode="auto">
-          <a:xfrm>
-            <a:off x="4064997" y="1575845"/>
-            <a:ext cx="4177665" cy="906098"/>
-          </a:xfrm>
-          <a:prstGeom prst="rect">
-            <a:avLst/>
-          </a:prstGeom>
-          <a:noFill/>
-          <a:ln w="9525">
-            <a:noFill/>
-            <a:miter lim="800000"/>
-            <a:headEnd/>
-            <a:tailEnd/>
-          </a:ln>
-          <a:effectLst/>
-        </p:spPr>
-      </p:pic>
-      <p:pic>
-        <p:nvPicPr>
-          <p:cNvPr id="1028" name="Picture 4"/>
-          <p:cNvPicPr>
-            <a:picLocks noChangeAspect="1" noChangeArrowheads="1"/>
-          </p:cNvPicPr>
-          <p:nvPr/>
-        </p:nvPicPr>
-        <p:blipFill>
-          <a:blip r:embed="rId4"/>
-          <a:srcRect/>
-          <a:stretch>
-            <a:fillRect/>
-          </a:stretch>
-        </p:blipFill>
-        <p:spPr bwMode="auto">
-          <a:xfrm>
-            <a:off x="4103234" y="2345326"/>
-            <a:ext cx="3473223" cy="972639"/>
-          </a:xfrm>
-          <a:prstGeom prst="rect">
-            <a:avLst/>
-          </a:prstGeom>
-          <a:noFill/>
-          <a:ln w="9525">
-            <a:noFill/>
-            <a:miter lim="800000"/>
-            <a:headEnd/>
-            <a:tailEnd/>
-          </a:ln>
-          <a:effectLst/>
-        </p:spPr>
-      </p:pic>
-      <p:pic>
-        <p:nvPicPr>
-          <p:cNvPr id="1029" name="Picture 5"/>
-          <p:cNvPicPr>
-            <a:picLocks noChangeAspect="1" noChangeArrowheads="1"/>
-          </p:cNvPicPr>
-          <p:nvPr/>
-        </p:nvPicPr>
-        <p:blipFill>
-          <a:blip r:embed="rId5"/>
-          <a:srcRect/>
-          <a:stretch>
-            <a:fillRect/>
-          </a:stretch>
-        </p:blipFill>
-        <p:spPr bwMode="auto">
-          <a:xfrm>
-            <a:off x="3474720" y="3585211"/>
-            <a:ext cx="4950823" cy="790846"/>
-          </a:xfrm>
-          <a:prstGeom prst="rect">
-            <a:avLst/>
-          </a:prstGeom>
-          <a:noFill/>
-          <a:ln w="9525">
-            <a:noFill/>
-            <a:miter lim="800000"/>
-            <a:headEnd/>
-            <a:tailEnd/>
-          </a:ln>
-          <a:effectLst/>
-        </p:spPr>
-      </p:pic>
-      <p:pic>
-        <p:nvPicPr>
-          <p:cNvPr id="1030" name="Picture 6"/>
-          <p:cNvPicPr>
-            <a:picLocks noChangeAspect="1" noChangeArrowheads="1"/>
-          </p:cNvPicPr>
-          <p:nvPr/>
-        </p:nvPicPr>
-        <p:blipFill>
-          <a:blip r:embed="rId6"/>
-          <a:srcRect/>
-          <a:stretch>
-            <a:fillRect/>
-          </a:stretch>
-        </p:blipFill>
-        <p:spPr bwMode="auto">
-          <a:xfrm>
-            <a:off x="3461658" y="4781006"/>
-            <a:ext cx="4976948" cy="1423851"/>
-          </a:xfrm>
-          <a:prstGeom prst="rect">
-            <a:avLst/>
-          </a:prstGeom>
-          <a:noFill/>
-          <a:ln w="9525">
-            <a:noFill/>
-            <a:miter lim="800000"/>
-            <a:headEnd/>
-            <a:tailEnd/>
-          </a:ln>
-          <a:effectLst/>
-        </p:spPr>
-      </p:pic>
-    </p:spTree>
-  </p:cSld>
-  <p:clrMapOvr>
-    <a:masterClrMapping/>
-  </p:clrMapOvr>
-</p:sld>
-</file>
-
 <file path=ppt/slides/slide3.xml><?xml version="1.0" encoding="utf-8"?>
 <p:sld xmlns:a="http://schemas.openxmlformats.org/drawingml/2006/main" xmlns:r="http://schemas.openxmlformats.org/officeDocument/2006/relationships" xmlns:p="http://schemas.openxmlformats.org/presentationml/2006/main">
   <p:cSld>
@@ -8918,7 +7368,7 @@
     </p:spTree>
     <p:extLst>
       <p:ext uri="{BB962C8B-B14F-4D97-AF65-F5344CB8AC3E}">
-        <p14:creationId xmlns="" xmlns:p14="http://schemas.microsoft.com/office/powerpoint/2010/main" val="1328577666"/>
+        <p14:creationId xmlns:p14="http://schemas.microsoft.com/office/powerpoint/2010/main" xmlns="" val="1328577666"/>
       </p:ext>
     </p:extLst>
   </p:cSld>
@@ -8932,363 +7382,6 @@
       </p:par>
     </p:tnLst>
   </p:timing>
-</p:sld>
-</file>
-
-<file path=ppt/slides/slide30.xml><?xml version="1.0" encoding="utf-8"?>
-<p:sld xmlns:a="http://schemas.openxmlformats.org/drawingml/2006/main" xmlns:r="http://schemas.openxmlformats.org/officeDocument/2006/relationships" xmlns:p="http://schemas.openxmlformats.org/presentationml/2006/main">
-  <p:cSld>
-    <p:spTree>
-      <p:nvGrpSpPr>
-        <p:cNvPr id="1" name=""/>
-        <p:cNvGrpSpPr/>
-        <p:nvPr/>
-      </p:nvGrpSpPr>
-      <p:grpSpPr>
-        <a:xfrm>
-          <a:off x="0" y="0"/>
-          <a:ext cx="0" cy="0"/>
-          <a:chOff x="0" y="0"/>
-          <a:chExt cx="0" cy="0"/>
-        </a:xfrm>
-      </p:grpSpPr>
-      <p:sp>
-        <p:nvSpPr>
-          <p:cNvPr id="2" name="Title 1"/>
-          <p:cNvSpPr>
-            <a:spLocks noGrp="1"/>
-          </p:cNvSpPr>
-          <p:nvPr>
-            <p:ph type="title"/>
-          </p:nvPr>
-        </p:nvSpPr>
-        <p:spPr/>
-        <p:txBody>
-          <a:bodyPr/>
-          <a:lstStyle/>
-          <a:p>
-            <a:r>
-              <a:rPr lang="en-IN" dirty="0" smtClean="0"/>
-              <a:t>QUESTION – Attribute?</a:t>
-            </a:r>
-            <a:endParaRPr lang="en-US" dirty="0"/>
-          </a:p>
-        </p:txBody>
-      </p:sp>
-      <p:pic>
-        <p:nvPicPr>
-          <p:cNvPr id="9218" name="Picture 2"/>
-          <p:cNvPicPr>
-            <a:picLocks noGrp="1" noChangeAspect="1" noChangeArrowheads="1"/>
-          </p:cNvPicPr>
-          <p:nvPr>
-            <p:ph idx="1"/>
-          </p:nvPr>
-        </p:nvPicPr>
-        <p:blipFill>
-          <a:blip r:embed="rId2"/>
-          <a:srcRect/>
-          <a:stretch>
-            <a:fillRect/>
-          </a:stretch>
-        </p:blipFill>
-        <p:spPr bwMode="auto">
-          <a:xfrm>
-            <a:off x="1785937" y="2158206"/>
-            <a:ext cx="8620125" cy="3686175"/>
-          </a:xfrm>
-          <a:prstGeom prst="rect">
-            <a:avLst/>
-          </a:prstGeom>
-          <a:noFill/>
-          <a:ln w="9525">
-            <a:noFill/>
-            <a:miter lim="800000"/>
-            <a:headEnd/>
-            <a:tailEnd/>
-          </a:ln>
-          <a:effectLst/>
-        </p:spPr>
-      </p:pic>
-    </p:spTree>
-  </p:cSld>
-  <p:clrMapOvr>
-    <a:masterClrMapping/>
-  </p:clrMapOvr>
-</p:sld>
-</file>
-
-<file path=ppt/slides/slide31.xml><?xml version="1.0" encoding="utf-8"?>
-<p:sld xmlns:a="http://schemas.openxmlformats.org/drawingml/2006/main" xmlns:r="http://schemas.openxmlformats.org/officeDocument/2006/relationships" xmlns:p="http://schemas.openxmlformats.org/presentationml/2006/main">
-  <p:cSld>
-    <p:spTree>
-      <p:nvGrpSpPr>
-        <p:cNvPr id="1" name=""/>
-        <p:cNvGrpSpPr/>
-        <p:nvPr/>
-      </p:nvGrpSpPr>
-      <p:grpSpPr>
-        <a:xfrm>
-          <a:off x="0" y="0"/>
-          <a:ext cx="0" cy="0"/>
-          <a:chOff x="0" y="0"/>
-          <a:chExt cx="0" cy="0"/>
-        </a:xfrm>
-      </p:grpSpPr>
-      <p:sp>
-        <p:nvSpPr>
-          <p:cNvPr id="2" name="Title 1"/>
-          <p:cNvSpPr>
-            <a:spLocks noGrp="1"/>
-          </p:cNvSpPr>
-          <p:nvPr>
-            <p:ph type="title"/>
-          </p:nvPr>
-        </p:nvSpPr>
-        <p:spPr/>
-        <p:txBody>
-          <a:bodyPr/>
-          <a:lstStyle/>
-          <a:p>
-            <a:r>
-              <a:rPr lang="en-IN" dirty="0" smtClean="0"/>
-              <a:t>QUESTION </a:t>
-            </a:r>
-            <a:r>
-              <a:rPr lang="en-IN" dirty="0" smtClean="0"/>
-              <a:t>HTML </a:t>
-            </a:r>
-            <a:r>
-              <a:rPr lang="en-IN" dirty="0" smtClean="0"/>
-              <a:t>ATTRIBUTE  </a:t>
-            </a:r>
-            <a:endParaRPr lang="en-US" dirty="0"/>
-          </a:p>
-        </p:txBody>
-      </p:sp>
-      <p:pic>
-        <p:nvPicPr>
-          <p:cNvPr id="2050" name="Picture 2"/>
-          <p:cNvPicPr>
-            <a:picLocks noGrp="1" noChangeAspect="1" noChangeArrowheads="1"/>
-          </p:cNvPicPr>
-          <p:nvPr>
-            <p:ph idx="1"/>
-          </p:nvPr>
-        </p:nvPicPr>
-        <p:blipFill>
-          <a:blip r:embed="rId2"/>
-          <a:srcRect/>
-          <a:stretch>
-            <a:fillRect/>
-          </a:stretch>
-        </p:blipFill>
-        <p:spPr bwMode="auto">
-          <a:xfrm>
-            <a:off x="888274" y="1515291"/>
-            <a:ext cx="11521440" cy="5016138"/>
-          </a:xfrm>
-          <a:prstGeom prst="rect">
-            <a:avLst/>
-          </a:prstGeom>
-          <a:noFill/>
-          <a:ln w="9525">
-            <a:noFill/>
-            <a:miter lim="800000"/>
-            <a:headEnd/>
-            <a:tailEnd/>
-          </a:ln>
-          <a:effectLst/>
-        </p:spPr>
-      </p:pic>
-    </p:spTree>
-  </p:cSld>
-  <p:clrMapOvr>
-    <a:masterClrMapping/>
-  </p:clrMapOvr>
-</p:sld>
-</file>
-
-<file path=ppt/slides/slide32.xml><?xml version="1.0" encoding="utf-8"?>
-<p:sld xmlns:a="http://schemas.openxmlformats.org/drawingml/2006/main" xmlns:r="http://schemas.openxmlformats.org/officeDocument/2006/relationships" xmlns:p="http://schemas.openxmlformats.org/presentationml/2006/main">
-  <p:cSld>
-    <p:spTree>
-      <p:nvGrpSpPr>
-        <p:cNvPr id="1" name=""/>
-        <p:cNvGrpSpPr/>
-        <p:nvPr/>
-      </p:nvGrpSpPr>
-      <p:grpSpPr>
-        <a:xfrm>
-          <a:off x="0" y="0"/>
-          <a:ext cx="0" cy="0"/>
-          <a:chOff x="0" y="0"/>
-          <a:chExt cx="0" cy="0"/>
-        </a:xfrm>
-      </p:grpSpPr>
-      <p:sp>
-        <p:nvSpPr>
-          <p:cNvPr id="2" name="Title 1"/>
-          <p:cNvSpPr>
-            <a:spLocks noGrp="1"/>
-          </p:cNvSpPr>
-          <p:nvPr>
-            <p:ph type="title"/>
-          </p:nvPr>
-        </p:nvSpPr>
-        <p:spPr/>
-        <p:txBody>
-          <a:bodyPr/>
-          <a:lstStyle/>
-          <a:p>
-            <a:r>
-              <a:rPr lang="en-IN" dirty="0" smtClean="0"/>
-              <a:t>ASSIGNMENT</a:t>
-            </a:r>
-            <a:endParaRPr lang="en-US" dirty="0"/>
-          </a:p>
-        </p:txBody>
-      </p:sp>
-      <p:pic>
-        <p:nvPicPr>
-          <p:cNvPr id="1027" name="Picture 3"/>
-          <p:cNvPicPr>
-            <a:picLocks noGrp="1" noChangeAspect="1" noChangeArrowheads="1"/>
-          </p:cNvPicPr>
-          <p:nvPr>
-            <p:ph idx="1"/>
-          </p:nvPr>
-        </p:nvPicPr>
-        <p:blipFill>
-          <a:blip r:embed="rId2"/>
-          <a:srcRect/>
-          <a:stretch>
-            <a:fillRect/>
-          </a:stretch>
-        </p:blipFill>
-        <p:spPr bwMode="auto">
-          <a:xfrm>
-            <a:off x="923925" y="1737360"/>
-            <a:ext cx="10344150" cy="4545874"/>
-          </a:xfrm>
-          <a:prstGeom prst="rect">
-            <a:avLst/>
-          </a:prstGeom>
-          <a:noFill/>
-          <a:ln w="9525">
-            <a:noFill/>
-            <a:miter lim="800000"/>
-            <a:headEnd/>
-            <a:tailEnd/>
-          </a:ln>
-          <a:effectLst/>
-        </p:spPr>
-      </p:pic>
-    </p:spTree>
-  </p:cSld>
-  <p:clrMapOvr>
-    <a:masterClrMapping/>
-  </p:clrMapOvr>
-</p:sld>
-</file>
-
-<file path=ppt/slides/slide33.xml><?xml version="1.0" encoding="utf-8"?>
-<p:sld xmlns:a="http://schemas.openxmlformats.org/drawingml/2006/main" xmlns:r="http://schemas.openxmlformats.org/officeDocument/2006/relationships" xmlns:p="http://schemas.openxmlformats.org/presentationml/2006/main">
-  <p:cSld>
-    <p:spTree>
-      <p:nvGrpSpPr>
-        <p:cNvPr id="1" name=""/>
-        <p:cNvGrpSpPr/>
-        <p:nvPr/>
-      </p:nvGrpSpPr>
-      <p:grpSpPr>
-        <a:xfrm>
-          <a:off x="0" y="0"/>
-          <a:ext cx="0" cy="0"/>
-          <a:chOff x="0" y="0"/>
-          <a:chExt cx="0" cy="0"/>
-        </a:xfrm>
-      </p:grpSpPr>
-      <p:sp>
-        <p:nvSpPr>
-          <p:cNvPr id="2" name="Title 1"/>
-          <p:cNvSpPr>
-            <a:spLocks noGrp="1"/>
-          </p:cNvSpPr>
-          <p:nvPr>
-            <p:ph type="title"/>
-          </p:nvPr>
-        </p:nvSpPr>
-        <p:spPr/>
-        <p:txBody>
-          <a:bodyPr/>
-          <a:lstStyle/>
-          <a:p>
-            <a:r>
-              <a:rPr lang="en-IN" dirty="0" smtClean="0"/>
-              <a:t>QUESTION?</a:t>
-            </a:r>
-            <a:endParaRPr lang="en-US" dirty="0"/>
-          </a:p>
-        </p:txBody>
-      </p:sp>
-      <p:sp>
-        <p:nvSpPr>
-          <p:cNvPr id="3" name="Content Placeholder 2"/>
-          <p:cNvSpPr>
-            <a:spLocks noGrp="1"/>
-          </p:cNvSpPr>
-          <p:nvPr>
-            <p:ph idx="1"/>
-          </p:nvPr>
-        </p:nvSpPr>
-        <p:spPr/>
-        <p:txBody>
-          <a:bodyPr/>
-          <a:lstStyle/>
-          <a:p>
-            <a:endParaRPr lang="en-US" dirty="0"/>
-          </a:p>
-        </p:txBody>
-      </p:sp>
-      <p:pic>
-        <p:nvPicPr>
-          <p:cNvPr id="4099" name="Picture 3"/>
-          <p:cNvPicPr>
-            <a:picLocks noChangeAspect="1" noChangeArrowheads="1"/>
-          </p:cNvPicPr>
-          <p:nvPr/>
-        </p:nvPicPr>
-        <p:blipFill>
-          <a:blip r:embed="rId2"/>
-          <a:srcRect/>
-          <a:stretch>
-            <a:fillRect/>
-          </a:stretch>
-        </p:blipFill>
-        <p:spPr bwMode="auto">
-          <a:xfrm>
-            <a:off x="679268" y="1737360"/>
-            <a:ext cx="10411097" cy="4694480"/>
-          </a:xfrm>
-          <a:prstGeom prst="rect">
-            <a:avLst/>
-          </a:prstGeom>
-          <a:noFill/>
-          <a:ln w="9525">
-            <a:noFill/>
-            <a:miter lim="800000"/>
-            <a:headEnd/>
-            <a:tailEnd/>
-          </a:ln>
-          <a:effectLst/>
-        </p:spPr>
-      </p:pic>
-    </p:spTree>
-  </p:cSld>
-  <p:clrMapOvr>
-    <a:masterClrMapping/>
-  </p:clrMapOvr>
 </p:sld>
 </file>
 
@@ -9539,7 +7632,7 @@
     </p:spTree>
     <p:extLst>
       <p:ext uri="{BB962C8B-B14F-4D97-AF65-F5344CB8AC3E}">
-        <p14:creationId xmlns="" xmlns:p14="http://schemas.microsoft.com/office/powerpoint/2010/main" val="1328577666"/>
+        <p14:creationId xmlns:p14="http://schemas.microsoft.com/office/powerpoint/2010/main" xmlns="" val="1328577666"/>
       </p:ext>
     </p:extLst>
   </p:cSld>
@@ -9849,7 +7942,7 @@
     </p:spTree>
     <p:extLst>
       <p:ext uri="{BB962C8B-B14F-4D97-AF65-F5344CB8AC3E}">
-        <p14:creationId xmlns="" xmlns:p14="http://schemas.microsoft.com/office/powerpoint/2010/main" val="1328577666"/>
+        <p14:creationId xmlns:p14="http://schemas.microsoft.com/office/powerpoint/2010/main" xmlns="" val="1328577666"/>
       </p:ext>
     </p:extLst>
   </p:cSld>
@@ -10170,7 +8263,7 @@
     </p:spTree>
     <p:extLst>
       <p:ext uri="{BB962C8B-B14F-4D97-AF65-F5344CB8AC3E}">
-        <p14:creationId xmlns="" xmlns:p14="http://schemas.microsoft.com/office/powerpoint/2010/main" val="1328577666"/>
+        <p14:creationId xmlns:p14="http://schemas.microsoft.com/office/powerpoint/2010/main" xmlns="" val="1328577666"/>
       </p:ext>
     </p:extLst>
   </p:cSld>
@@ -10520,7 +8613,7 @@
     </p:spTree>
     <p:extLst>
       <p:ext uri="{BB962C8B-B14F-4D97-AF65-F5344CB8AC3E}">
-        <p14:creationId xmlns:p14="http://schemas.microsoft.com/office/powerpoint/2010/main" xmlns="" val="1328577666"/>
+        <p14:creationId xmlns="" xmlns:p14="http://schemas.microsoft.com/office/powerpoint/2010/main" val="1328577666"/>
       </p:ext>
     </p:extLst>
   </p:cSld>
@@ -10906,7 +8999,7 @@
     </p:spTree>
     <p:extLst>
       <p:ext uri="{BB962C8B-B14F-4D97-AF65-F5344CB8AC3E}">
-        <p14:creationId xmlns="" xmlns:p14="http://schemas.microsoft.com/office/powerpoint/2010/main" val="1328577666"/>
+        <p14:creationId xmlns:p14="http://schemas.microsoft.com/office/powerpoint/2010/main" xmlns="" val="1328577666"/>
       </p:ext>
     </p:extLst>
   </p:cSld>
@@ -11802,7 +9895,7 @@
     </p:spTree>
     <p:extLst>
       <p:ext uri="{BB962C8B-B14F-4D97-AF65-F5344CB8AC3E}">
-        <p14:creationId xmlns="" xmlns:p14="http://schemas.microsoft.com/office/powerpoint/2010/main" val="1328577666"/>
+        <p14:creationId xmlns:p14="http://schemas.microsoft.com/office/powerpoint/2010/main" xmlns="" val="1328577666"/>
       </p:ext>
     </p:extLst>
   </p:cSld>
@@ -12074,7 +10167,7 @@
   <a:extraClrSchemeLst/>
   <a:extLst>
     <a:ext uri="{05A4C25C-085E-4340-85A3-A5531E510DB2}">
-      <thm15:themeFamily xmlns:thm15="http://schemas.microsoft.com/office/thememl/2012/main" xmlns="" name="Office Theme" id="{62F939B6-93AF-4DB8-9C6B-D6C7DFDC589F}" vid="{4A3C46E8-61CC-4603-A589-7422A47A8E4A}"/>
+      <thm15:themeFamily xmlns="" xmlns:thm15="http://schemas.microsoft.com/office/thememl/2012/main" name="Office Theme" id="{62F939B6-93AF-4DB8-9C6B-D6C7DFDC589F}" vid="{4A3C46E8-61CC-4603-A589-7422A47A8E4A}"/>
     </a:ext>
   </a:extLst>
 </a:theme>
